--- a/Лекция 11 - универсальные типы, исключения.pptx
+++ b/Лекция 11 - универсальные типы, исключения.pptx
@@ -5,19 +5,24 @@
     <p:sldMasterId id="2147483648" r:id="rId1"/>
   </p:sldMasterIdLst>
   <p:notesMasterIdLst>
-    <p:notesMasterId r:id="rId12"/>
+    <p:notesMasterId r:id="rId17"/>
   </p:notesMasterIdLst>
   <p:sldIdLst>
     <p:sldId id="256" r:id="rId2"/>
     <p:sldId id="324" r:id="rId3"/>
-    <p:sldId id="325" r:id="rId4"/>
-    <p:sldId id="326" r:id="rId5"/>
-    <p:sldId id="327" r:id="rId6"/>
-    <p:sldId id="351" r:id="rId7"/>
-    <p:sldId id="352" r:id="rId8"/>
-    <p:sldId id="353" r:id="rId9"/>
-    <p:sldId id="354" r:id="rId10"/>
-    <p:sldId id="355" r:id="rId11"/>
+    <p:sldId id="356" r:id="rId4"/>
+    <p:sldId id="357" r:id="rId5"/>
+    <p:sldId id="358" r:id="rId6"/>
+    <p:sldId id="359" r:id="rId7"/>
+    <p:sldId id="360" r:id="rId8"/>
+    <p:sldId id="325" r:id="rId9"/>
+    <p:sldId id="326" r:id="rId10"/>
+    <p:sldId id="327" r:id="rId11"/>
+    <p:sldId id="351" r:id="rId12"/>
+    <p:sldId id="352" r:id="rId13"/>
+    <p:sldId id="353" r:id="rId14"/>
+    <p:sldId id="354" r:id="rId15"/>
+    <p:sldId id="355" r:id="rId16"/>
   </p:sldIdLst>
   <p:sldSz cx="9144000" cy="6858000" type="screen4x3"/>
   <p:notesSz cx="6858000" cy="9144000"/>
@@ -135,10 +140,6 @@
 </p:presentation>
 </file>
 
-<file path=ppt/revisionInfo.xml><?xml version="1.0" encoding="utf-8"?>
-<p1510:revInfo xmlns:a="http://schemas.openxmlformats.org/drawingml/2006/main" xmlns:r="http://schemas.openxmlformats.org/officeDocument/2006/relationships" xmlns:p1510="http://schemas.microsoft.com/office/powerpoint/2015/10/main"/>
-</file>
-
 <file path=ppt/notesMasters/notesMaster1.xml><?xml version="1.0" encoding="utf-8"?>
 <p:notesMaster xmlns:a="http://schemas.openxmlformats.org/drawingml/2006/main" xmlns:r="http://schemas.openxmlformats.org/officeDocument/2006/relationships" xmlns:p="http://schemas.openxmlformats.org/presentationml/2006/main">
   <p:cSld>
@@ -221,7 +222,7 @@
           <a:p>
             <a:fld id="{57B1F2C7-647D-4E6C-9518-78BBA26636CD}" type="datetimeFigureOut">
               <a:rPr lang="ru-RU" smtClean="0"/>
-              <a:t>18.12.2017</a:t>
+              <a:t>11.11.2022</a:t>
             </a:fld>
             <a:endParaRPr lang="ru-RU"/>
           </a:p>
@@ -664,7 +665,7 @@
           <a:p>
             <a:fld id="{C73210D8-0ADD-4144-99DB-36AF6F7F4769}" type="datetime1">
               <a:rPr lang="ru-RU" smtClean="0"/>
-              <a:t>18.12.2017</a:t>
+              <a:t>11.11.2022</a:t>
             </a:fld>
             <a:endParaRPr lang="ru-RU"/>
           </a:p>
@@ -828,7 +829,7 @@
           <a:p>
             <a:fld id="{27A63F07-4B06-4241-8BF1-A9844368449D}" type="datetime1">
               <a:rPr lang="ru-RU" smtClean="0"/>
-              <a:t>18.12.2017</a:t>
+              <a:t>11.11.2022</a:t>
             </a:fld>
             <a:endParaRPr lang="ru-RU"/>
           </a:p>
@@ -1002,7 +1003,7 @@
           <a:p>
             <a:fld id="{3F8AB66D-523D-4507-8278-3E470C7309EC}" type="datetime1">
               <a:rPr lang="ru-RU" smtClean="0"/>
-              <a:t>18.12.2017</a:t>
+              <a:t>11.11.2022</a:t>
             </a:fld>
             <a:endParaRPr lang="ru-RU"/>
           </a:p>
@@ -1166,7 +1167,7 @@
           <a:p>
             <a:fld id="{0A9BC236-CEED-4B53-84F1-244A32BF83C2}" type="datetime1">
               <a:rPr lang="ru-RU" smtClean="0"/>
-              <a:t>18.12.2017</a:t>
+              <a:t>11.11.2022</a:t>
             </a:fld>
             <a:endParaRPr lang="ru-RU"/>
           </a:p>
@@ -1407,7 +1408,7 @@
           <a:p>
             <a:fld id="{C463DB76-D7B4-49A6-8E2B-EDDC0BDFD794}" type="datetime1">
               <a:rPr lang="ru-RU" smtClean="0"/>
-              <a:t>18.12.2017</a:t>
+              <a:t>11.11.2022</a:t>
             </a:fld>
             <a:endParaRPr lang="ru-RU"/>
           </a:p>
@@ -1688,7 +1689,7 @@
           <a:p>
             <a:fld id="{8EDEA1B5-828D-41D8-B8F3-6BEE18A37870}" type="datetime1">
               <a:rPr lang="ru-RU" smtClean="0"/>
-              <a:t>18.12.2017</a:t>
+              <a:t>11.11.2022</a:t>
             </a:fld>
             <a:endParaRPr lang="ru-RU"/>
           </a:p>
@@ -2103,7 +2104,7 @@
           <a:p>
             <a:fld id="{05792716-711D-42EE-8BD8-AC77A163DBF3}" type="datetime1">
               <a:rPr lang="ru-RU" smtClean="0"/>
-              <a:t>18.12.2017</a:t>
+              <a:t>11.11.2022</a:t>
             </a:fld>
             <a:endParaRPr lang="ru-RU"/>
           </a:p>
@@ -2216,7 +2217,7 @@
           <a:p>
             <a:fld id="{D513BA53-E41C-4416-8973-8825CA91D5D7}" type="datetime1">
               <a:rPr lang="ru-RU" smtClean="0"/>
-              <a:t>18.12.2017</a:t>
+              <a:t>11.11.2022</a:t>
             </a:fld>
             <a:endParaRPr lang="ru-RU"/>
           </a:p>
@@ -2307,7 +2308,7 @@
           <a:p>
             <a:fld id="{50A6215C-0471-40A4-B786-2B3C7B63D11F}" type="datetime1">
               <a:rPr lang="ru-RU" smtClean="0"/>
-              <a:t>18.12.2017</a:t>
+              <a:t>11.11.2022</a:t>
             </a:fld>
             <a:endParaRPr lang="ru-RU"/>
           </a:p>
@@ -2578,7 +2579,7 @@
           <a:p>
             <a:fld id="{F0F66C35-C07B-4696-A226-4295686BDE80}" type="datetime1">
               <a:rPr lang="ru-RU" smtClean="0"/>
-              <a:t>18.12.2017</a:t>
+              <a:t>11.11.2022</a:t>
             </a:fld>
             <a:endParaRPr lang="ru-RU"/>
           </a:p>
@@ -2826,7 +2827,7 @@
           <a:p>
             <a:fld id="{7A03856C-7F4A-4A83-A46C-A5B39F0F2C10}" type="datetime1">
               <a:rPr lang="ru-RU" smtClean="0"/>
-              <a:t>18.12.2017</a:t>
+              <a:t>11.11.2022</a:t>
             </a:fld>
             <a:endParaRPr lang="ru-RU"/>
           </a:p>
@@ -3033,7 +3034,7 @@
           <a:p>
             <a:fld id="{073A2CB4-22C2-44D0-88EC-161B1103081B}" type="datetime1">
               <a:rPr lang="ru-RU" smtClean="0"/>
-              <a:t>18.12.2017</a:t>
+              <a:t>11.11.2022</a:t>
             </a:fld>
             <a:endParaRPr lang="ru-RU"/>
           </a:p>
@@ -3536,6 +3537,1362 @@
         </p:nvSpPr>
         <p:spPr>
           <a:xfrm>
+            <a:off x="251520" y="404664"/>
+            <a:ext cx="8435280" cy="6120680"/>
+          </a:xfrm>
+        </p:spPr>
+        <p:txBody>
+          <a:bodyPr>
+            <a:normAutofit fontScale="92500" lnSpcReduction="10000"/>
+          </a:bodyPr>
+          <a:lstStyle/>
+          <a:p>
+            <a:pPr>
+              <a:buNone/>
+            </a:pPr>
+            <a:r>
+              <a:rPr lang="en-US" dirty="0"/>
+              <a:t> //</a:t>
+            </a:r>
+            <a:r>
+              <a:rPr lang="ru-RU" dirty="0"/>
+              <a:t>поиск максимума:</a:t>
+            </a:r>
+            <a:r>
+              <a:rPr lang="en-US" dirty="0"/>
+              <a:t>	   </a:t>
+            </a:r>
+          </a:p>
+          <a:p>
+            <a:pPr>
+              <a:buNone/>
+            </a:pPr>
+            <a:r>
+              <a:rPr lang="ru-RU" dirty="0"/>
+              <a:t>	  </a:t>
+            </a:r>
+            <a:r>
+              <a:rPr lang="en-US" dirty="0"/>
+              <a:t>public T </a:t>
+            </a:r>
+            <a:r>
+              <a:rPr lang="en-US" dirty="0" err="1"/>
+              <a:t>FindMax</a:t>
+            </a:r>
+            <a:r>
+              <a:rPr lang="en-US" dirty="0"/>
+              <a:t>()</a:t>
+            </a:r>
+          </a:p>
+          <a:p>
+            <a:pPr>
+              <a:buNone/>
+            </a:pPr>
+            <a:r>
+              <a:rPr lang="en-US" dirty="0"/>
+              <a:t>	  {</a:t>
+            </a:r>
+          </a:p>
+          <a:p>
+            <a:pPr>
+              <a:buNone/>
+            </a:pPr>
+            <a:r>
+              <a:rPr lang="ru-RU" dirty="0"/>
+              <a:t>		</a:t>
+            </a:r>
+            <a:r>
+              <a:rPr lang="en-US" dirty="0"/>
+              <a:t>T max = values[0];</a:t>
+            </a:r>
+          </a:p>
+          <a:p>
+            <a:pPr>
+              <a:buNone/>
+            </a:pPr>
+            <a:r>
+              <a:rPr lang="en-US" dirty="0"/>
+              <a:t>	 	for( </a:t>
+            </a:r>
+            <a:r>
+              <a:rPr lang="en-US" dirty="0" err="1"/>
+              <a:t>int</a:t>
+            </a:r>
+            <a:r>
+              <a:rPr lang="en-US" dirty="0"/>
+              <a:t> </a:t>
+            </a:r>
+            <a:r>
+              <a:rPr lang="en-US" dirty="0" err="1"/>
+              <a:t>i</a:t>
+            </a:r>
+            <a:r>
+              <a:rPr lang="en-US" dirty="0"/>
+              <a:t>  = 1; </a:t>
+            </a:r>
+            <a:r>
+              <a:rPr lang="en-US" dirty="0" err="1"/>
+              <a:t>i</a:t>
+            </a:r>
+            <a:r>
+              <a:rPr lang="en-US" dirty="0"/>
+              <a:t> &lt; </a:t>
+            </a:r>
+            <a:r>
+              <a:rPr lang="en-US" dirty="0" err="1"/>
+              <a:t>values.Length</a:t>
+            </a:r>
+            <a:r>
+              <a:rPr lang="en-US" dirty="0"/>
+              <a:t>; ++</a:t>
+            </a:r>
+            <a:r>
+              <a:rPr lang="en-US" dirty="0" err="1"/>
+              <a:t>i</a:t>
+            </a:r>
+            <a:r>
+              <a:rPr lang="en-US" dirty="0"/>
+              <a:t> </a:t>
+            </a:r>
+            <a:r>
+              <a:rPr lang="ru-RU" dirty="0"/>
+              <a:t>)</a:t>
+            </a:r>
+            <a:r>
+              <a:rPr lang="en-US" dirty="0"/>
+              <a:t>{</a:t>
+            </a:r>
+          </a:p>
+          <a:p>
+            <a:pPr>
+              <a:buNone/>
+            </a:pPr>
+            <a:r>
+              <a:rPr lang="en-US" dirty="0"/>
+              <a:t>	             if( values[</a:t>
+            </a:r>
+            <a:r>
+              <a:rPr lang="en-US" dirty="0" err="1"/>
+              <a:t>i</a:t>
+            </a:r>
+            <a:r>
+              <a:rPr lang="en-US" dirty="0"/>
+              <a:t>].</a:t>
+            </a:r>
+            <a:r>
+              <a:rPr lang="en-US" dirty="0" err="1"/>
+              <a:t>CompareTo</a:t>
+            </a:r>
+            <a:r>
+              <a:rPr lang="en-US" dirty="0"/>
+              <a:t>( max ) &gt; 0 ){</a:t>
+            </a:r>
+          </a:p>
+          <a:p>
+            <a:pPr>
+              <a:buNone/>
+            </a:pPr>
+            <a:r>
+              <a:rPr lang="en-US" dirty="0"/>
+              <a:t>		            max = values[</a:t>
+            </a:r>
+            <a:r>
+              <a:rPr lang="en-US" dirty="0" err="1"/>
+              <a:t>i</a:t>
+            </a:r>
+            <a:r>
+              <a:rPr lang="en-US" dirty="0"/>
+              <a:t>];</a:t>
+            </a:r>
+          </a:p>
+          <a:p>
+            <a:pPr>
+              <a:buNone/>
+            </a:pPr>
+            <a:r>
+              <a:rPr lang="en-US" dirty="0"/>
+              <a:t>		       }</a:t>
+            </a:r>
+          </a:p>
+          <a:p>
+            <a:pPr>
+              <a:buNone/>
+            </a:pPr>
+            <a:r>
+              <a:rPr lang="en-US" dirty="0"/>
+              <a:t>		}</a:t>
+            </a:r>
+            <a:r>
+              <a:rPr lang="ru-RU" dirty="0"/>
+              <a:t>		</a:t>
+            </a:r>
+            <a:endParaRPr lang="en-US" dirty="0"/>
+          </a:p>
+          <a:p>
+            <a:pPr>
+              <a:buNone/>
+            </a:pPr>
+            <a:r>
+              <a:rPr lang="en-US" dirty="0"/>
+              <a:t>		return max;</a:t>
+            </a:r>
+          </a:p>
+          <a:p>
+            <a:pPr>
+              <a:buNone/>
+            </a:pPr>
+            <a:r>
+              <a:rPr lang="en-US" dirty="0"/>
+              <a:t>	</a:t>
+            </a:r>
+            <a:r>
+              <a:rPr lang="ru-RU" dirty="0"/>
+              <a:t>   </a:t>
+            </a:r>
+            <a:r>
+              <a:rPr lang="en-US" dirty="0"/>
+              <a:t>}</a:t>
+            </a:r>
+            <a:r>
+              <a:rPr lang="ru-RU" dirty="0"/>
+              <a:t>    </a:t>
+            </a:r>
+          </a:p>
+          <a:p>
+            <a:pPr>
+              <a:buNone/>
+            </a:pPr>
+            <a:r>
+              <a:rPr lang="ru-RU" dirty="0"/>
+              <a:t>}</a:t>
+            </a:r>
+          </a:p>
+        </p:txBody>
+      </p:sp>
+      <p:sp>
+        <p:nvSpPr>
+          <p:cNvPr id="4" name="Номер слайда 3"/>
+          <p:cNvSpPr>
+            <a:spLocks noGrp="1"/>
+          </p:cNvSpPr>
+          <p:nvPr>
+            <p:ph type="sldNum" sz="quarter" idx="12"/>
+          </p:nvPr>
+        </p:nvSpPr>
+        <p:spPr/>
+        <p:txBody>
+          <a:bodyPr/>
+          <a:lstStyle/>
+          <a:p>
+            <a:fld id="{194E9D9E-8475-4C3D-B07C-FDD1702DB06B}" type="slidenum">
+              <a:rPr lang="ru-RU" smtClean="0"/>
+              <a:pPr/>
+              <a:t>10</a:t>
+            </a:fld>
+            <a:endParaRPr lang="ru-RU"/>
+          </a:p>
+        </p:txBody>
+      </p:sp>
+    </p:spTree>
+    <p:extLst>
+      <p:ext uri="{BB962C8B-B14F-4D97-AF65-F5344CB8AC3E}">
+        <p14:creationId xmlns:p14="http://schemas.microsoft.com/office/powerpoint/2010/main" val="3794680546"/>
+      </p:ext>
+    </p:extLst>
+  </p:cSld>
+  <p:clrMapOvr>
+    <a:masterClrMapping/>
+  </p:clrMapOvr>
+</p:sld>
+</file>
+
+<file path=ppt/slides/slide11.xml><?xml version="1.0" encoding="utf-8"?>
+<p:sld xmlns:a="http://schemas.openxmlformats.org/drawingml/2006/main" xmlns:r="http://schemas.openxmlformats.org/officeDocument/2006/relationships" xmlns:p="http://schemas.openxmlformats.org/presentationml/2006/main">
+  <p:cSld>
+    <p:spTree>
+      <p:nvGrpSpPr>
+        <p:cNvPr id="1" name=""/>
+        <p:cNvGrpSpPr/>
+        <p:nvPr/>
+      </p:nvGrpSpPr>
+      <p:grpSpPr>
+        <a:xfrm>
+          <a:off x="0" y="0"/>
+          <a:ext cx="0" cy="0"/>
+          <a:chOff x="0" y="0"/>
+          <a:chExt cx="0" cy="0"/>
+        </a:xfrm>
+      </p:grpSpPr>
+      <p:sp>
+        <p:nvSpPr>
+          <p:cNvPr id="2" name="Заголовок 1"/>
+          <p:cNvSpPr>
+            <a:spLocks noGrp="1"/>
+          </p:cNvSpPr>
+          <p:nvPr>
+            <p:ph type="title"/>
+          </p:nvPr>
+        </p:nvSpPr>
+        <p:spPr>
+          <a:xfrm>
+            <a:off x="467544" y="0"/>
+            <a:ext cx="8229600" cy="836712"/>
+          </a:xfrm>
+        </p:spPr>
+        <p:txBody>
+          <a:bodyPr/>
+          <a:lstStyle/>
+          <a:p>
+            <a:r>
+              <a:rPr lang="ru-RU" dirty="0"/>
+              <a:t>Обработка ошибок</a:t>
+            </a:r>
+          </a:p>
+        </p:txBody>
+      </p:sp>
+      <p:sp>
+        <p:nvSpPr>
+          <p:cNvPr id="3" name="Содержимое 2"/>
+          <p:cNvSpPr>
+            <a:spLocks noGrp="1"/>
+          </p:cNvSpPr>
+          <p:nvPr>
+            <p:ph idx="1"/>
+          </p:nvPr>
+        </p:nvSpPr>
+        <p:spPr>
+          <a:xfrm>
+            <a:off x="179512" y="764704"/>
+            <a:ext cx="8784976" cy="6093296"/>
+          </a:xfrm>
+        </p:spPr>
+        <p:txBody>
+          <a:bodyPr>
+            <a:normAutofit fontScale="70000" lnSpcReduction="20000"/>
+          </a:bodyPr>
+          <a:lstStyle/>
+          <a:p>
+            <a:r>
+              <a:rPr lang="ru-RU" b="1" dirty="0"/>
+              <a:t>Программные ошибки (</a:t>
+            </a:r>
+            <a:r>
+              <a:rPr lang="ru-RU" b="1" dirty="0" err="1"/>
+              <a:t>bugs</a:t>
+            </a:r>
+            <a:r>
+              <a:rPr lang="ru-RU" b="1" dirty="0"/>
+              <a:t>)</a:t>
+            </a:r>
+            <a:r>
+              <a:rPr lang="ru-RU" dirty="0"/>
+              <a:t> Так обычно называются ошибки, которые допускает программист. Например, предположим, что приложение создается с помощью неуправляемого языка С++. Если динамически выделяемая память не освобождается, что чревато утечкой памяти, появляется программная ошибка.</a:t>
+            </a:r>
+          </a:p>
+          <a:p>
+            <a:r>
+              <a:rPr lang="ru-RU" b="1" dirty="0"/>
+              <a:t>Пользовательские ошибки (</a:t>
+            </a:r>
+            <a:r>
+              <a:rPr lang="ru-RU" b="1" dirty="0" err="1"/>
+              <a:t>user</a:t>
+            </a:r>
+            <a:r>
+              <a:rPr lang="ru-RU" b="1" dirty="0"/>
+              <a:t> </a:t>
+            </a:r>
+            <a:r>
+              <a:rPr lang="ru-RU" b="1" dirty="0" err="1"/>
+              <a:t>errors</a:t>
+            </a:r>
+            <a:r>
+              <a:rPr lang="ru-RU" b="1" dirty="0"/>
+              <a:t>)</a:t>
+            </a:r>
+            <a:r>
+              <a:rPr lang="ru-RU" dirty="0"/>
+              <a:t> В отличие от программных ошибок, пользовательские ошибки обычно возникают из-за тех, кто запускает приложение, а не тех, кто его создает. Например, ввод строки вместо числа.</a:t>
+            </a:r>
+          </a:p>
+          <a:p>
+            <a:r>
+              <a:rPr lang="ru-RU" b="1" dirty="0"/>
+              <a:t>Исключения (</a:t>
+            </a:r>
+            <a:r>
+              <a:rPr lang="ru-RU" b="1" dirty="0" err="1"/>
+              <a:t>exceptions</a:t>
+            </a:r>
+            <a:r>
+              <a:rPr lang="ru-RU" b="1" dirty="0"/>
+              <a:t>)</a:t>
+            </a:r>
+            <a:r>
+              <a:rPr lang="ru-RU" dirty="0"/>
+              <a:t> Исключениями, или исключительными ситуациями, обычно называются аномалии, которые могут возникать во время выполнения и которые трудно, а порой и вообще невозможно, предусмотреть во время программирования приложения. К числу таких возможных исключений относятся попытки подключения к базе данных, которой больше не существует, попытки открытия поврежденного файла или попытки установки связи с машиной, которая в текущий момент находится в автономном режиме. В каждом из этих случаев программист (и конечный пользователь) мало что может сделать с подобными "исключительными" обстоятельствами.</a:t>
+            </a:r>
+          </a:p>
+        </p:txBody>
+      </p:sp>
+      <p:sp>
+        <p:nvSpPr>
+          <p:cNvPr id="4" name="Номер слайда 3"/>
+          <p:cNvSpPr>
+            <a:spLocks noGrp="1"/>
+          </p:cNvSpPr>
+          <p:nvPr>
+            <p:ph type="sldNum" sz="quarter" idx="12"/>
+          </p:nvPr>
+        </p:nvSpPr>
+        <p:spPr/>
+        <p:txBody>
+          <a:bodyPr/>
+          <a:lstStyle/>
+          <a:p>
+            <a:fld id="{194E9D9E-8475-4C3D-B07C-FDD1702DB06B}" type="slidenum">
+              <a:rPr lang="ru-RU" smtClean="0"/>
+              <a:pPr/>
+              <a:t>11</a:t>
+            </a:fld>
+            <a:endParaRPr lang="ru-RU"/>
+          </a:p>
+        </p:txBody>
+      </p:sp>
+    </p:spTree>
+    <p:extLst>
+      <p:ext uri="{BB962C8B-B14F-4D97-AF65-F5344CB8AC3E}">
+        <p14:creationId xmlns:p14="http://schemas.microsoft.com/office/powerpoint/2010/main" val="476689317"/>
+      </p:ext>
+    </p:extLst>
+  </p:cSld>
+  <p:clrMapOvr>
+    <a:masterClrMapping/>
+  </p:clrMapOvr>
+</p:sld>
+</file>
+
+<file path=ppt/slides/slide12.xml><?xml version="1.0" encoding="utf-8"?>
+<p:sld xmlns:a="http://schemas.openxmlformats.org/drawingml/2006/main" xmlns:r="http://schemas.openxmlformats.org/officeDocument/2006/relationships" xmlns:p="http://schemas.openxmlformats.org/presentationml/2006/main">
+  <p:cSld>
+    <p:spTree>
+      <p:nvGrpSpPr>
+        <p:cNvPr id="1" name=""/>
+        <p:cNvGrpSpPr/>
+        <p:nvPr/>
+      </p:nvGrpSpPr>
+      <p:grpSpPr>
+        <a:xfrm>
+          <a:off x="0" y="0"/>
+          <a:ext cx="0" cy="0"/>
+          <a:chOff x="0" y="0"/>
+          <a:chExt cx="0" cy="0"/>
+        </a:xfrm>
+      </p:grpSpPr>
+      <p:sp>
+        <p:nvSpPr>
+          <p:cNvPr id="3" name="Содержимое 2"/>
+          <p:cNvSpPr>
+            <a:spLocks noGrp="1"/>
+          </p:cNvSpPr>
+          <p:nvPr>
+            <p:ph idx="1"/>
+          </p:nvPr>
+        </p:nvSpPr>
+        <p:spPr>
+          <a:xfrm>
+            <a:off x="179512" y="260648"/>
+            <a:ext cx="8784976" cy="6597352"/>
+          </a:xfrm>
+        </p:spPr>
+        <p:txBody>
+          <a:bodyPr>
+            <a:normAutofit fontScale="92500" lnSpcReduction="20000"/>
+          </a:bodyPr>
+          <a:lstStyle/>
+          <a:p>
+            <a:r>
+              <a:rPr lang="ru-RU" dirty="0"/>
+              <a:t>Для обработки исключений C# оперирует следующими блоками: </a:t>
+            </a:r>
+          </a:p>
+          <a:p>
+            <a:r>
+              <a:rPr lang="ru-RU" dirty="0"/>
+              <a:t>Блоки </a:t>
+            </a:r>
+            <a:r>
+              <a:rPr lang="ru-RU" b="1" dirty="0" err="1"/>
+              <a:t>try</a:t>
+            </a:r>
+            <a:r>
+              <a:rPr lang="ru-RU" dirty="0"/>
+              <a:t> инкапсулируют код, формирующий часть нормальных действий программы, которые потенциально могут столкнуться с серьезными ошибочными ситуациями.</a:t>
+            </a:r>
+          </a:p>
+          <a:p>
+            <a:r>
+              <a:rPr lang="ru-RU" dirty="0"/>
+              <a:t>Блоки </a:t>
+            </a:r>
+            <a:r>
+              <a:rPr lang="ru-RU" b="1" dirty="0" err="1"/>
+              <a:t>catch</a:t>
+            </a:r>
+            <a:r>
+              <a:rPr lang="ru-RU" dirty="0"/>
+              <a:t> инкапсулируют код, который обрабатывает ошибочные ситуации, происходящие в коде блока </a:t>
+            </a:r>
+            <a:r>
+              <a:rPr lang="ru-RU" dirty="0" err="1"/>
+              <a:t>try</a:t>
+            </a:r>
+            <a:r>
+              <a:rPr lang="ru-RU" dirty="0"/>
+              <a:t>. Это также удобное место для протоколирования ошибок.</a:t>
+            </a:r>
+          </a:p>
+          <a:p>
+            <a:r>
+              <a:rPr lang="ru-RU" dirty="0"/>
+              <a:t>Блоки </a:t>
+            </a:r>
+            <a:r>
+              <a:rPr lang="ru-RU" b="1" dirty="0" err="1"/>
+              <a:t>finally</a:t>
+            </a:r>
+            <a:r>
+              <a:rPr lang="ru-RU" dirty="0"/>
+              <a:t> инкапсулируют код, очищающий любые ресурсы или выполняющий другие действия, которые обычно нужно выполнить в конце блоков </a:t>
+            </a:r>
+            <a:r>
+              <a:rPr lang="ru-RU" dirty="0" err="1"/>
+              <a:t>try</a:t>
+            </a:r>
+            <a:r>
+              <a:rPr lang="ru-RU" dirty="0"/>
+              <a:t> или </a:t>
+            </a:r>
+            <a:r>
+              <a:rPr lang="ru-RU" dirty="0" err="1"/>
+              <a:t>catch</a:t>
+            </a:r>
+            <a:r>
+              <a:rPr lang="ru-RU" dirty="0"/>
+              <a:t>. Важно понимать, что этот блок выполняется независимо от того, </a:t>
+            </a:r>
+            <a:r>
+              <a:rPr lang="ru-RU" dirty="0" err="1"/>
+              <a:t>сгенерированo</a:t>
+            </a:r>
+            <a:r>
+              <a:rPr lang="ru-RU" dirty="0"/>
+              <a:t> исключение или нет.</a:t>
+            </a:r>
+          </a:p>
+          <a:p>
+            <a:endParaRPr lang="ru-RU" dirty="0"/>
+          </a:p>
+        </p:txBody>
+      </p:sp>
+      <p:sp>
+        <p:nvSpPr>
+          <p:cNvPr id="4" name="Номер слайда 3"/>
+          <p:cNvSpPr>
+            <a:spLocks noGrp="1"/>
+          </p:cNvSpPr>
+          <p:nvPr>
+            <p:ph type="sldNum" sz="quarter" idx="12"/>
+          </p:nvPr>
+        </p:nvSpPr>
+        <p:spPr/>
+        <p:txBody>
+          <a:bodyPr/>
+          <a:lstStyle/>
+          <a:p>
+            <a:fld id="{194E9D9E-8475-4C3D-B07C-FDD1702DB06B}" type="slidenum">
+              <a:rPr lang="ru-RU" smtClean="0"/>
+              <a:pPr/>
+              <a:t>12</a:t>
+            </a:fld>
+            <a:endParaRPr lang="ru-RU"/>
+          </a:p>
+        </p:txBody>
+      </p:sp>
+    </p:spTree>
+    <p:extLst>
+      <p:ext uri="{BB962C8B-B14F-4D97-AF65-F5344CB8AC3E}">
+        <p14:creationId xmlns:p14="http://schemas.microsoft.com/office/powerpoint/2010/main" val="2153577452"/>
+      </p:ext>
+    </p:extLst>
+  </p:cSld>
+  <p:clrMapOvr>
+    <a:masterClrMapping/>
+  </p:clrMapOvr>
+</p:sld>
+</file>
+
+<file path=ppt/slides/slide13.xml><?xml version="1.0" encoding="utf-8"?>
+<p:sld xmlns:a="http://schemas.openxmlformats.org/drawingml/2006/main" xmlns:r="http://schemas.openxmlformats.org/officeDocument/2006/relationships" xmlns:p="http://schemas.openxmlformats.org/presentationml/2006/main">
+  <p:cSld>
+    <p:spTree>
+      <p:nvGrpSpPr>
+        <p:cNvPr id="1" name=""/>
+        <p:cNvGrpSpPr/>
+        <p:nvPr/>
+      </p:nvGrpSpPr>
+      <p:grpSpPr>
+        <a:xfrm>
+          <a:off x="0" y="0"/>
+          <a:ext cx="0" cy="0"/>
+          <a:chOff x="0" y="0"/>
+          <a:chExt cx="0" cy="0"/>
+        </a:xfrm>
+      </p:grpSpPr>
+      <p:sp>
+        <p:nvSpPr>
+          <p:cNvPr id="2" name="Заголовок 1"/>
+          <p:cNvSpPr>
+            <a:spLocks noGrp="1"/>
+          </p:cNvSpPr>
+          <p:nvPr>
+            <p:ph type="title"/>
+          </p:nvPr>
+        </p:nvSpPr>
+        <p:spPr>
+          <a:xfrm>
+            <a:off x="467544" y="0"/>
+            <a:ext cx="8229600" cy="836712"/>
+          </a:xfrm>
+        </p:spPr>
+        <p:txBody>
+          <a:bodyPr/>
+          <a:lstStyle/>
+          <a:p>
+            <a:r>
+              <a:rPr lang="ru-RU" dirty="0"/>
+              <a:t>Обработка исключений</a:t>
+            </a:r>
+          </a:p>
+        </p:txBody>
+      </p:sp>
+      <p:sp>
+        <p:nvSpPr>
+          <p:cNvPr id="3" name="Содержимое 2"/>
+          <p:cNvSpPr>
+            <a:spLocks noGrp="1"/>
+          </p:cNvSpPr>
+          <p:nvPr>
+            <p:ph idx="1"/>
+          </p:nvPr>
+        </p:nvSpPr>
+        <p:spPr>
+          <a:xfrm>
+            <a:off x="179512" y="908720"/>
+            <a:ext cx="8784976" cy="5760640"/>
+          </a:xfrm>
+        </p:spPr>
+        <p:txBody>
+          <a:bodyPr>
+            <a:normAutofit fontScale="85000" lnSpcReduction="20000"/>
+          </a:bodyPr>
+          <a:lstStyle/>
+          <a:p>
+            <a:pPr>
+              <a:buNone/>
+            </a:pPr>
+            <a:r>
+              <a:rPr lang="en-US" i="1" dirty="0"/>
+              <a:t>try { </a:t>
+            </a:r>
+            <a:endParaRPr lang="ru-RU" i="1" dirty="0"/>
+          </a:p>
+          <a:p>
+            <a:pPr>
+              <a:buNone/>
+            </a:pPr>
+            <a:r>
+              <a:rPr lang="ru-RU" i="1" dirty="0"/>
+              <a:t>	</a:t>
+            </a:r>
+            <a:r>
+              <a:rPr lang="en-US" i="1" dirty="0"/>
+              <a:t>// </a:t>
+            </a:r>
+            <a:r>
+              <a:rPr lang="ru-RU" i="1" dirty="0"/>
+              <a:t>Блок кода, проверяемый на наличие ошибок. </a:t>
+            </a:r>
+          </a:p>
+          <a:p>
+            <a:pPr>
+              <a:buNone/>
+            </a:pPr>
+            <a:r>
+              <a:rPr lang="ru-RU" i="1" dirty="0"/>
+              <a:t>} </a:t>
+            </a:r>
+            <a:r>
+              <a:rPr lang="en-US" i="1" dirty="0"/>
+              <a:t>catch (ExcepType1 </a:t>
+            </a:r>
+            <a:r>
+              <a:rPr lang="en-US" i="1" dirty="0" err="1"/>
+              <a:t>exOb</a:t>
+            </a:r>
+            <a:r>
+              <a:rPr lang="en-US" i="1" dirty="0"/>
+              <a:t>) </a:t>
+            </a:r>
+            <a:endParaRPr lang="ru-RU" i="1" dirty="0"/>
+          </a:p>
+          <a:p>
+            <a:pPr>
+              <a:buNone/>
+            </a:pPr>
+            <a:r>
+              <a:rPr lang="en-US" i="1" dirty="0"/>
+              <a:t>{ </a:t>
+            </a:r>
+            <a:endParaRPr lang="ru-RU" i="1" dirty="0"/>
+          </a:p>
+          <a:p>
+            <a:pPr>
+              <a:buNone/>
+            </a:pPr>
+            <a:r>
+              <a:rPr lang="ru-RU" i="1" dirty="0"/>
+              <a:t>	</a:t>
+            </a:r>
+            <a:r>
+              <a:rPr lang="en-US" i="1" dirty="0"/>
+              <a:t>// </a:t>
+            </a:r>
+            <a:r>
+              <a:rPr lang="ru-RU" i="1" dirty="0"/>
+              <a:t>Обработчик исключения типа </a:t>
+            </a:r>
+            <a:r>
+              <a:rPr lang="en-US" i="1" dirty="0"/>
+              <a:t>ExcepType1. </a:t>
+            </a:r>
+            <a:endParaRPr lang="ru-RU" i="1" dirty="0"/>
+          </a:p>
+          <a:p>
+            <a:pPr>
+              <a:buNone/>
+            </a:pPr>
+            <a:r>
+              <a:rPr lang="en-US" i="1" dirty="0"/>
+              <a:t>} catch (ExcepType2 </a:t>
+            </a:r>
+            <a:r>
+              <a:rPr lang="en-US" i="1" dirty="0" err="1"/>
+              <a:t>exOb</a:t>
+            </a:r>
+            <a:r>
+              <a:rPr lang="en-US" i="1" dirty="0"/>
+              <a:t>) </a:t>
+            </a:r>
+            <a:endParaRPr lang="ru-RU" i="1" dirty="0"/>
+          </a:p>
+          <a:p>
+            <a:pPr>
+              <a:buNone/>
+            </a:pPr>
+            <a:r>
+              <a:rPr lang="en-US" i="1" dirty="0"/>
+              <a:t>{</a:t>
+            </a:r>
+            <a:endParaRPr lang="ru-RU" i="1" dirty="0"/>
+          </a:p>
+          <a:p>
+            <a:pPr>
+              <a:buNone/>
+            </a:pPr>
+            <a:r>
+              <a:rPr lang="en-US" i="1" dirty="0"/>
+              <a:t> </a:t>
+            </a:r>
+            <a:r>
+              <a:rPr lang="ru-RU" i="1" dirty="0"/>
+              <a:t>	</a:t>
+            </a:r>
+            <a:r>
+              <a:rPr lang="en-US" i="1" dirty="0"/>
+              <a:t>// </a:t>
+            </a:r>
+            <a:r>
+              <a:rPr lang="ru-RU" i="1" dirty="0"/>
+              <a:t>Обработчик исключения типа </a:t>
+            </a:r>
+            <a:r>
+              <a:rPr lang="en-US" i="1" dirty="0"/>
+              <a:t>ExcepType2. </a:t>
+            </a:r>
+            <a:endParaRPr lang="ru-RU" i="1" dirty="0"/>
+          </a:p>
+          <a:p>
+            <a:pPr>
+              <a:buNone/>
+            </a:pPr>
+            <a:r>
+              <a:rPr lang="en-US" i="1" dirty="0"/>
+              <a:t>}</a:t>
+            </a:r>
+            <a:r>
+              <a:rPr lang="ru-RU" i="1" dirty="0"/>
+              <a:t> </a:t>
+            </a:r>
+            <a:r>
+              <a:rPr lang="en-US" i="1" dirty="0"/>
+              <a:t>finally</a:t>
+            </a:r>
+          </a:p>
+          <a:p>
+            <a:pPr>
+              <a:buNone/>
+            </a:pPr>
+            <a:r>
+              <a:rPr lang="en-US" i="1" dirty="0"/>
+              <a:t>{</a:t>
+            </a:r>
+          </a:p>
+          <a:p>
+            <a:pPr>
+              <a:buNone/>
+            </a:pPr>
+            <a:r>
+              <a:rPr lang="en-US" i="1" dirty="0"/>
+              <a:t>	//</a:t>
+            </a:r>
+            <a:r>
+              <a:rPr lang="ru-RU" i="1" dirty="0"/>
+              <a:t>действия, которые требуется выполнить в любом случае</a:t>
+            </a:r>
+            <a:endParaRPr lang="en-US" i="1" dirty="0"/>
+          </a:p>
+          <a:p>
+            <a:pPr>
+              <a:buNone/>
+            </a:pPr>
+            <a:r>
+              <a:rPr lang="en-US" i="1" dirty="0"/>
+              <a:t>}</a:t>
+            </a:r>
+            <a:endParaRPr lang="ru-RU" dirty="0"/>
+          </a:p>
+          <a:p>
+            <a:endParaRPr lang="ru-RU" dirty="0"/>
+          </a:p>
+        </p:txBody>
+      </p:sp>
+      <p:sp>
+        <p:nvSpPr>
+          <p:cNvPr id="4" name="Номер слайда 3"/>
+          <p:cNvSpPr>
+            <a:spLocks noGrp="1"/>
+          </p:cNvSpPr>
+          <p:nvPr>
+            <p:ph type="sldNum" sz="quarter" idx="12"/>
+          </p:nvPr>
+        </p:nvSpPr>
+        <p:spPr/>
+        <p:txBody>
+          <a:bodyPr/>
+          <a:lstStyle/>
+          <a:p>
+            <a:fld id="{194E9D9E-8475-4C3D-B07C-FDD1702DB06B}" type="slidenum">
+              <a:rPr lang="ru-RU" smtClean="0"/>
+              <a:pPr/>
+              <a:t>13</a:t>
+            </a:fld>
+            <a:endParaRPr lang="ru-RU"/>
+          </a:p>
+        </p:txBody>
+      </p:sp>
+    </p:spTree>
+    <p:extLst>
+      <p:ext uri="{BB962C8B-B14F-4D97-AF65-F5344CB8AC3E}">
+        <p14:creationId xmlns:p14="http://schemas.microsoft.com/office/powerpoint/2010/main" val="2963333289"/>
+      </p:ext>
+    </p:extLst>
+  </p:cSld>
+  <p:clrMapOvr>
+    <a:masterClrMapping/>
+  </p:clrMapOvr>
+</p:sld>
+</file>
+
+<file path=ppt/slides/slide14.xml><?xml version="1.0" encoding="utf-8"?>
+<p:sld xmlns:a="http://schemas.openxmlformats.org/drawingml/2006/main" xmlns:r="http://schemas.openxmlformats.org/officeDocument/2006/relationships" xmlns:p="http://schemas.openxmlformats.org/presentationml/2006/main">
+  <p:cSld>
+    <p:spTree>
+      <p:nvGrpSpPr>
+        <p:cNvPr id="1" name=""/>
+        <p:cNvGrpSpPr/>
+        <p:nvPr/>
+      </p:nvGrpSpPr>
+      <p:grpSpPr>
+        <a:xfrm>
+          <a:off x="0" y="0"/>
+          <a:ext cx="0" cy="0"/>
+          <a:chOff x="0" y="0"/>
+          <a:chExt cx="0" cy="0"/>
+        </a:xfrm>
+      </p:grpSpPr>
+      <p:sp>
+        <p:nvSpPr>
+          <p:cNvPr id="3" name="Содержимое 2"/>
+          <p:cNvSpPr>
+            <a:spLocks noGrp="1"/>
+          </p:cNvSpPr>
+          <p:nvPr>
+            <p:ph idx="1"/>
+          </p:nvPr>
+        </p:nvSpPr>
+        <p:spPr>
+          <a:xfrm>
+            <a:off x="179512" y="260648"/>
+            <a:ext cx="8784976" cy="6597352"/>
+          </a:xfrm>
+        </p:spPr>
+        <p:txBody>
+          <a:bodyPr>
+            <a:normAutofit fontScale="77500" lnSpcReduction="20000"/>
+          </a:bodyPr>
+          <a:lstStyle/>
+          <a:p>
+            <a:pPr>
+              <a:buNone/>
+            </a:pPr>
+            <a:r>
+              <a:rPr lang="en-US" dirty="0"/>
+              <a:t>static </a:t>
+            </a:r>
+            <a:r>
+              <a:rPr lang="en-US" dirty="0" err="1"/>
+              <a:t>int</a:t>
+            </a:r>
+            <a:r>
+              <a:rPr lang="en-US" dirty="0"/>
+              <a:t> </a:t>
+            </a:r>
+            <a:r>
+              <a:rPr lang="en-US" dirty="0" err="1"/>
+              <a:t>MyDel</a:t>
+            </a:r>
+            <a:r>
+              <a:rPr lang="en-US" dirty="0"/>
+              <a:t>(</a:t>
+            </a:r>
+            <a:r>
+              <a:rPr lang="en-US" dirty="0" err="1"/>
+              <a:t>int</a:t>
+            </a:r>
+            <a:r>
+              <a:rPr lang="en-US" dirty="0"/>
+              <a:t> x, </a:t>
+            </a:r>
+            <a:r>
+              <a:rPr lang="en-US" dirty="0" err="1"/>
+              <a:t>int</a:t>
+            </a:r>
+            <a:r>
+              <a:rPr lang="en-US" dirty="0"/>
+              <a:t> y) { return x / y; } </a:t>
+            </a:r>
+            <a:endParaRPr lang="ru-RU" dirty="0"/>
+          </a:p>
+          <a:p>
+            <a:pPr>
+              <a:buNone/>
+            </a:pPr>
+            <a:r>
+              <a:rPr lang="en-US" dirty="0"/>
+              <a:t>static void Main() { </a:t>
+            </a:r>
+            <a:endParaRPr lang="ru-RU" dirty="0"/>
+          </a:p>
+          <a:p>
+            <a:pPr>
+              <a:buNone/>
+            </a:pPr>
+            <a:r>
+              <a:rPr lang="ru-RU" dirty="0"/>
+              <a:t>	</a:t>
+            </a:r>
+            <a:r>
+              <a:rPr lang="en-US" dirty="0"/>
+              <a:t>try { </a:t>
+            </a:r>
+            <a:endParaRPr lang="ru-RU" dirty="0"/>
+          </a:p>
+          <a:p>
+            <a:pPr>
+              <a:buNone/>
+            </a:pPr>
+            <a:r>
+              <a:rPr lang="ru-RU" dirty="0"/>
+              <a:t>		</a:t>
+            </a:r>
+            <a:r>
+              <a:rPr lang="en-US" dirty="0" err="1"/>
+              <a:t>Console.Write</a:t>
+            </a:r>
+            <a:r>
+              <a:rPr lang="en-US" dirty="0"/>
+              <a:t>("</a:t>
+            </a:r>
+            <a:r>
+              <a:rPr lang="ru-RU" dirty="0"/>
+              <a:t>Введите </a:t>
+            </a:r>
+            <a:r>
+              <a:rPr lang="en-US" dirty="0"/>
+              <a:t>x: "); </a:t>
+            </a:r>
+            <a:endParaRPr lang="ru-RU" dirty="0"/>
+          </a:p>
+          <a:p>
+            <a:pPr>
+              <a:buNone/>
+            </a:pPr>
+            <a:r>
+              <a:rPr lang="ru-RU" dirty="0"/>
+              <a:t>		</a:t>
+            </a:r>
+            <a:r>
+              <a:rPr lang="en-US" dirty="0" err="1"/>
+              <a:t>int</a:t>
+            </a:r>
+            <a:r>
+              <a:rPr lang="en-US" dirty="0"/>
+              <a:t> x = </a:t>
+            </a:r>
+            <a:r>
+              <a:rPr lang="en-US" dirty="0" err="1"/>
+              <a:t>int.Parse</a:t>
+            </a:r>
+            <a:r>
+              <a:rPr lang="en-US" dirty="0"/>
+              <a:t>(</a:t>
+            </a:r>
+            <a:r>
+              <a:rPr lang="en-US" dirty="0" err="1"/>
+              <a:t>Console.ReadLine</a:t>
+            </a:r>
+            <a:r>
+              <a:rPr lang="en-US" dirty="0"/>
+              <a:t>());</a:t>
+            </a:r>
+            <a:endParaRPr lang="ru-RU" dirty="0"/>
+          </a:p>
+          <a:p>
+            <a:pPr>
+              <a:buNone/>
+            </a:pPr>
+            <a:r>
+              <a:rPr lang="ru-RU" dirty="0"/>
+              <a:t>		</a:t>
+            </a:r>
+            <a:r>
+              <a:rPr lang="en-US" dirty="0" err="1"/>
+              <a:t>Console.Write</a:t>
+            </a:r>
+            <a:r>
+              <a:rPr lang="en-US" dirty="0"/>
+              <a:t>("</a:t>
+            </a:r>
+            <a:r>
+              <a:rPr lang="ru-RU" dirty="0"/>
+              <a:t>Введите </a:t>
+            </a:r>
+            <a:r>
+              <a:rPr lang="en-US" dirty="0"/>
+              <a:t>y: "); </a:t>
+            </a:r>
+            <a:endParaRPr lang="ru-RU" dirty="0"/>
+          </a:p>
+          <a:p>
+            <a:pPr>
+              <a:buNone/>
+            </a:pPr>
+            <a:r>
+              <a:rPr lang="ru-RU" dirty="0"/>
+              <a:t>		</a:t>
+            </a:r>
+            <a:r>
+              <a:rPr lang="en-US" dirty="0" err="1"/>
+              <a:t>int</a:t>
+            </a:r>
+            <a:r>
+              <a:rPr lang="en-US" dirty="0"/>
+              <a:t> y = </a:t>
+            </a:r>
+            <a:r>
+              <a:rPr lang="en-US" dirty="0" err="1"/>
+              <a:t>int.Parse</a:t>
+            </a:r>
+            <a:r>
+              <a:rPr lang="en-US" dirty="0"/>
+              <a:t>(</a:t>
+            </a:r>
+            <a:r>
+              <a:rPr lang="en-US" dirty="0" err="1"/>
+              <a:t>Console.ReadLine</a:t>
+            </a:r>
+            <a:r>
+              <a:rPr lang="en-US" dirty="0"/>
+              <a:t>()); </a:t>
+            </a:r>
+            <a:endParaRPr lang="ru-RU" dirty="0"/>
+          </a:p>
+          <a:p>
+            <a:pPr>
+              <a:buNone/>
+            </a:pPr>
+            <a:r>
+              <a:rPr lang="ru-RU" dirty="0"/>
+              <a:t>		</a:t>
+            </a:r>
+            <a:r>
+              <a:rPr lang="en-US" dirty="0" err="1"/>
+              <a:t>int</a:t>
+            </a:r>
+            <a:r>
+              <a:rPr lang="en-US" dirty="0"/>
+              <a:t> result = </a:t>
+            </a:r>
+            <a:r>
+              <a:rPr lang="en-US" dirty="0" err="1"/>
+              <a:t>MyDel</a:t>
+            </a:r>
+            <a:r>
+              <a:rPr lang="en-US" dirty="0"/>
+              <a:t>(x, y); </a:t>
+            </a:r>
+            <a:endParaRPr lang="ru-RU" dirty="0"/>
+          </a:p>
+          <a:p>
+            <a:pPr>
+              <a:buNone/>
+            </a:pPr>
+            <a:r>
+              <a:rPr lang="ru-RU" dirty="0"/>
+              <a:t>		</a:t>
+            </a:r>
+            <a:r>
+              <a:rPr lang="en-US" dirty="0" err="1"/>
+              <a:t>Console.WriteLine</a:t>
+            </a:r>
+            <a:r>
+              <a:rPr lang="en-US" dirty="0"/>
+              <a:t>("</a:t>
+            </a:r>
+            <a:r>
+              <a:rPr lang="ru-RU" dirty="0"/>
+              <a:t>Результат: " + </a:t>
+            </a:r>
+            <a:r>
+              <a:rPr lang="en-US" dirty="0"/>
+              <a:t>result); </a:t>
+            </a:r>
+            <a:endParaRPr lang="ru-RU" dirty="0"/>
+          </a:p>
+          <a:p>
+            <a:pPr>
+              <a:buNone/>
+            </a:pPr>
+            <a:r>
+              <a:rPr lang="ru-RU" dirty="0"/>
+              <a:t>	</a:t>
+            </a:r>
+            <a:r>
+              <a:rPr lang="en-US" dirty="0"/>
+              <a:t>} catch (</a:t>
+            </a:r>
+            <a:r>
+              <a:rPr lang="en-US" dirty="0" err="1"/>
+              <a:t>DivideByZeroException</a:t>
+            </a:r>
+            <a:r>
+              <a:rPr lang="en-US" dirty="0"/>
+              <a:t>) {</a:t>
+            </a:r>
+            <a:r>
+              <a:rPr lang="ru-RU" dirty="0"/>
+              <a:t>	</a:t>
+            </a:r>
+          </a:p>
+          <a:p>
+            <a:pPr>
+              <a:buNone/>
+            </a:pPr>
+            <a:r>
+              <a:rPr lang="ru-RU" dirty="0"/>
+              <a:t>		</a:t>
+            </a:r>
+            <a:r>
+              <a:rPr lang="en-US" dirty="0" err="1"/>
+              <a:t>Console.WriteLine</a:t>
+            </a:r>
+            <a:r>
+              <a:rPr lang="en-US" dirty="0"/>
+              <a:t>("</a:t>
+            </a:r>
+            <a:r>
+              <a:rPr lang="ru-RU" dirty="0"/>
+              <a:t>Деление на 0 </a:t>
+            </a:r>
+            <a:r>
+              <a:rPr lang="en-US" dirty="0"/>
+              <a:t>detected!!!\n");</a:t>
+            </a:r>
+            <a:endParaRPr lang="ru-RU" dirty="0"/>
+          </a:p>
+          <a:p>
+            <a:pPr>
+              <a:buNone/>
+            </a:pPr>
+            <a:r>
+              <a:rPr lang="ru-RU" dirty="0"/>
+              <a:t>		</a:t>
+            </a:r>
+            <a:r>
+              <a:rPr lang="en-US" dirty="0"/>
+              <a:t>return; </a:t>
+            </a:r>
+          </a:p>
+          <a:p>
+            <a:pPr>
+              <a:buNone/>
+            </a:pPr>
+            <a:r>
+              <a:rPr lang="en-US" dirty="0"/>
+              <a:t>	} catch (</a:t>
+            </a:r>
+            <a:r>
+              <a:rPr lang="en-US" dirty="0" err="1"/>
+              <a:t>FormatException</a:t>
+            </a:r>
+            <a:r>
+              <a:rPr lang="en-US" dirty="0"/>
+              <a:t>) { </a:t>
+            </a:r>
+          </a:p>
+          <a:p>
+            <a:pPr>
+              <a:buNone/>
+            </a:pPr>
+            <a:r>
+              <a:rPr lang="en-US" dirty="0"/>
+              <a:t>		</a:t>
+            </a:r>
+            <a:r>
+              <a:rPr lang="en-US" dirty="0" err="1"/>
+              <a:t>Console.WriteLine</a:t>
+            </a:r>
+            <a:r>
+              <a:rPr lang="en-US" dirty="0"/>
+              <a:t>("</a:t>
+            </a:r>
+            <a:r>
+              <a:rPr lang="ru-RU" dirty="0"/>
+              <a:t>Это НЕ число!!!\</a:t>
+            </a:r>
+            <a:r>
+              <a:rPr lang="en-US" dirty="0"/>
+              <a:t>n"); </a:t>
+            </a:r>
+          </a:p>
+          <a:p>
+            <a:pPr>
+              <a:buNone/>
+            </a:pPr>
+            <a:r>
+              <a:rPr lang="en-US" dirty="0"/>
+              <a:t>		return;</a:t>
+            </a:r>
+          </a:p>
+          <a:p>
+            <a:pPr>
+              <a:buNone/>
+            </a:pPr>
+            <a:r>
+              <a:rPr lang="en-US" dirty="0"/>
+              <a:t>	}</a:t>
+            </a:r>
+            <a:endParaRPr lang="ru-RU" dirty="0"/>
+          </a:p>
+        </p:txBody>
+      </p:sp>
+      <p:sp>
+        <p:nvSpPr>
+          <p:cNvPr id="4" name="Номер слайда 3"/>
+          <p:cNvSpPr>
+            <a:spLocks noGrp="1"/>
+          </p:cNvSpPr>
+          <p:nvPr>
+            <p:ph type="sldNum" sz="quarter" idx="12"/>
+          </p:nvPr>
+        </p:nvSpPr>
+        <p:spPr/>
+        <p:txBody>
+          <a:bodyPr/>
+          <a:lstStyle/>
+          <a:p>
+            <a:fld id="{194E9D9E-8475-4C3D-B07C-FDD1702DB06B}" type="slidenum">
+              <a:rPr lang="ru-RU" smtClean="0"/>
+              <a:pPr/>
+              <a:t>14</a:t>
+            </a:fld>
+            <a:endParaRPr lang="ru-RU"/>
+          </a:p>
+        </p:txBody>
+      </p:sp>
+    </p:spTree>
+    <p:extLst>
+      <p:ext uri="{BB962C8B-B14F-4D97-AF65-F5344CB8AC3E}">
+        <p14:creationId xmlns:p14="http://schemas.microsoft.com/office/powerpoint/2010/main" val="302153513"/>
+      </p:ext>
+    </p:extLst>
+  </p:cSld>
+  <p:clrMapOvr>
+    <a:masterClrMapping/>
+  </p:clrMapOvr>
+</p:sld>
+</file>
+
+<file path=ppt/slides/slide15.xml><?xml version="1.0" encoding="utf-8"?>
+<p:sld xmlns:a="http://schemas.openxmlformats.org/drawingml/2006/main" xmlns:r="http://schemas.openxmlformats.org/officeDocument/2006/relationships" xmlns:p="http://schemas.openxmlformats.org/presentationml/2006/main">
+  <p:cSld>
+    <p:spTree>
+      <p:nvGrpSpPr>
+        <p:cNvPr id="1" name=""/>
+        <p:cNvGrpSpPr/>
+        <p:nvPr/>
+      </p:nvGrpSpPr>
+      <p:grpSpPr>
+        <a:xfrm>
+          <a:off x="0" y="0"/>
+          <a:ext cx="0" cy="0"/>
+          <a:chOff x="0" y="0"/>
+          <a:chExt cx="0" cy="0"/>
+        </a:xfrm>
+      </p:grpSpPr>
+      <p:sp>
+        <p:nvSpPr>
+          <p:cNvPr id="3" name="Содержимое 2"/>
+          <p:cNvSpPr>
+            <a:spLocks noGrp="1"/>
+          </p:cNvSpPr>
+          <p:nvPr>
+            <p:ph idx="1"/>
+          </p:nvPr>
+        </p:nvSpPr>
+        <p:spPr>
+          <a:xfrm>
             <a:off x="179512" y="0"/>
             <a:ext cx="8712968" cy="3096343"/>
           </a:xfrm>
@@ -3574,7 +4931,7 @@
             <a:fld id="{194E9D9E-8475-4C3D-B07C-FDD1702DB06B}" type="slidenum">
               <a:rPr lang="ru-RU" smtClean="0"/>
               <a:pPr/>
-              <a:t>10</a:t>
+              <a:t>15</a:t>
             </a:fld>
             <a:endParaRPr lang="ru-RU"/>
           </a:p>
@@ -3648,8 +5005,8 @@
         </p:nvSpPr>
         <p:spPr>
           <a:xfrm>
-            <a:off x="467544" y="0"/>
-            <a:ext cx="8229600" cy="908720"/>
+            <a:off x="0" y="0"/>
+            <a:ext cx="9108504" cy="908720"/>
           </a:xfrm>
         </p:spPr>
         <p:txBody>
@@ -3660,7 +5017,23 @@
           <a:p>
             <a:r>
               <a:rPr lang="ru-RU" dirty="0"/>
-              <a:t>Универсальные(обобщенные) типы</a:t>
+              <a:t>Универсальные</a:t>
+            </a:r>
+            <a:r>
+              <a:rPr lang="en-US" dirty="0"/>
+              <a:t>/</a:t>
+            </a:r>
+            <a:r>
+              <a:rPr lang="ru-RU" dirty="0"/>
+              <a:t>обобщенные</a:t>
+            </a:r>
+            <a:r>
+              <a:rPr lang="en-US" dirty="0"/>
+              <a:t>/generic</a:t>
+            </a:r>
+            <a:r>
+              <a:rPr lang="ru-RU" dirty="0"/>
+              <a:t> типы</a:t>
             </a:r>
           </a:p>
         </p:txBody>
@@ -3683,7 +5056,7 @@
         </p:spPr>
         <p:txBody>
           <a:bodyPr>
-            <a:normAutofit fontScale="92500" lnSpcReduction="20000"/>
+            <a:normAutofit lnSpcReduction="10000"/>
           </a:bodyPr>
           <a:lstStyle/>
           <a:p>
@@ -3696,26 +5069,6 @@
             <a:r>
               <a:rPr lang="ru-RU" dirty="0"/>
               <a:t>Основная область применения – коллекции. Например, список – задает последовательность элементов. Тип элемента в данном случае вторичен, важен сам принцип размещения элементов в памяти. Данные разных типов будут храниться одинаково, поэтому эффективно создать одну универсальную реализацию.</a:t>
-            </a:r>
-          </a:p>
-          <a:p>
-            <a:r>
-              <a:rPr lang="ru-RU" dirty="0"/>
-              <a:t>Аналог шаблонов </a:t>
-            </a:r>
-            <a:r>
-              <a:rPr lang="en-US" dirty="0"/>
-              <a:t>C++</a:t>
-            </a:r>
-            <a:r>
-              <a:rPr lang="ru-RU" dirty="0"/>
-              <a:t>, однако более строгие ограничения на используемый тип + сокращение объема компилируемого и исполняемого кода.</a:t>
-            </a:r>
-          </a:p>
-          <a:p>
-            <a:r>
-              <a:rPr lang="ru-RU" dirty="0"/>
-              <a:t>Параметром может быть любой тип.</a:t>
             </a:r>
           </a:p>
         </p:txBody>
@@ -3776,7 +5129,13 @@
       </p:grpSpPr>
       <p:sp>
         <p:nvSpPr>
-          <p:cNvPr id="2" name="Заголовок 1"/>
+          <p:cNvPr id="2" name="Заголовок 1">
+            <a:extLst>
+              <a:ext uri="{FF2B5EF4-FFF2-40B4-BE49-F238E27FC236}">
+                <a16:creationId xmlns:a16="http://schemas.microsoft.com/office/drawing/2014/main" id="{B2683506-F8BB-4DB5-B49B-9BE72DEF44A7}"/>
+              </a:ext>
+            </a:extLst>
+          </p:cNvPr>
           <p:cNvSpPr>
             <a:spLocks noGrp="1"/>
           </p:cNvSpPr>
@@ -3784,145 +5143,139 @@
             <p:ph type="title"/>
           </p:nvPr>
         </p:nvSpPr>
-        <p:spPr>
-          <a:xfrm>
-            <a:off x="539552" y="0"/>
-            <a:ext cx="8229600" cy="706090"/>
-          </a:xfrm>
-        </p:spPr>
+        <p:spPr/>
+        <p:txBody>
+          <a:bodyPr/>
+          <a:lstStyle/>
+          <a:p>
+            <a:endParaRPr lang="ru-RU"/>
+          </a:p>
+        </p:txBody>
+      </p:sp>
+      <p:sp>
+        <p:nvSpPr>
+          <p:cNvPr id="3" name="Объект 2">
+            <a:extLst>
+              <a:ext uri="{FF2B5EF4-FFF2-40B4-BE49-F238E27FC236}">
+                <a16:creationId xmlns:a16="http://schemas.microsoft.com/office/drawing/2014/main" id="{F96CE98E-EE07-45EF-8B9B-E4008A3300A2}"/>
+              </a:ext>
+            </a:extLst>
+          </p:cNvPr>
+          <p:cNvSpPr>
+            <a:spLocks noGrp="1"/>
+          </p:cNvSpPr>
+          <p:nvPr>
+            <p:ph idx="1"/>
+          </p:nvPr>
+        </p:nvSpPr>
+        <p:spPr/>
         <p:txBody>
           <a:bodyPr>
-            <a:normAutofit fontScale="90000"/>
+            <a:normAutofit fontScale="85000" lnSpcReduction="20000"/>
           </a:bodyPr>
           <a:lstStyle/>
           <a:p>
-            <a:r>
-              <a:rPr lang="ru-RU" dirty="0"/>
-              <a:t>Универсальные(обобщенные) типы</a:t>
-            </a:r>
-          </a:p>
-        </p:txBody>
-      </p:sp>
-      <p:sp>
-        <p:nvSpPr>
-          <p:cNvPr id="3" name="Содержимое 2"/>
-          <p:cNvSpPr>
-            <a:spLocks noGrp="1"/>
-          </p:cNvSpPr>
-          <p:nvPr>
-            <p:ph idx="1"/>
-          </p:nvPr>
-        </p:nvSpPr>
-        <p:spPr>
-          <a:xfrm>
-            <a:off x="179512" y="836712"/>
-            <a:ext cx="8784976" cy="5832648"/>
-          </a:xfrm>
-        </p:spPr>
-        <p:txBody>
-          <a:bodyPr>
-            <a:normAutofit lnSpcReduction="10000"/>
-          </a:bodyPr>
-          <a:lstStyle/>
-          <a:p>
-            <a:pPr>
-              <a:buNone/>
-            </a:pPr>
-            <a:r>
-              <a:rPr lang="ru-RU" dirty="0"/>
-              <a:t>Пример определения:</a:t>
-            </a:r>
-            <a:endParaRPr lang="en-US" dirty="0"/>
-          </a:p>
-          <a:p>
-            <a:pPr>
-              <a:buNone/>
-            </a:pPr>
-            <a:r>
-              <a:rPr lang="en-US" dirty="0"/>
-              <a:t>class Storage&lt;T&gt; </a:t>
-            </a:r>
-          </a:p>
-          <a:p>
-            <a:pPr>
+            <a:pPr marL="0" indent="0">
+              <a:buNone/>
+            </a:pPr>
+            <a:r>
+              <a:rPr lang="en-US" dirty="0"/>
+              <a:t>class Person</a:t>
+            </a:r>
+          </a:p>
+          <a:p>
+            <a:pPr marL="0" indent="0">
               <a:buNone/>
             </a:pPr>
             <a:r>
               <a:rPr lang="en-US" dirty="0"/>
               <a:t>{</a:t>
             </a:r>
+          </a:p>
+          <a:p>
+            <a:pPr marL="0" indent="0">
+              <a:buNone/>
+            </a:pPr>
+            <a:r>
+              <a:rPr lang="en-US" dirty="0"/>
+              <a:t>    public int Id { get;}</a:t>
+            </a:r>
+          </a:p>
+          <a:p>
+            <a:pPr marL="0" indent="0">
+              <a:buNone/>
+            </a:pPr>
+            <a:r>
+              <a:rPr lang="en-US" dirty="0"/>
+              <a:t>    public string Name { get;}</a:t>
+            </a:r>
+          </a:p>
+          <a:p>
+            <a:pPr marL="0" indent="0">
+              <a:buNone/>
+            </a:pPr>
+            <a:r>
+              <a:rPr lang="en-US" dirty="0"/>
+              <a:t>    public Person(int id, string name)</a:t>
+            </a:r>
+          </a:p>
+          <a:p>
+            <a:pPr marL="0" indent="0">
+              <a:buNone/>
+            </a:pPr>
+            <a:r>
+              <a:rPr lang="en-US" dirty="0"/>
+              <a:t>    {</a:t>
+            </a:r>
+          </a:p>
+          <a:p>
+            <a:pPr marL="0" indent="0">
+              <a:buNone/>
+            </a:pPr>
+            <a:r>
+              <a:rPr lang="en-US" dirty="0"/>
+              <a:t>        Id = id; </a:t>
+            </a:r>
+          </a:p>
+          <a:p>
+            <a:pPr marL="0" indent="0">
+              <a:buNone/>
+            </a:pPr>
+            <a:r>
+              <a:rPr lang="en-US" dirty="0"/>
+              <a:t>        Name = name;</a:t>
+            </a:r>
+          </a:p>
+          <a:p>
+            <a:pPr marL="0" indent="0">
+              <a:buNone/>
+            </a:pPr>
+            <a:r>
+              <a:rPr lang="en-US" dirty="0"/>
+              <a:t>    }</a:t>
+            </a:r>
+          </a:p>
+          <a:p>
+            <a:pPr marL="0" indent="0">
+              <a:buNone/>
+            </a:pPr>
+            <a:r>
+              <a:rPr lang="en-US" dirty="0"/>
+              <a:t>}</a:t>
+            </a:r>
             <a:endParaRPr lang="ru-RU" dirty="0"/>
           </a:p>
-          <a:p>
-            <a:pPr>
-              <a:buNone/>
-            </a:pPr>
-            <a:r>
-              <a:rPr lang="ru-RU" dirty="0"/>
-              <a:t>	</a:t>
-            </a:r>
-            <a:r>
-              <a:rPr lang="en-US" dirty="0"/>
-              <a:t> T[] values;</a:t>
-            </a:r>
-          </a:p>
-          <a:p>
-            <a:pPr>
-              <a:buNone/>
-            </a:pPr>
-            <a:r>
-              <a:rPr lang="en-US" dirty="0"/>
-              <a:t>}</a:t>
-            </a:r>
-          </a:p>
-          <a:p>
-            <a:pPr>
-              <a:buNone/>
-            </a:pPr>
-            <a:r>
-              <a:rPr lang="ru-RU" dirty="0"/>
-              <a:t>Однако, при попытке написать например:</a:t>
-            </a:r>
-          </a:p>
-          <a:p>
-            <a:pPr>
-              <a:buNone/>
-            </a:pPr>
-            <a:r>
-              <a:rPr lang="en-US" dirty="0"/>
-              <a:t>values[1] = new T();</a:t>
-            </a:r>
-          </a:p>
-          <a:p>
-            <a:pPr>
-              <a:buNone/>
-            </a:pPr>
-            <a:r>
-              <a:rPr lang="ru-RU" dirty="0"/>
-              <a:t>возникнет ошибка, т.к. в используемом типе </a:t>
-            </a:r>
-            <a:r>
-              <a:rPr lang="en-US" dirty="0"/>
-              <a:t>T </a:t>
-            </a:r>
-            <a:r>
-              <a:rPr lang="ru-RU" dirty="0"/>
-              <a:t>может не оказаться конструктора по умолчанию. Для этих целей на тип </a:t>
-            </a:r>
-            <a:r>
-              <a:rPr lang="en-US" dirty="0"/>
-              <a:t>T </a:t>
-            </a:r>
-            <a:r>
-              <a:rPr lang="ru-RU" dirty="0"/>
-              <a:t>могут накладываться ограничения.</a:t>
-            </a:r>
-          </a:p>
-        </p:txBody>
-      </p:sp>
-      <p:sp>
-        <p:nvSpPr>
-          <p:cNvPr id="4" name="Номер слайда 3"/>
+        </p:txBody>
+      </p:sp>
+      <p:sp>
+        <p:nvSpPr>
+          <p:cNvPr id="4" name="Номер слайда 3">
+            <a:extLst>
+              <a:ext uri="{FF2B5EF4-FFF2-40B4-BE49-F238E27FC236}">
+                <a16:creationId xmlns:a16="http://schemas.microsoft.com/office/drawing/2014/main" id="{8E42681B-FB44-4E66-837E-DBF6F5E82D40}"/>
+              </a:ext>
+            </a:extLst>
+          </p:cNvPr>
           <p:cNvSpPr>
             <a:spLocks noGrp="1"/>
           </p:cNvSpPr>
@@ -3935,7 +5288,7 @@
           <a:bodyPr/>
           <a:lstStyle/>
           <a:p>
-            <a:fld id="{194E9D9E-8475-4C3D-B07C-FDD1702DB06B}" type="slidenum">
+            <a:fld id="{725C68B6-61C2-468F-89AB-4B9F7531AA68}" type="slidenum">
               <a:rPr lang="ru-RU" smtClean="0"/>
               <a:pPr/>
               <a:t>3</a:t>
@@ -3947,7 +5300,7 @@
     </p:spTree>
     <p:extLst>
       <p:ext uri="{BB962C8B-B14F-4D97-AF65-F5344CB8AC3E}">
-        <p14:creationId xmlns:p14="http://schemas.microsoft.com/office/powerpoint/2010/main" val="2043583066"/>
+        <p14:creationId xmlns:p14="http://schemas.microsoft.com/office/powerpoint/2010/main" val="4212804775"/>
       </p:ext>
     </p:extLst>
   </p:cSld>
@@ -3976,7 +5329,13 @@
       </p:grpSpPr>
       <p:sp>
         <p:nvSpPr>
-          <p:cNvPr id="3" name="Содержимое 2"/>
+          <p:cNvPr id="3" name="Объект 2">
+            <a:extLst>
+              <a:ext uri="{FF2B5EF4-FFF2-40B4-BE49-F238E27FC236}">
+                <a16:creationId xmlns:a16="http://schemas.microsoft.com/office/drawing/2014/main" id="{8D7BE9C5-2A5C-45D8-8FC2-1DD26D5E1692}"/>
+              </a:ext>
+            </a:extLst>
+          </p:cNvPr>
           <p:cNvSpPr>
             <a:spLocks noGrp="1"/>
           </p:cNvSpPr>
@@ -3986,243 +5345,245 @@
         </p:nvSpPr>
         <p:spPr>
           <a:xfrm>
-            <a:off x="179512" y="0"/>
-            <a:ext cx="8784976" cy="6858000"/>
+            <a:off x="107504" y="136525"/>
+            <a:ext cx="8928992" cy="6584949"/>
           </a:xfrm>
         </p:spPr>
         <p:txBody>
           <a:bodyPr>
-            <a:normAutofit fontScale="85000" lnSpcReduction="10000"/>
+            <a:normAutofit fontScale="70000" lnSpcReduction="20000"/>
           </a:bodyPr>
           <a:lstStyle/>
           <a:p>
-            <a:pPr>
-              <a:buNone/>
-            </a:pPr>
-            <a:r>
-              <a:rPr lang="ru-RU" dirty="0"/>
-              <a:t>	Указываем, что тип </a:t>
-            </a:r>
-            <a:r>
-              <a:rPr lang="en-US" dirty="0"/>
-              <a:t>T </a:t>
-            </a:r>
-            <a:r>
-              <a:rPr lang="ru-RU" dirty="0"/>
-              <a:t>должен реализовать интерфейс </a:t>
+            <a:pPr marL="0" indent="0">
+              <a:buNone/>
+            </a:pPr>
+            <a:r>
+              <a:rPr lang="en-US" dirty="0"/>
+              <a:t>class Person</a:t>
+            </a:r>
+          </a:p>
+          <a:p>
+            <a:pPr marL="0" indent="0">
+              <a:buNone/>
+            </a:pPr>
+            <a:r>
+              <a:rPr lang="en-US" dirty="0"/>
+              <a:t>{</a:t>
+            </a:r>
+          </a:p>
+          <a:p>
+            <a:pPr marL="0" indent="0">
+              <a:buNone/>
+            </a:pPr>
+            <a:r>
+              <a:rPr lang="en-US" dirty="0"/>
+              <a:t>    public object Id { get;}</a:t>
+            </a:r>
+          </a:p>
+          <a:p>
+            <a:pPr marL="0" indent="0">
+              <a:buNone/>
+            </a:pPr>
+            <a:r>
+              <a:rPr lang="en-US" dirty="0"/>
+              <a:t>    public string Name { get;}</a:t>
+            </a:r>
+          </a:p>
+          <a:p>
+            <a:pPr marL="0" indent="0">
+              <a:buNone/>
+            </a:pPr>
+            <a:r>
+              <a:rPr lang="en-US" dirty="0"/>
+              <a:t>    public Person(object id, string name)</a:t>
+            </a:r>
+          </a:p>
+          <a:p>
+            <a:pPr marL="0" indent="0">
+              <a:buNone/>
+            </a:pPr>
+            <a:r>
+              <a:rPr lang="en-US" dirty="0"/>
+              <a:t>    {</a:t>
+            </a:r>
+          </a:p>
+          <a:p>
+            <a:pPr marL="0" indent="0">
+              <a:buNone/>
+            </a:pPr>
+            <a:r>
+              <a:rPr lang="en-US" dirty="0"/>
+              <a:t>        Id = id; </a:t>
+            </a:r>
+          </a:p>
+          <a:p>
+            <a:pPr marL="0" indent="0">
+              <a:buNone/>
+            </a:pPr>
+            <a:r>
+              <a:rPr lang="en-US" dirty="0"/>
+              <a:t>        Name = name;</a:t>
+            </a:r>
+          </a:p>
+          <a:p>
+            <a:pPr marL="0" indent="0">
+              <a:buNone/>
+            </a:pPr>
+            <a:r>
+              <a:rPr lang="en-US" dirty="0"/>
+              <a:t>    }</a:t>
+            </a:r>
+          </a:p>
+          <a:p>
+            <a:pPr marL="0" indent="0">
+              <a:buNone/>
+            </a:pPr>
+            <a:r>
+              <a:rPr lang="en-US" dirty="0"/>
+              <a:t>}</a:t>
+            </a:r>
+          </a:p>
+          <a:p>
+            <a:pPr marL="0" indent="0">
+              <a:buNone/>
+            </a:pPr>
+            <a:r>
+              <a:rPr lang="en-US" dirty="0"/>
+              <a:t>Person tom = new Person(546, "Tom");</a:t>
+            </a:r>
+          </a:p>
+          <a:p>
+            <a:pPr marL="0" indent="0">
+              <a:buNone/>
+            </a:pPr>
+            <a:r>
+              <a:rPr lang="en-US" dirty="0"/>
+              <a:t>Person bob = new Person("abc123", "Bob");</a:t>
+            </a:r>
+          </a:p>
+          <a:p>
+            <a:pPr marL="0" indent="0">
+              <a:buNone/>
+            </a:pPr>
+            <a:r>
+              <a:rPr lang="en-US" dirty="0"/>
+              <a:t> </a:t>
+            </a:r>
+          </a:p>
+          <a:p>
+            <a:pPr marL="0" indent="0">
+              <a:buNone/>
+            </a:pPr>
+            <a:r>
+              <a:rPr lang="en-US" dirty="0"/>
+              <a:t>int </a:t>
             </a:r>
             <a:r>
               <a:rPr lang="en-US" dirty="0" err="1"/>
-              <a:t>IComparable</a:t>
-            </a:r>
-            <a:r>
-              <a:rPr lang="en-US" dirty="0"/>
-              <a:t> – </a:t>
-            </a:r>
-            <a:r>
-              <a:rPr lang="ru-RU" dirty="0"/>
-              <a:t>позволять </a:t>
-            </a:r>
-            <a:r>
-              <a:rPr lang="ru-RU" dirty="0" err="1"/>
-              <a:t>попарное</a:t>
-            </a:r>
-            <a:r>
-              <a:rPr lang="ru-RU" dirty="0"/>
-              <a:t> сравнение элементов + обязателен конструктор по умолчанию:</a:t>
-            </a:r>
-          </a:p>
-          <a:p>
-            <a:pPr>
-              <a:buNone/>
-            </a:pPr>
-            <a:r>
-              <a:rPr lang="en-US" dirty="0"/>
-              <a:t>class Storage&lt;T&gt;  where T : </a:t>
+              <a:t>tomId</a:t>
+            </a:r>
+            <a:r>
+              <a:rPr lang="en-US" dirty="0"/>
+              <a:t> = (int)</a:t>
             </a:r>
             <a:r>
               <a:rPr lang="en-US" dirty="0" err="1"/>
-              <a:t>IComparable</a:t>
-            </a:r>
-            <a:r>
-              <a:rPr lang="en-US" dirty="0"/>
-              <a:t>, new()</a:t>
-            </a:r>
-          </a:p>
-          <a:p>
-            <a:pPr>
-              <a:buNone/>
-            </a:pPr>
-            <a:r>
-              <a:rPr lang="ru-RU" dirty="0"/>
-              <a:t>{</a:t>
-            </a:r>
-          </a:p>
-          <a:p>
-            <a:pPr>
-              <a:buNone/>
-            </a:pPr>
-            <a:r>
-              <a:rPr lang="en-US" dirty="0"/>
-              <a:t>        T[] values;</a:t>
-            </a:r>
-          </a:p>
-          <a:p>
-            <a:pPr>
-              <a:buNone/>
-            </a:pPr>
-            <a:r>
-              <a:rPr lang="en-US" dirty="0"/>
-              <a:t>        public Storage()</a:t>
-            </a:r>
-          </a:p>
-          <a:p>
-            <a:pPr>
-              <a:buNone/>
-            </a:pPr>
-            <a:r>
-              <a:rPr lang="ru-RU" dirty="0"/>
-              <a:t>        {</a:t>
-            </a:r>
-          </a:p>
-          <a:p>
-            <a:pPr>
-              <a:buNone/>
-            </a:pPr>
-            <a:r>
-              <a:rPr lang="ru-RU" dirty="0"/>
-              <a:t>		</a:t>
-            </a:r>
-            <a:r>
-              <a:rPr lang="en-US" dirty="0"/>
-              <a:t> values = new T[10];</a:t>
-            </a:r>
-          </a:p>
-          <a:p>
-            <a:pPr>
-              <a:buNone/>
-            </a:pPr>
-            <a:r>
-              <a:rPr lang="en-US" dirty="0"/>
-              <a:t>            </a:t>
-            </a:r>
-            <a:r>
-              <a:rPr lang="ru-RU" dirty="0"/>
+              <a:t>tom.Id</a:t>
+            </a:r>
+            <a:r>
+              <a:rPr lang="en-US" dirty="0"/>
+              <a:t>;</a:t>
+            </a:r>
+          </a:p>
+          <a:p>
+            <a:pPr marL="0" indent="0">
+              <a:buNone/>
+            </a:pPr>
+            <a:r>
+              <a:rPr lang="en-US" dirty="0"/>
+              <a:t>string </a:t>
+            </a:r>
+            <a:r>
+              <a:rPr lang="en-US" dirty="0" err="1"/>
+              <a:t>bobId</a:t>
+            </a:r>
+            <a:r>
+              <a:rPr lang="en-US" dirty="0"/>
+              <a:t> = (string) </a:t>
+            </a:r>
+            <a:r>
+              <a:rPr lang="en-US" dirty="0" err="1"/>
+              <a:t>bob.Id</a:t>
+            </a:r>
+            <a:r>
+              <a:rPr lang="en-US" dirty="0"/>
+              <a:t>;</a:t>
+            </a:r>
+          </a:p>
+          <a:p>
+            <a:pPr marL="0" indent="0">
+              <a:buNone/>
+            </a:pPr>
+            <a:r>
+              <a:rPr lang="en-US" dirty="0"/>
               <a:t> </a:t>
             </a:r>
-            <a:r>
-              <a:rPr lang="en-US" dirty="0"/>
-              <a:t>for( </a:t>
-            </a:r>
+          </a:p>
+          <a:p>
+            <a:pPr marL="0" indent="0">
+              <a:buNone/>
+            </a:pPr>
             <a:r>
               <a:rPr lang="en-US" dirty="0" err="1"/>
-              <a:t>int</a:t>
-            </a:r>
-            <a:r>
-              <a:rPr lang="en-US" dirty="0"/>
-              <a:t> </a:t>
+              <a:t>Console.WriteLine</a:t>
+            </a:r>
+            <a:r>
+              <a:rPr lang="en-US" dirty="0"/>
+              <a:t>(</a:t>
             </a:r>
             <a:r>
               <a:rPr lang="en-US" dirty="0" err="1"/>
-              <a:t>i</a:t>
-            </a:r>
-            <a:r>
-              <a:rPr lang="en-US" dirty="0"/>
-              <a:t> = 0; </a:t>
-            </a:r>
+              <a:t>tomId</a:t>
+            </a:r>
+            <a:r>
+              <a:rPr lang="en-US" dirty="0"/>
+              <a:t>);   // 546</a:t>
+            </a:r>
+          </a:p>
+          <a:p>
+            <a:pPr marL="0" indent="0">
+              <a:buNone/>
+            </a:pPr>
             <a:r>
               <a:rPr lang="en-US" dirty="0" err="1"/>
-              <a:t>values.Length</a:t>
-            </a:r>
-            <a:r>
-              <a:rPr lang="en-US" dirty="0"/>
-              <a:t> &lt; 10; ++</a:t>
+              <a:t>Console.WriteLine</a:t>
+            </a:r>
+            <a:r>
+              <a:rPr lang="en-US" dirty="0"/>
+              <a:t>(</a:t>
             </a:r>
             <a:r>
               <a:rPr lang="en-US" dirty="0" err="1"/>
-              <a:t>i</a:t>
-            </a:r>
-            <a:r>
-              <a:rPr lang="en-US" dirty="0"/>
-              <a:t> ){</a:t>
-            </a:r>
-          </a:p>
-          <a:p>
-            <a:pPr>
-              <a:buNone/>
-            </a:pPr>
-            <a:r>
-              <a:rPr lang="en-US" dirty="0"/>
-              <a:t> 		       values[</a:t>
-            </a:r>
-            <a:r>
-              <a:rPr lang="en-US" dirty="0" err="1"/>
-              <a:t>i</a:t>
-            </a:r>
-            <a:r>
-              <a:rPr lang="en-US" dirty="0"/>
-              <a:t>] = new T();</a:t>
-            </a:r>
-          </a:p>
-          <a:p>
-            <a:pPr>
-              <a:buNone/>
-            </a:pPr>
-            <a:r>
-              <a:rPr lang="ru-RU" dirty="0"/>
-              <a:t>            </a:t>
-            </a:r>
-            <a:r>
-              <a:rPr lang="en-US" dirty="0"/>
-              <a:t> </a:t>
-            </a:r>
-            <a:r>
-              <a:rPr lang="ru-RU" dirty="0"/>
-              <a:t> }</a:t>
-            </a:r>
-          </a:p>
-          <a:p>
-            <a:pPr>
-              <a:buNone/>
-            </a:pPr>
-            <a:r>
-              <a:rPr lang="ru-RU" dirty="0"/>
-              <a:t>        </a:t>
-            </a:r>
-            <a:r>
-              <a:rPr lang="en-US" dirty="0"/>
-              <a:t> </a:t>
-            </a:r>
-            <a:r>
-              <a:rPr lang="ru-RU" dirty="0"/>
-              <a:t>}</a:t>
-            </a:r>
-            <a:endParaRPr lang="en-US" dirty="0"/>
-          </a:p>
-          <a:p>
-            <a:pPr>
-              <a:buNone/>
-            </a:pPr>
-            <a:endParaRPr lang="en-US" dirty="0"/>
-          </a:p>
-          <a:p>
-            <a:pPr>
-              <a:buNone/>
-            </a:pPr>
-            <a:r>
-              <a:rPr lang="en-US" dirty="0"/>
-              <a:t>	</a:t>
+              <a:t>bobId</a:t>
+            </a:r>
+            <a:r>
+              <a:rPr lang="en-US" dirty="0"/>
+              <a:t>);   // abc123</a:t>
             </a:r>
             <a:endParaRPr lang="ru-RU" dirty="0"/>
           </a:p>
-          <a:p>
-            <a:endParaRPr lang="ru-RU" dirty="0"/>
-          </a:p>
-        </p:txBody>
-      </p:sp>
-      <p:sp>
-        <p:nvSpPr>
-          <p:cNvPr id="4" name="Номер слайда 3"/>
+        </p:txBody>
+      </p:sp>
+      <p:sp>
+        <p:nvSpPr>
+          <p:cNvPr id="4" name="Номер слайда 3">
+            <a:extLst>
+              <a:ext uri="{FF2B5EF4-FFF2-40B4-BE49-F238E27FC236}">
+                <a16:creationId xmlns:a16="http://schemas.microsoft.com/office/drawing/2014/main" id="{714D3395-D2D2-4EE6-9F72-4D6E2FE3E296}"/>
+              </a:ext>
+            </a:extLst>
+          </p:cNvPr>
           <p:cNvSpPr>
             <a:spLocks noGrp="1"/>
           </p:cNvSpPr>
@@ -4235,7 +5596,7 @@
           <a:bodyPr/>
           <a:lstStyle/>
           <a:p>
-            <a:fld id="{194E9D9E-8475-4C3D-B07C-FDD1702DB06B}" type="slidenum">
+            <a:fld id="{725C68B6-61C2-468F-89AB-4B9F7531AA68}" type="slidenum">
               <a:rPr lang="ru-RU" smtClean="0"/>
               <a:pPr/>
               <a:t>4</a:t>
@@ -4247,7 +5608,7 @@
     </p:spTree>
     <p:extLst>
       <p:ext uri="{BB962C8B-B14F-4D97-AF65-F5344CB8AC3E}">
-        <p14:creationId xmlns:p14="http://schemas.microsoft.com/office/powerpoint/2010/main" val="1030924449"/>
+        <p14:creationId xmlns:p14="http://schemas.microsoft.com/office/powerpoint/2010/main" val="2268187982"/>
       </p:ext>
     </p:extLst>
   </p:cSld>
@@ -4276,7 +5637,13 @@
       </p:grpSpPr>
       <p:sp>
         <p:nvSpPr>
-          <p:cNvPr id="3" name="Содержимое 2"/>
+          <p:cNvPr id="3" name="Объект 2">
+            <a:extLst>
+              <a:ext uri="{FF2B5EF4-FFF2-40B4-BE49-F238E27FC236}">
+                <a16:creationId xmlns:a16="http://schemas.microsoft.com/office/drawing/2014/main" id="{4FF83CD9-DBBA-49D8-8DE5-C309E4371B10}"/>
+              </a:ext>
+            </a:extLst>
+          </p:cNvPr>
           <p:cNvSpPr>
             <a:spLocks noGrp="1"/>
           </p:cNvSpPr>
@@ -4286,241 +5653,168 @@
         </p:nvSpPr>
         <p:spPr>
           <a:xfrm>
-            <a:off x="251520" y="404664"/>
-            <a:ext cx="8435280" cy="6120680"/>
+            <a:off x="457200" y="136525"/>
+            <a:ext cx="8229600" cy="6584949"/>
           </a:xfrm>
         </p:spPr>
         <p:txBody>
           <a:bodyPr>
-            <a:normAutofit fontScale="92500" lnSpcReduction="10000"/>
+            <a:normAutofit fontScale="70000" lnSpcReduction="20000"/>
           </a:bodyPr>
           <a:lstStyle/>
           <a:p>
-            <a:pPr>
-              <a:buNone/>
-            </a:pPr>
-            <a:r>
-              <a:rPr lang="en-US" dirty="0"/>
-              <a:t> //</a:t>
-            </a:r>
+            <a:pPr marL="0" indent="0">
+              <a:buNone/>
+            </a:pPr>
             <a:r>
               <a:rPr lang="ru-RU" dirty="0"/>
-              <a:t>поиск максимума:</a:t>
-            </a:r>
-            <a:r>
-              <a:rPr lang="en-US" dirty="0"/>
-              <a:t>	   </a:t>
-            </a:r>
-          </a:p>
-          <a:p>
-            <a:pPr>
-              <a:buNone/>
-            </a:pPr>
+              <a:t>Угловые скобки в описании </a:t>
+            </a:r>
+            <a:r>
+              <a:rPr lang="ru-RU" dirty="0" err="1"/>
+              <a:t>class</a:t>
+            </a:r>
             <a:r>
               <a:rPr lang="ru-RU" dirty="0"/>
-              <a:t>	  </a:t>
-            </a:r>
-            <a:r>
-              <a:rPr lang="en-US" dirty="0"/>
-              <a:t>public T </a:t>
-            </a:r>
-            <a:r>
-              <a:rPr lang="en-US" dirty="0" err="1"/>
-              <a:t>FindMax</a:t>
-            </a:r>
-            <a:r>
-              <a:rPr lang="en-US" dirty="0"/>
-              <a:t>()</a:t>
-            </a:r>
-          </a:p>
-          <a:p>
-            <a:pPr>
-              <a:buNone/>
-            </a:pPr>
-            <a:r>
-              <a:rPr lang="en-US" dirty="0"/>
-              <a:t>	  {</a:t>
-            </a:r>
-          </a:p>
-          <a:p>
-            <a:pPr>
-              <a:buNone/>
-            </a:pPr>
+              <a:t> </a:t>
+            </a:r>
+            <a:r>
+              <a:rPr lang="ru-RU" dirty="0" err="1"/>
+              <a:t>Person</a:t>
+            </a:r>
             <a:r>
               <a:rPr lang="ru-RU" dirty="0"/>
-              <a:t>		</a:t>
-            </a:r>
-            <a:r>
-              <a:rPr lang="en-US" dirty="0"/>
-              <a:t>T max = values[0];</a:t>
-            </a:r>
-          </a:p>
-          <a:p>
-            <a:pPr>
-              <a:buNone/>
-            </a:pPr>
-            <a:r>
-              <a:rPr lang="en-US" dirty="0"/>
-              <a:t>	 	for( </a:t>
-            </a:r>
-            <a:r>
-              <a:rPr lang="en-US" dirty="0" err="1"/>
-              <a:t>int</a:t>
-            </a:r>
-            <a:r>
-              <a:rPr lang="en-US" dirty="0"/>
-              <a:t> </a:t>
-            </a:r>
-            <a:r>
-              <a:rPr lang="en-US" dirty="0" err="1"/>
-              <a:t>i</a:t>
-            </a:r>
-            <a:r>
-              <a:rPr lang="en-US" dirty="0"/>
-              <a:t>  = 1; </a:t>
-            </a:r>
-            <a:r>
-              <a:rPr lang="en-US" dirty="0" err="1"/>
-              <a:t>i</a:t>
-            </a:r>
-            <a:r>
-              <a:rPr lang="en-US" dirty="0"/>
-              <a:t> &lt; </a:t>
-            </a:r>
-            <a:r>
-              <a:rPr lang="en-US" dirty="0" err="1"/>
-              <a:t>values.Length</a:t>
-            </a:r>
-            <a:r>
-              <a:rPr lang="en-US" dirty="0"/>
-              <a:t>; ++</a:t>
-            </a:r>
-            <a:r>
-              <a:rPr lang="en-US" dirty="0" err="1"/>
-              <a:t>i</a:t>
-            </a:r>
-            <a:r>
-              <a:rPr lang="en-US" dirty="0"/>
-              <a:t> </a:t>
-            </a:r>
+              <a:t> указывают, что класс является обобщенным, а тип T, заключенный в угловые скобки, будет использоваться этим классом. </a:t>
+            </a:r>
+            <a:endParaRPr lang="en-US" dirty="0"/>
+          </a:p>
+          <a:p>
+            <a:pPr marL="0" indent="0">
+              <a:buNone/>
+            </a:pPr>
             <a:r>
               <a:rPr lang="ru-RU" dirty="0"/>
-              <a:t>)</a:t>
-            </a:r>
+              <a:t>Необязательно использовать именно букву T, это может быть любое обозначение. </a:t>
+            </a:r>
+          </a:p>
+          <a:p>
+            <a:pPr marL="0" indent="0">
+              <a:buNone/>
+            </a:pPr>
+            <a:r>
+              <a:rPr lang="ru-RU" dirty="0"/>
+              <a:t>На этапе написания кода неизвестно, что это будет за тип, поэтому параметр T в угловых скобках еще называется универсальным параметром, так как вместо него можно подставить любой тип.</a:t>
+            </a:r>
+            <a:endParaRPr lang="en-US" dirty="0"/>
+          </a:p>
+          <a:p>
+            <a:pPr marL="0" indent="0">
+              <a:buNone/>
+            </a:pPr>
+            <a:endParaRPr lang="ru-RU" dirty="0"/>
+          </a:p>
+          <a:p>
+            <a:pPr marL="0" indent="0">
+              <a:buNone/>
+            </a:pPr>
+            <a:r>
+              <a:rPr lang="en-US" dirty="0"/>
+              <a:t>class Person&lt;T&gt;</a:t>
+            </a:r>
+          </a:p>
+          <a:p>
+            <a:pPr marL="0" indent="0">
+              <a:buNone/>
+            </a:pPr>
             <a:r>
               <a:rPr lang="en-US" dirty="0"/>
               <a:t>{</a:t>
             </a:r>
           </a:p>
           <a:p>
-            <a:pPr>
-              <a:buNone/>
-            </a:pPr>
-            <a:r>
-              <a:rPr lang="en-US" dirty="0"/>
-              <a:t>	             if( values[</a:t>
-            </a:r>
-            <a:r>
-              <a:rPr lang="en-US" dirty="0" err="1"/>
-              <a:t>i</a:t>
-            </a:r>
-            <a:r>
-              <a:rPr lang="en-US" dirty="0"/>
-              <a:t>].</a:t>
-            </a:r>
-            <a:r>
-              <a:rPr lang="en-US" dirty="0" err="1"/>
-              <a:t>CompareTo</a:t>
-            </a:r>
-            <a:r>
-              <a:rPr lang="en-US" dirty="0"/>
-              <a:t>( max ) &gt; 0 ){</a:t>
-            </a:r>
-          </a:p>
-          <a:p>
-            <a:pPr>
-              <a:buNone/>
-            </a:pPr>
-            <a:r>
-              <a:rPr lang="en-US" dirty="0"/>
-              <a:t>		            max = values[</a:t>
-            </a:r>
-            <a:r>
-              <a:rPr lang="en-US" dirty="0" err="1"/>
-              <a:t>i</a:t>
-            </a:r>
-            <a:r>
-              <a:rPr lang="en-US" dirty="0"/>
-              <a:t>];</a:t>
-            </a:r>
-          </a:p>
-          <a:p>
-            <a:pPr>
-              <a:buNone/>
-            </a:pPr>
-            <a:r>
-              <a:rPr lang="en-US" dirty="0"/>
-              <a:t>		       }</a:t>
-            </a:r>
-          </a:p>
-          <a:p>
-            <a:pPr>
-              <a:buNone/>
-            </a:pPr>
-            <a:r>
-              <a:rPr lang="en-US" dirty="0"/>
-              <a:t>		}</a:t>
-            </a:r>
-            <a:r>
-              <a:rPr lang="ru-RU" dirty="0"/>
-              <a:t>		</a:t>
-            </a:r>
-            <a:endParaRPr lang="en-US" dirty="0"/>
-          </a:p>
-          <a:p>
-            <a:pPr>
-              <a:buNone/>
-            </a:pPr>
-            <a:r>
-              <a:rPr lang="en-US" dirty="0"/>
-              <a:t>		return max;</a:t>
-            </a:r>
-          </a:p>
-          <a:p>
-            <a:pPr>
-              <a:buNone/>
-            </a:pPr>
-            <a:r>
-              <a:rPr lang="en-US" dirty="0"/>
-              <a:t>	</a:t>
-            </a:r>
-            <a:r>
-              <a:rPr lang="ru-RU" dirty="0"/>
-              <a:t>   </a:t>
-            </a:r>
+            <a:pPr marL="0" indent="0">
+              <a:buNone/>
+            </a:pPr>
+            <a:r>
+              <a:rPr lang="en-US" dirty="0"/>
+              <a:t>    public T Id { get; set; }</a:t>
+            </a:r>
+          </a:p>
+          <a:p>
+            <a:pPr marL="0" indent="0">
+              <a:buNone/>
+            </a:pPr>
+            <a:r>
+              <a:rPr lang="en-US" dirty="0"/>
+              <a:t>    public string Name { get; set; }</a:t>
+            </a:r>
+          </a:p>
+          <a:p>
+            <a:pPr marL="0" indent="0">
+              <a:buNone/>
+            </a:pPr>
+            <a:r>
+              <a:rPr lang="en-US" dirty="0"/>
+              <a:t>    public Person(T id, string name)</a:t>
+            </a:r>
+          </a:p>
+          <a:p>
+            <a:pPr marL="0" indent="0">
+              <a:buNone/>
+            </a:pPr>
+            <a:r>
+              <a:rPr lang="en-US" dirty="0"/>
+              <a:t>    {</a:t>
+            </a:r>
+          </a:p>
+          <a:p>
+            <a:pPr marL="0" indent="0">
+              <a:buNone/>
+            </a:pPr>
+            <a:r>
+              <a:rPr lang="en-US" dirty="0"/>
+              <a:t>        Id = id; </a:t>
+            </a:r>
+          </a:p>
+          <a:p>
+            <a:pPr marL="0" indent="0">
+              <a:buNone/>
+            </a:pPr>
+            <a:r>
+              <a:rPr lang="en-US" dirty="0"/>
+              <a:t>        Name = name;</a:t>
+            </a:r>
+          </a:p>
+          <a:p>
+            <a:pPr marL="0" indent="0">
+              <a:buNone/>
+            </a:pPr>
+            <a:r>
+              <a:rPr lang="en-US" dirty="0"/>
+              <a:t>    }</a:t>
+            </a:r>
+          </a:p>
+          <a:p>
+            <a:pPr marL="0" indent="0">
+              <a:buNone/>
+            </a:pPr>
             <a:r>
               <a:rPr lang="en-US" dirty="0"/>
               <a:t>}</a:t>
             </a:r>
-            <a:r>
-              <a:rPr lang="ru-RU" dirty="0"/>
-              <a:t>    </a:t>
-            </a:r>
-          </a:p>
-          <a:p>
-            <a:pPr>
-              <a:buNone/>
-            </a:pPr>
-            <a:r>
-              <a:rPr lang="ru-RU" dirty="0"/>
-              <a:t>}</a:t>
-            </a:r>
-          </a:p>
-        </p:txBody>
-      </p:sp>
-      <p:sp>
-        <p:nvSpPr>
-          <p:cNvPr id="4" name="Номер слайда 3"/>
+            <a:endParaRPr lang="ru-RU" dirty="0"/>
+          </a:p>
+        </p:txBody>
+      </p:sp>
+      <p:sp>
+        <p:nvSpPr>
+          <p:cNvPr id="4" name="Номер слайда 3">
+            <a:extLst>
+              <a:ext uri="{FF2B5EF4-FFF2-40B4-BE49-F238E27FC236}">
+                <a16:creationId xmlns:a16="http://schemas.microsoft.com/office/drawing/2014/main" id="{E2A5398F-7BE0-4995-91D9-73B966400B4D}"/>
+              </a:ext>
+            </a:extLst>
+          </p:cNvPr>
           <p:cNvSpPr>
             <a:spLocks noGrp="1"/>
           </p:cNvSpPr>
@@ -4533,7 +5827,7 @@
           <a:bodyPr/>
           <a:lstStyle/>
           <a:p>
-            <a:fld id="{194E9D9E-8475-4C3D-B07C-FDD1702DB06B}" type="slidenum">
+            <a:fld id="{725C68B6-61C2-468F-89AB-4B9F7531AA68}" type="slidenum">
               <a:rPr lang="ru-RU" smtClean="0"/>
               <a:pPr/>
               <a:t>5</a:t>
@@ -4545,7 +5839,7 @@
     </p:spTree>
     <p:extLst>
       <p:ext uri="{BB962C8B-B14F-4D97-AF65-F5344CB8AC3E}">
-        <p14:creationId xmlns:p14="http://schemas.microsoft.com/office/powerpoint/2010/main" val="3794680546"/>
+        <p14:creationId xmlns:p14="http://schemas.microsoft.com/office/powerpoint/2010/main" val="1171765054"/>
       </p:ext>
     </p:extLst>
   </p:cSld>
@@ -4574,132 +5868,229 @@
       </p:grpSpPr>
       <p:sp>
         <p:nvSpPr>
-          <p:cNvPr id="2" name="Заголовок 1"/>
-          <p:cNvSpPr>
-            <a:spLocks noGrp="1"/>
-          </p:cNvSpPr>
-          <p:nvPr>
-            <p:ph type="title"/>
+          <p:cNvPr id="3" name="Объект 2">
+            <a:extLst>
+              <a:ext uri="{FF2B5EF4-FFF2-40B4-BE49-F238E27FC236}">
+                <a16:creationId xmlns:a16="http://schemas.microsoft.com/office/drawing/2014/main" id="{DAB14026-E1A1-4D5D-842C-B0F288E72C0C}"/>
+              </a:ext>
+            </a:extLst>
+          </p:cNvPr>
+          <p:cNvSpPr>
+            <a:spLocks noGrp="1"/>
+          </p:cNvSpPr>
+          <p:nvPr>
+            <p:ph idx="1"/>
           </p:nvPr>
         </p:nvSpPr>
         <p:spPr>
           <a:xfrm>
-            <a:off x="467544" y="0"/>
-            <a:ext cx="8229600" cy="836712"/>
+            <a:off x="457200" y="260648"/>
+            <a:ext cx="8229600" cy="5865515"/>
           </a:xfrm>
         </p:spPr>
         <p:txBody>
+          <a:bodyPr>
+            <a:normAutofit/>
+          </a:bodyPr>
+          <a:lstStyle/>
+          <a:p>
+            <a:pPr marL="0" indent="0">
+              <a:buNone/>
+            </a:pPr>
+            <a:r>
+              <a:rPr lang="en-US" sz="2200" dirty="0"/>
+              <a:t>Person&lt;int&gt; tom = new Person&lt;int&gt;(546, "Tom");  </a:t>
+            </a:r>
+            <a:endParaRPr lang="ru-RU" sz="2200" dirty="0"/>
+          </a:p>
+          <a:p>
+            <a:pPr marL="0" indent="0">
+              <a:buNone/>
+            </a:pPr>
+            <a:r>
+              <a:rPr lang="en-US" sz="2200" dirty="0"/>
+              <a:t>Person&lt;string&gt; bob = new Person&lt;string&gt;("abc123", "Bob");</a:t>
+            </a:r>
+          </a:p>
+          <a:p>
+            <a:pPr marL="0" indent="0">
+              <a:buNone/>
+            </a:pPr>
+            <a:r>
+              <a:rPr lang="en-US" sz="2200" dirty="0"/>
+              <a:t> </a:t>
+            </a:r>
+          </a:p>
+          <a:p>
+            <a:pPr marL="0" indent="0">
+              <a:buNone/>
+            </a:pPr>
+            <a:r>
+              <a:rPr lang="en-US" sz="2200" dirty="0"/>
+              <a:t>int </a:t>
+            </a:r>
+            <a:r>
+              <a:rPr lang="en-US" sz="2200" dirty="0" err="1"/>
+              <a:t>tomId</a:t>
+            </a:r>
+            <a:r>
+              <a:rPr lang="en-US" sz="2200" dirty="0"/>
+              <a:t> = </a:t>
+            </a:r>
+            <a:r>
+              <a:rPr lang="en-US" sz="2200" dirty="0" err="1"/>
+              <a:t>tom.Id</a:t>
+            </a:r>
+            <a:r>
+              <a:rPr lang="en-US" sz="2200" dirty="0"/>
+              <a:t>; </a:t>
+            </a:r>
+            <a:endParaRPr lang="ru-RU" sz="2200" dirty="0"/>
+          </a:p>
+          <a:p>
+            <a:pPr marL="0" indent="0">
+              <a:buNone/>
+            </a:pPr>
+            <a:r>
+              <a:rPr lang="en-US" sz="2200" dirty="0"/>
+              <a:t>string </a:t>
+            </a:r>
+            <a:r>
+              <a:rPr lang="en-US" sz="2200" dirty="0" err="1"/>
+              <a:t>bobId</a:t>
+            </a:r>
+            <a:r>
+              <a:rPr lang="en-US" sz="2200" dirty="0"/>
+              <a:t> = </a:t>
+            </a:r>
+            <a:r>
+              <a:rPr lang="en-US" sz="2200" dirty="0" err="1"/>
+              <a:t>bob.Id</a:t>
+            </a:r>
+            <a:r>
+              <a:rPr lang="en-US" sz="2200" dirty="0"/>
+              <a:t>;  </a:t>
+            </a:r>
+            <a:endParaRPr lang="ru-RU" sz="2200" dirty="0"/>
+          </a:p>
+          <a:p>
+            <a:pPr marL="0" indent="0">
+              <a:buNone/>
+            </a:pPr>
+            <a:r>
+              <a:rPr lang="ru-RU" sz="2200" dirty="0"/>
+              <a:t> </a:t>
+            </a:r>
+          </a:p>
+          <a:p>
+            <a:pPr marL="0" indent="0">
+              <a:buNone/>
+            </a:pPr>
+            <a:r>
+              <a:rPr lang="en-US" sz="2200" dirty="0" err="1"/>
+              <a:t>Console.WriteLine</a:t>
+            </a:r>
+            <a:r>
+              <a:rPr lang="en-US" sz="2200" dirty="0"/>
+              <a:t>(</a:t>
+            </a:r>
+            <a:r>
+              <a:rPr lang="en-US" sz="2200" dirty="0" err="1"/>
+              <a:t>tomId</a:t>
+            </a:r>
+            <a:r>
+              <a:rPr lang="en-US" sz="2200" dirty="0"/>
+              <a:t>);   // 546</a:t>
+            </a:r>
+          </a:p>
+          <a:p>
+            <a:pPr marL="0" indent="0">
+              <a:buNone/>
+            </a:pPr>
+            <a:r>
+              <a:rPr lang="en-US" sz="2200" dirty="0" err="1"/>
+              <a:t>Console.WriteLine</a:t>
+            </a:r>
+            <a:r>
+              <a:rPr lang="en-US" sz="2200" dirty="0"/>
+              <a:t>(</a:t>
+            </a:r>
+            <a:r>
+              <a:rPr lang="en-US" sz="2200" dirty="0" err="1"/>
+              <a:t>bobId</a:t>
+            </a:r>
+            <a:r>
+              <a:rPr lang="en-US" sz="2200" dirty="0"/>
+              <a:t>);   // abc123</a:t>
+            </a:r>
+            <a:endParaRPr lang="ru-RU" sz="2200" dirty="0"/>
+          </a:p>
+          <a:p>
+            <a:pPr marL="0" indent="0">
+              <a:buNone/>
+            </a:pPr>
+            <a:endParaRPr lang="ru-RU" sz="2200" dirty="0"/>
+          </a:p>
+          <a:p>
+            <a:pPr marL="0" indent="0">
+              <a:buNone/>
+            </a:pPr>
+            <a:r>
+              <a:rPr lang="ru-RU" sz="2200" dirty="0"/>
+              <a:t>При попытке передать для параметра </a:t>
+            </a:r>
+            <a:r>
+              <a:rPr lang="ru-RU" sz="2200" dirty="0" err="1"/>
+              <a:t>id</a:t>
+            </a:r>
+            <a:r>
+              <a:rPr lang="ru-RU" sz="2200" dirty="0"/>
+              <a:t> значение другого типа мы получим ошибку компиляции:</a:t>
+            </a:r>
+          </a:p>
+          <a:p>
+            <a:pPr marL="0" indent="0">
+              <a:buNone/>
+            </a:pPr>
+            <a:r>
+              <a:rPr lang="en-US" sz="2200" dirty="0"/>
+              <a:t>Person&lt;int&gt; tom = new Person&lt;int&gt;("546", "Tom");  // </a:t>
+            </a:r>
+            <a:r>
+              <a:rPr lang="ru-RU" sz="2200" dirty="0"/>
+              <a:t>ошибка компиляции</a:t>
+            </a:r>
+          </a:p>
+          <a:p>
+            <a:pPr marL="0" indent="0">
+              <a:buNone/>
+            </a:pPr>
+            <a:endParaRPr lang="ru-RU" sz="2200" dirty="0"/>
+          </a:p>
+        </p:txBody>
+      </p:sp>
+      <p:sp>
+        <p:nvSpPr>
+          <p:cNvPr id="4" name="Номер слайда 3">
+            <a:extLst>
+              <a:ext uri="{FF2B5EF4-FFF2-40B4-BE49-F238E27FC236}">
+                <a16:creationId xmlns:a16="http://schemas.microsoft.com/office/drawing/2014/main" id="{F1E60C3B-EEFE-44CD-BC50-66CE65D138EA}"/>
+              </a:ext>
+            </a:extLst>
+          </p:cNvPr>
+          <p:cNvSpPr>
+            <a:spLocks noGrp="1"/>
+          </p:cNvSpPr>
+          <p:nvPr>
+            <p:ph type="sldNum" sz="quarter" idx="12"/>
+          </p:nvPr>
+        </p:nvSpPr>
+        <p:spPr/>
+        <p:txBody>
           <a:bodyPr/>
           <a:lstStyle/>
           <a:p>
-            <a:r>
-              <a:rPr lang="ru-RU" dirty="0"/>
-              <a:t>Обработка ошибок</a:t>
-            </a:r>
-          </a:p>
-        </p:txBody>
-      </p:sp>
-      <p:sp>
-        <p:nvSpPr>
-          <p:cNvPr id="3" name="Содержимое 2"/>
-          <p:cNvSpPr>
-            <a:spLocks noGrp="1"/>
-          </p:cNvSpPr>
-          <p:nvPr>
-            <p:ph idx="1"/>
-          </p:nvPr>
-        </p:nvSpPr>
-        <p:spPr>
-          <a:xfrm>
-            <a:off x="179512" y="764704"/>
-            <a:ext cx="8784976" cy="6093296"/>
-          </a:xfrm>
-        </p:spPr>
-        <p:txBody>
-          <a:bodyPr>
-            <a:normAutofit fontScale="70000" lnSpcReduction="20000"/>
-          </a:bodyPr>
-          <a:lstStyle/>
-          <a:p>
-            <a:r>
-              <a:rPr lang="ru-RU" b="1" dirty="0"/>
-              <a:t>Программные ошибки (</a:t>
-            </a:r>
-            <a:r>
-              <a:rPr lang="ru-RU" b="1" dirty="0" err="1"/>
-              <a:t>bugs</a:t>
-            </a:r>
-            <a:r>
-              <a:rPr lang="ru-RU" b="1" dirty="0"/>
-              <a:t>)</a:t>
-            </a:r>
-            <a:r>
-              <a:rPr lang="ru-RU" dirty="0"/>
-              <a:t> Так обычно называются ошибки, которые допускает программист. Например, предположим, что приложение создается с помощью неуправляемого языка С++. Если динамически выделяемая память не освобождается, что чревато утечкой памяти, появляется программная ошибка.</a:t>
-            </a:r>
-          </a:p>
-          <a:p>
-            <a:r>
-              <a:rPr lang="ru-RU" b="1" dirty="0"/>
-              <a:t>Пользовательские ошибки (</a:t>
-            </a:r>
-            <a:r>
-              <a:rPr lang="ru-RU" b="1" dirty="0" err="1"/>
-              <a:t>user</a:t>
-            </a:r>
-            <a:r>
-              <a:rPr lang="ru-RU" b="1" dirty="0"/>
-              <a:t> </a:t>
-            </a:r>
-            <a:r>
-              <a:rPr lang="ru-RU" b="1" dirty="0" err="1"/>
-              <a:t>errors</a:t>
-            </a:r>
-            <a:r>
-              <a:rPr lang="ru-RU" b="1" dirty="0"/>
-              <a:t>)</a:t>
-            </a:r>
-            <a:r>
-              <a:rPr lang="ru-RU" dirty="0"/>
-              <a:t> В отличие от программных ошибок, пользовательские ошибки обычно возникают из-за тех, кто запускает приложение, а не тех, кто его создает. Например, ввод строки вместо числа.</a:t>
-            </a:r>
-          </a:p>
-          <a:p>
-            <a:r>
-              <a:rPr lang="ru-RU" b="1" dirty="0"/>
-              <a:t>Исключения (</a:t>
-            </a:r>
-            <a:r>
-              <a:rPr lang="ru-RU" b="1" dirty="0" err="1"/>
-              <a:t>exceptions</a:t>
-            </a:r>
-            <a:r>
-              <a:rPr lang="ru-RU" b="1" dirty="0"/>
-              <a:t>)</a:t>
-            </a:r>
-            <a:r>
-              <a:rPr lang="ru-RU" dirty="0"/>
-              <a:t> Исключениями, или исключительными ситуациями, обычно называются аномалии, которые могут возникать во время выполнения и которые трудно, а порой и вообще невозможно, предусмотреть во время программирования приложения. К числу таких возможных исключений относятся попытки подключения к базе данных, которой больше не существует, попытки открытия поврежденного файла или попытки установки связи с машиной, которая в текущий момент находится в автономном режиме. В каждом из этих случаев программист (и конечный пользователь) мало что может сделать с подобными "исключительными" обстоятельствами.</a:t>
-            </a:r>
-          </a:p>
-        </p:txBody>
-      </p:sp>
-      <p:sp>
-        <p:nvSpPr>
-          <p:cNvPr id="4" name="Номер слайда 3"/>
-          <p:cNvSpPr>
-            <a:spLocks noGrp="1"/>
-          </p:cNvSpPr>
-          <p:nvPr>
-            <p:ph type="sldNum" sz="quarter" idx="12"/>
-          </p:nvPr>
-        </p:nvSpPr>
-        <p:spPr/>
-        <p:txBody>
-          <a:bodyPr/>
-          <a:lstStyle/>
-          <a:p>
-            <a:fld id="{194E9D9E-8475-4C3D-B07C-FDD1702DB06B}" type="slidenum">
+            <a:fld id="{725C68B6-61C2-468F-89AB-4B9F7531AA68}" type="slidenum">
               <a:rPr lang="ru-RU" smtClean="0"/>
               <a:pPr/>
               <a:t>6</a:t>
@@ -4711,7 +6102,7 @@
     </p:spTree>
     <p:extLst>
       <p:ext uri="{BB962C8B-B14F-4D97-AF65-F5344CB8AC3E}">
-        <p14:creationId xmlns:p14="http://schemas.microsoft.com/office/powerpoint/2010/main" val="476689317"/>
+        <p14:creationId xmlns:p14="http://schemas.microsoft.com/office/powerpoint/2010/main" val="1176123689"/>
       </p:ext>
     </p:extLst>
   </p:cSld>
@@ -4740,113 +6131,244 @@
       </p:grpSpPr>
       <p:sp>
         <p:nvSpPr>
-          <p:cNvPr id="3" name="Содержимое 2"/>
-          <p:cNvSpPr>
-            <a:spLocks noGrp="1"/>
-          </p:cNvSpPr>
-          <p:nvPr>
-            <p:ph idx="1"/>
+          <p:cNvPr id="2" name="Заголовок 1">
+            <a:extLst>
+              <a:ext uri="{FF2B5EF4-FFF2-40B4-BE49-F238E27FC236}">
+                <a16:creationId xmlns:a16="http://schemas.microsoft.com/office/drawing/2014/main" id="{4A5A7A53-F6B0-4BF8-B2B6-7A23C9C63A38}"/>
+              </a:ext>
+            </a:extLst>
+          </p:cNvPr>
+          <p:cNvSpPr>
+            <a:spLocks noGrp="1"/>
+          </p:cNvSpPr>
+          <p:nvPr>
+            <p:ph type="title"/>
           </p:nvPr>
         </p:nvSpPr>
         <p:spPr>
           <a:xfrm>
-            <a:off x="179512" y="260648"/>
-            <a:ext cx="8784976" cy="6597352"/>
+            <a:off x="179512" y="274638"/>
+            <a:ext cx="8856984" cy="850106"/>
           </a:xfrm>
         </p:spPr>
         <p:txBody>
           <a:bodyPr>
-            <a:normAutofit fontScale="92500" lnSpcReduction="20000"/>
+            <a:normAutofit fontScale="90000"/>
           </a:bodyPr>
           <a:lstStyle/>
           <a:p>
             <a:r>
               <a:rPr lang="ru-RU" dirty="0"/>
-              <a:t>Для обработки исключений C# оперирует следующими блоками: </a:t>
-            </a:r>
-          </a:p>
-          <a:p>
-            <a:r>
-              <a:rPr lang="ru-RU" dirty="0"/>
-              <a:t>Блоки </a:t>
-            </a:r>
-            <a:r>
-              <a:rPr lang="ru-RU" b="1" dirty="0" err="1"/>
-              <a:t>try</a:t>
-            </a:r>
-            <a:r>
-              <a:rPr lang="ru-RU" dirty="0"/>
-              <a:t> инкапсулируют код, формирующий часть нормальных действий программы, которые потенциально могут столкнуться с серьезными ошибочными ситуациями.</a:t>
-            </a:r>
-          </a:p>
-          <a:p>
-            <a:r>
-              <a:rPr lang="ru-RU" dirty="0"/>
-              <a:t>Блоки </a:t>
-            </a:r>
-            <a:r>
-              <a:rPr lang="ru-RU" b="1" dirty="0" err="1"/>
-              <a:t>catch</a:t>
-            </a:r>
-            <a:r>
-              <a:rPr lang="ru-RU" dirty="0"/>
-              <a:t> инкапсулируют код, который обрабатывает ошибочные ситуации, происходящие в коде блока </a:t>
-            </a:r>
-            <a:r>
-              <a:rPr lang="ru-RU" dirty="0" err="1"/>
-              <a:t>try</a:t>
-            </a:r>
-            <a:r>
-              <a:rPr lang="ru-RU" dirty="0"/>
-              <a:t>. Это также удобное место для протоколирования ошибок.</a:t>
-            </a:r>
-          </a:p>
-          <a:p>
-            <a:r>
-              <a:rPr lang="ru-RU" dirty="0"/>
-              <a:t>Блоки </a:t>
-            </a:r>
-            <a:r>
-              <a:rPr lang="ru-RU" b="1" dirty="0" err="1"/>
-              <a:t>finally</a:t>
-            </a:r>
-            <a:r>
-              <a:rPr lang="ru-RU" dirty="0"/>
-              <a:t> инкапсулируют код, очищающий любые ресурсы или выполняющий другие действия, которые обычно нужно выполнить в конце блоков </a:t>
-            </a:r>
-            <a:r>
-              <a:rPr lang="ru-RU" dirty="0" err="1"/>
-              <a:t>try</a:t>
-            </a:r>
-            <a:r>
-              <a:rPr lang="ru-RU" dirty="0"/>
-              <a:t> или </a:t>
-            </a:r>
-            <a:r>
-              <a:rPr lang="ru-RU" dirty="0" err="1"/>
-              <a:t>catch</a:t>
-            </a:r>
-            <a:r>
-              <a:rPr lang="ru-RU" dirty="0"/>
-              <a:t>. Важно понимать, что этот блок выполняется независимо от того, </a:t>
-            </a:r>
-            <a:r>
-              <a:rPr lang="ru-RU" dirty="0" err="1"/>
-              <a:t>сгенерированo</a:t>
-            </a:r>
-            <a:r>
-              <a:rPr lang="ru-RU" dirty="0"/>
-              <a:t> исключение или нет.</a:t>
-            </a:r>
-          </a:p>
-          <a:p>
+              <a:t>Использование нескольких параметров</a:t>
+            </a:r>
+          </a:p>
+        </p:txBody>
+      </p:sp>
+      <p:sp>
+        <p:nvSpPr>
+          <p:cNvPr id="3" name="Объект 2">
+            <a:extLst>
+              <a:ext uri="{FF2B5EF4-FFF2-40B4-BE49-F238E27FC236}">
+                <a16:creationId xmlns:a16="http://schemas.microsoft.com/office/drawing/2014/main" id="{E0E5CBFF-540A-47C6-B323-54A874556EAC}"/>
+              </a:ext>
+            </a:extLst>
+          </p:cNvPr>
+          <p:cNvSpPr>
+            <a:spLocks noGrp="1"/>
+          </p:cNvSpPr>
+          <p:nvPr>
+            <p:ph idx="1"/>
+          </p:nvPr>
+        </p:nvSpPr>
+        <p:spPr>
+          <a:xfrm>
+            <a:off x="457200" y="1124744"/>
+            <a:ext cx="8229600" cy="5458618"/>
+          </a:xfrm>
+        </p:spPr>
+        <p:txBody>
+          <a:bodyPr>
+            <a:normAutofit fontScale="62500" lnSpcReduction="20000"/>
+          </a:bodyPr>
+          <a:lstStyle/>
+          <a:p>
+            <a:pPr marL="0" indent="0">
+              <a:buNone/>
+            </a:pPr>
+            <a:r>
+              <a:rPr lang="en-US" dirty="0"/>
+              <a:t>class Person&lt;T, K&gt;</a:t>
+            </a:r>
+          </a:p>
+          <a:p>
+            <a:pPr marL="0" indent="0">
+              <a:buNone/>
+            </a:pPr>
+            <a:r>
+              <a:rPr lang="en-US" dirty="0"/>
+              <a:t>{</a:t>
+            </a:r>
+          </a:p>
+          <a:p>
+            <a:pPr marL="0" indent="0">
+              <a:buNone/>
+            </a:pPr>
+            <a:r>
+              <a:rPr lang="en-US" dirty="0"/>
+              <a:t>    public T Id { get;}</a:t>
+            </a:r>
+          </a:p>
+          <a:p>
+            <a:pPr marL="0" indent="0">
+              <a:buNone/>
+            </a:pPr>
+            <a:r>
+              <a:rPr lang="en-US" dirty="0"/>
+              <a:t>    public K Password { get; set; }</a:t>
+            </a:r>
+          </a:p>
+          <a:p>
+            <a:pPr marL="0" indent="0">
+              <a:buNone/>
+            </a:pPr>
+            <a:r>
+              <a:rPr lang="en-US" dirty="0"/>
+              <a:t>    public string Name { get;}</a:t>
+            </a:r>
+          </a:p>
+          <a:p>
+            <a:pPr marL="0" indent="0">
+              <a:buNone/>
+            </a:pPr>
+            <a:r>
+              <a:rPr lang="en-US" dirty="0"/>
+              <a:t>    public Person(T id, K password, string name)</a:t>
+            </a:r>
+          </a:p>
+          <a:p>
+            <a:pPr marL="0" indent="0">
+              <a:buNone/>
+            </a:pPr>
+            <a:r>
+              <a:rPr lang="en-US" dirty="0"/>
+              <a:t>    {</a:t>
+            </a:r>
+          </a:p>
+          <a:p>
+            <a:pPr marL="0" indent="0">
+              <a:buNone/>
+            </a:pPr>
+            <a:r>
+              <a:rPr lang="en-US" dirty="0"/>
+              <a:t>        Id = id; </a:t>
+            </a:r>
+          </a:p>
+          <a:p>
+            <a:pPr marL="0" indent="0">
+              <a:buNone/>
+            </a:pPr>
+            <a:r>
+              <a:rPr lang="en-US" dirty="0"/>
+              <a:t>        Name = name;</a:t>
+            </a:r>
+          </a:p>
+          <a:p>
+            <a:pPr marL="0" indent="0">
+              <a:buNone/>
+            </a:pPr>
+            <a:r>
+              <a:rPr lang="en-US" dirty="0"/>
+              <a:t>        Password = password;</a:t>
+            </a:r>
+          </a:p>
+          <a:p>
+            <a:pPr marL="0" indent="0">
+              <a:buNone/>
+            </a:pPr>
+            <a:r>
+              <a:rPr lang="en-US" dirty="0"/>
+              <a:t>    }</a:t>
+            </a:r>
+          </a:p>
+          <a:p>
+            <a:pPr marL="0" indent="0">
+              <a:buNone/>
+            </a:pPr>
+            <a:r>
+              <a:rPr lang="en-US" dirty="0"/>
+              <a:t>}</a:t>
+            </a:r>
             <a:endParaRPr lang="ru-RU" dirty="0"/>
           </a:p>
-        </p:txBody>
-      </p:sp>
-      <p:sp>
-        <p:nvSpPr>
-          <p:cNvPr id="4" name="Номер слайда 3"/>
+          <a:p>
+            <a:pPr marL="0" indent="0">
+              <a:buNone/>
+            </a:pPr>
+            <a:endParaRPr lang="ru-RU" dirty="0"/>
+          </a:p>
+          <a:p>
+            <a:pPr marL="0" indent="0">
+              <a:buNone/>
+            </a:pPr>
+            <a:r>
+              <a:rPr lang="en-US" dirty="0"/>
+              <a:t>Person&lt;int, string&gt; tom = new Person&lt;int, string&gt;(546, "qwerty", "Tom");</a:t>
+            </a:r>
+          </a:p>
+          <a:p>
+            <a:pPr marL="0" indent="0">
+              <a:buNone/>
+            </a:pPr>
+            <a:r>
+              <a:rPr lang="en-US" dirty="0" err="1"/>
+              <a:t>Console.WriteLine</a:t>
+            </a:r>
+            <a:r>
+              <a:rPr lang="en-US" dirty="0"/>
+              <a:t>(</a:t>
+            </a:r>
+            <a:r>
+              <a:rPr lang="en-US" dirty="0" err="1"/>
+              <a:t>tom.Id</a:t>
+            </a:r>
+            <a:r>
+              <a:rPr lang="en-US" dirty="0"/>
+              <a:t>);  // 546</a:t>
+            </a:r>
+          </a:p>
+          <a:p>
+            <a:pPr marL="0" indent="0">
+              <a:buNone/>
+            </a:pPr>
+            <a:r>
+              <a:rPr lang="en-US" dirty="0" err="1"/>
+              <a:t>Console.WriteLine</a:t>
+            </a:r>
+            <a:r>
+              <a:rPr lang="en-US" dirty="0"/>
+              <a:t>(</a:t>
+            </a:r>
+            <a:r>
+              <a:rPr lang="en-US" dirty="0" err="1"/>
+              <a:t>tom.Password</a:t>
+            </a:r>
+            <a:r>
+              <a:rPr lang="en-US" dirty="0"/>
+              <a:t>);// qwerty</a:t>
+            </a:r>
+            <a:endParaRPr lang="ru-RU" dirty="0"/>
+          </a:p>
+        </p:txBody>
+      </p:sp>
+      <p:sp>
+        <p:nvSpPr>
+          <p:cNvPr id="4" name="Номер слайда 3">
+            <a:extLst>
+              <a:ext uri="{FF2B5EF4-FFF2-40B4-BE49-F238E27FC236}">
+                <a16:creationId xmlns:a16="http://schemas.microsoft.com/office/drawing/2014/main" id="{86D9BE0C-D064-49AD-8DB9-8974BABEA2E4}"/>
+              </a:ext>
+            </a:extLst>
+          </p:cNvPr>
           <p:cNvSpPr>
             <a:spLocks noGrp="1"/>
           </p:cNvSpPr>
@@ -4859,7 +6381,7 @@
           <a:bodyPr/>
           <a:lstStyle/>
           <a:p>
-            <a:fld id="{194E9D9E-8475-4C3D-B07C-FDD1702DB06B}" type="slidenum">
+            <a:fld id="{725C68B6-61C2-468F-89AB-4B9F7531AA68}" type="slidenum">
               <a:rPr lang="ru-RU" smtClean="0"/>
               <a:pPr/>
               <a:t>7</a:t>
@@ -4871,7 +6393,7 @@
     </p:spTree>
     <p:extLst>
       <p:ext uri="{BB962C8B-B14F-4D97-AF65-F5344CB8AC3E}">
-        <p14:creationId xmlns:p14="http://schemas.microsoft.com/office/powerpoint/2010/main" val="2153577452"/>
+        <p14:creationId xmlns:p14="http://schemas.microsoft.com/office/powerpoint/2010/main" val="1708535394"/>
       </p:ext>
     </p:extLst>
   </p:cSld>
@@ -4910,17 +6432,19 @@
         </p:nvSpPr>
         <p:spPr>
           <a:xfrm>
-            <a:off x="467544" y="0"/>
-            <a:ext cx="8229600" cy="836712"/>
+            <a:off x="539552" y="0"/>
+            <a:ext cx="8229600" cy="706090"/>
           </a:xfrm>
         </p:spPr>
         <p:txBody>
-          <a:bodyPr/>
+          <a:bodyPr>
+            <a:normAutofit fontScale="90000"/>
+          </a:bodyPr>
           <a:lstStyle/>
           <a:p>
             <a:r>
               <a:rPr lang="ru-RU" dirty="0"/>
-              <a:t>Обработка исключений</a:t>
+              <a:t>Универсальные(обобщенные) типы</a:t>
             </a:r>
           </a:p>
         </p:txBody>
@@ -4937,13 +6461,13 @@
         </p:nvSpPr>
         <p:spPr>
           <a:xfrm>
-            <a:off x="179512" y="908720"/>
-            <a:ext cx="8784976" cy="5760640"/>
+            <a:off x="179512" y="836712"/>
+            <a:ext cx="8784976" cy="5832648"/>
           </a:xfrm>
         </p:spPr>
         <p:txBody>
           <a:bodyPr>
-            <a:normAutofit fontScale="85000" lnSpcReduction="20000"/>
+            <a:normAutofit lnSpcReduction="10000"/>
           </a:bodyPr>
           <a:lstStyle/>
           <a:p>
@@ -4951,26 +6475,41 @@
               <a:buNone/>
             </a:pPr>
             <a:r>
-              <a:rPr lang="en-US" i="1" dirty="0"/>
-              <a:t>try { </a:t>
-            </a:r>
-            <a:endParaRPr lang="ru-RU" i="1" dirty="0"/>
+              <a:rPr lang="ru-RU" dirty="0"/>
+              <a:t>Пример определения:</a:t>
+            </a:r>
+            <a:endParaRPr lang="en-US" dirty="0"/>
           </a:p>
           <a:p>
             <a:pPr>
               <a:buNone/>
             </a:pPr>
             <a:r>
-              <a:rPr lang="ru-RU" i="1" dirty="0"/>
+              <a:rPr lang="en-US" dirty="0"/>
+              <a:t>class Storage&lt;T&gt; </a:t>
+            </a:r>
+          </a:p>
+          <a:p>
+            <a:pPr>
+              <a:buNone/>
+            </a:pPr>
+            <a:r>
+              <a:rPr lang="en-US" dirty="0"/>
+              <a:t>{</a:t>
+            </a:r>
+            <a:endParaRPr lang="ru-RU" dirty="0"/>
+          </a:p>
+          <a:p>
+            <a:pPr>
+              <a:buNone/>
+            </a:pPr>
+            <a:r>
+              <a:rPr lang="ru-RU" dirty="0"/>
               <a:t>	</a:t>
             </a:r>
             <a:r>
-              <a:rPr lang="en-US" i="1" dirty="0"/>
-              <a:t>// </a:t>
-            </a:r>
-            <a:r>
-              <a:rPr lang="ru-RU" i="1" dirty="0"/>
-              <a:t>Блок кода, проверяемый на наличие ошибок. </a:t>
+              <a:rPr lang="en-US" dirty="0"/>
+              <a:t> T[] values;</a:t>
             </a:r>
           </a:p>
           <a:p>
@@ -4978,161 +6517,52 @@
               <a:buNone/>
             </a:pPr>
             <a:r>
-              <a:rPr lang="ru-RU" i="1" dirty="0"/>
-              <a:t>} </a:t>
-            </a:r>
-            <a:r>
-              <a:rPr lang="en-US" i="1" dirty="0"/>
-              <a:t>catch (ExcepType1 </a:t>
-            </a:r>
-            <a:r>
-              <a:rPr lang="en-US" i="1" dirty="0" err="1"/>
-              <a:t>exOb</a:t>
-            </a:r>
-            <a:r>
-              <a:rPr lang="en-US" i="1" dirty="0"/>
-              <a:t>) </a:t>
-            </a:r>
-            <a:endParaRPr lang="ru-RU" i="1" dirty="0"/>
+              <a:rPr lang="en-US" dirty="0"/>
+              <a:t>}</a:t>
+            </a:r>
           </a:p>
           <a:p>
             <a:pPr>
               <a:buNone/>
             </a:pPr>
             <a:r>
-              <a:rPr lang="en-US" i="1" dirty="0"/>
-              <a:t>{ </a:t>
-            </a:r>
-            <a:endParaRPr lang="ru-RU" i="1" dirty="0"/>
+              <a:rPr lang="ru-RU" dirty="0"/>
+              <a:t>Однако, при попытке написать например:</a:t>
+            </a:r>
           </a:p>
           <a:p>
             <a:pPr>
               <a:buNone/>
             </a:pPr>
             <a:r>
-              <a:rPr lang="ru-RU" i="1" dirty="0"/>
-              <a:t>	</a:t>
-            </a:r>
-            <a:r>
-              <a:rPr lang="en-US" i="1" dirty="0"/>
-              <a:t>// </a:t>
-            </a:r>
-            <a:r>
-              <a:rPr lang="ru-RU" i="1" dirty="0"/>
-              <a:t>Обработчик исключения типа </a:t>
-            </a:r>
-            <a:r>
-              <a:rPr lang="en-US" i="1" dirty="0"/>
-              <a:t>ExcepType1. </a:t>
-            </a:r>
-            <a:endParaRPr lang="ru-RU" i="1" dirty="0"/>
+              <a:rPr lang="en-US" dirty="0"/>
+              <a:t>values[1] = new T();</a:t>
+            </a:r>
           </a:p>
           <a:p>
             <a:pPr>
               <a:buNone/>
             </a:pPr>
             <a:r>
-              <a:rPr lang="en-US" i="1" dirty="0"/>
-              <a:t>} catch (ExcepType2 </a:t>
-            </a:r>
-            <a:r>
-              <a:rPr lang="en-US" i="1" dirty="0" err="1"/>
-              <a:t>exOb</a:t>
-            </a:r>
-            <a:r>
-              <a:rPr lang="en-US" i="1" dirty="0"/>
-              <a:t>) </a:t>
-            </a:r>
-            <a:endParaRPr lang="ru-RU" i="1" dirty="0"/>
-          </a:p>
-          <a:p>
-            <a:pPr>
-              <a:buNone/>
-            </a:pPr>
-            <a:r>
-              <a:rPr lang="en-US" i="1" dirty="0"/>
-              <a:t>{</a:t>
-            </a:r>
-            <a:endParaRPr lang="ru-RU" i="1" dirty="0"/>
-          </a:p>
-          <a:p>
-            <a:pPr>
-              <a:buNone/>
-            </a:pPr>
-            <a:r>
-              <a:rPr lang="en-US" i="1" dirty="0"/>
-              <a:t> </a:t>
-            </a:r>
-            <a:r>
-              <a:rPr lang="ru-RU" i="1" dirty="0"/>
-              <a:t>	</a:t>
-            </a:r>
-            <a:r>
-              <a:rPr lang="en-US" i="1" dirty="0"/>
-              <a:t>// </a:t>
-            </a:r>
-            <a:r>
-              <a:rPr lang="ru-RU" i="1" dirty="0"/>
-              <a:t>Обработчик исключения типа </a:t>
-            </a:r>
-            <a:r>
-              <a:rPr lang="en-US" i="1" dirty="0"/>
-              <a:t>ExcepType2. </a:t>
-            </a:r>
-            <a:endParaRPr lang="ru-RU" i="1" dirty="0"/>
-          </a:p>
-          <a:p>
-            <a:pPr>
-              <a:buNone/>
-            </a:pPr>
-            <a:r>
-              <a:rPr lang="en-US" i="1" dirty="0"/>
-              <a:t>}</a:t>
-            </a:r>
-            <a:r>
-              <a:rPr lang="ru-RU" i="1" dirty="0"/>
-              <a:t> </a:t>
-            </a:r>
-            <a:r>
-              <a:rPr lang="en-US" i="1" dirty="0"/>
-              <a:t>finally</a:t>
-            </a:r>
-          </a:p>
-          <a:p>
-            <a:pPr>
-              <a:buNone/>
-            </a:pPr>
-            <a:r>
-              <a:rPr lang="en-US" i="1" dirty="0"/>
-              <a:t>{</a:t>
-            </a:r>
-          </a:p>
-          <a:p>
-            <a:pPr>
-              <a:buNone/>
-            </a:pPr>
-            <a:r>
-              <a:rPr lang="en-US" i="1" dirty="0"/>
-              <a:t>	//</a:t>
-            </a:r>
-            <a:r>
-              <a:rPr lang="ru-RU" i="1" dirty="0"/>
-              <a:t>действия, которые требуется выполнить в любом случае</a:t>
-            </a:r>
-            <a:endParaRPr lang="en-US" i="1" dirty="0"/>
-          </a:p>
-          <a:p>
-            <a:pPr>
-              <a:buNone/>
-            </a:pPr>
-            <a:r>
-              <a:rPr lang="en-US" i="1" dirty="0"/>
-              <a:t>}</a:t>
-            </a:r>
-            <a:endParaRPr lang="ru-RU" dirty="0"/>
-          </a:p>
-          <a:p>
-            <a:endParaRPr lang="ru-RU" dirty="0"/>
+              <a:rPr lang="ru-RU" dirty="0"/>
+              <a:t>возникнет ошибка, т.к. в используемом типе </a:t>
+            </a:r>
+            <a:r>
+              <a:rPr lang="en-US" dirty="0"/>
+              <a:t>T </a:t>
+            </a:r>
+            <a:r>
+              <a:rPr lang="ru-RU" dirty="0"/>
+              <a:t>может не оказаться конструктора по умолчанию. Для этих целей на тип </a:t>
+            </a:r>
+            <a:r>
+              <a:rPr lang="en-US" dirty="0"/>
+              <a:t>T </a:t>
+            </a:r>
+            <a:r>
+              <a:rPr lang="ru-RU" dirty="0"/>
+              <a:t>могут накладываться ограничения.</a:t>
+            </a:r>
           </a:p>
         </p:txBody>
       </p:sp>
@@ -5163,7 +6593,7 @@
     </p:spTree>
     <p:extLst>
       <p:ext uri="{BB962C8B-B14F-4D97-AF65-F5344CB8AC3E}">
-        <p14:creationId xmlns:p14="http://schemas.microsoft.com/office/powerpoint/2010/main" val="2963333289"/>
+        <p14:creationId xmlns:p14="http://schemas.microsoft.com/office/powerpoint/2010/main" val="2043583066"/>
       </p:ext>
     </p:extLst>
   </p:cSld>
@@ -5202,13 +6632,13 @@
         </p:nvSpPr>
         <p:spPr>
           <a:xfrm>
-            <a:off x="179512" y="260648"/>
-            <a:ext cx="8784976" cy="6597352"/>
+            <a:off x="179512" y="0"/>
+            <a:ext cx="8784976" cy="6858000"/>
           </a:xfrm>
         </p:spPr>
         <p:txBody>
           <a:bodyPr>
-            <a:normAutofit fontScale="85000" lnSpcReduction="20000"/>
+            <a:normAutofit fontScale="85000" lnSpcReduction="10000"/>
           </a:bodyPr>
           <a:lstStyle/>
           <a:p>
@@ -5216,8 +6646,119 @@
               <a:buNone/>
             </a:pPr>
             <a:r>
-              <a:rPr lang="en-US" dirty="0"/>
-              <a:t>static </a:t>
+              <a:rPr lang="ru-RU" dirty="0"/>
+              <a:t>	Указываем, что тип </a:t>
+            </a:r>
+            <a:r>
+              <a:rPr lang="en-US" dirty="0"/>
+              <a:t>T </a:t>
+            </a:r>
+            <a:r>
+              <a:rPr lang="ru-RU" dirty="0"/>
+              <a:t>должен реализовать интерфейс </a:t>
+            </a:r>
+            <a:r>
+              <a:rPr lang="en-US" dirty="0" err="1"/>
+              <a:t>IComparable</a:t>
+            </a:r>
+            <a:r>
+              <a:rPr lang="en-US" dirty="0"/>
+              <a:t> – </a:t>
+            </a:r>
+            <a:r>
+              <a:rPr lang="ru-RU" dirty="0"/>
+              <a:t>позволять </a:t>
+            </a:r>
+            <a:r>
+              <a:rPr lang="ru-RU" dirty="0" err="1"/>
+              <a:t>попарное</a:t>
+            </a:r>
+            <a:r>
+              <a:rPr lang="ru-RU" dirty="0"/>
+              <a:t> сравнение элементов + обязателен конструктор по умолчанию:</a:t>
+            </a:r>
+          </a:p>
+          <a:p>
+            <a:pPr>
+              <a:buNone/>
+            </a:pPr>
+            <a:r>
+              <a:rPr lang="en-US" dirty="0"/>
+              <a:t>class Storage&lt;T&gt;  where T : </a:t>
+            </a:r>
+            <a:r>
+              <a:rPr lang="en-US" dirty="0" err="1"/>
+              <a:t>IComparable</a:t>
+            </a:r>
+            <a:r>
+              <a:rPr lang="en-US" dirty="0"/>
+              <a:t>, new()</a:t>
+            </a:r>
+          </a:p>
+          <a:p>
+            <a:pPr>
+              <a:buNone/>
+            </a:pPr>
+            <a:r>
+              <a:rPr lang="ru-RU" dirty="0"/>
+              <a:t>{</a:t>
+            </a:r>
+          </a:p>
+          <a:p>
+            <a:pPr>
+              <a:buNone/>
+            </a:pPr>
+            <a:r>
+              <a:rPr lang="en-US" dirty="0"/>
+              <a:t>        T[] values;</a:t>
+            </a:r>
+          </a:p>
+          <a:p>
+            <a:pPr>
+              <a:buNone/>
+            </a:pPr>
+            <a:r>
+              <a:rPr lang="en-US" dirty="0"/>
+              <a:t>        public Storage()</a:t>
+            </a:r>
+          </a:p>
+          <a:p>
+            <a:pPr>
+              <a:buNone/>
+            </a:pPr>
+            <a:r>
+              <a:rPr lang="ru-RU" dirty="0"/>
+              <a:t>        {</a:t>
+            </a:r>
+          </a:p>
+          <a:p>
+            <a:pPr>
+              <a:buNone/>
+            </a:pPr>
+            <a:r>
+              <a:rPr lang="ru-RU" dirty="0"/>
+              <a:t>		</a:t>
+            </a:r>
+            <a:r>
+              <a:rPr lang="en-US" dirty="0"/>
+              <a:t> values = new T[10];</a:t>
+            </a:r>
+          </a:p>
+          <a:p>
+            <a:pPr>
+              <a:buNone/>
+            </a:pPr>
+            <a:r>
+              <a:rPr lang="en-US" dirty="0"/>
+              <a:t>            </a:t>
+            </a:r>
+            <a:r>
+              <a:rPr lang="ru-RU" dirty="0"/>
+              <a:t> </a:t>
+            </a:r>
+            <a:r>
+              <a:rPr lang="en-US" dirty="0"/>
+              <a:t>for( </a:t>
             </a:r>
             <a:r>
               <a:rPr lang="en-US" dirty="0" err="1"/>
@@ -5229,349 +6770,98 @@
             </a:r>
             <a:r>
               <a:rPr lang="en-US" dirty="0" err="1"/>
-              <a:t>MyDel</a:t>
-            </a:r>
-            <a:r>
-              <a:rPr lang="en-US" dirty="0"/>
-              <a:t>(</a:t>
+              <a:t>i</a:t>
+            </a:r>
+            <a:r>
+              <a:rPr lang="en-US" dirty="0"/>
+              <a:t> = 0; </a:t>
             </a:r>
             <a:r>
               <a:rPr lang="en-US" dirty="0" err="1"/>
-              <a:t>int</a:t>
-            </a:r>
-            <a:r>
-              <a:rPr lang="en-US" dirty="0"/>
-              <a:t> x, </a:t>
+              <a:t>values.Length</a:t>
+            </a:r>
+            <a:r>
+              <a:rPr lang="en-US" dirty="0"/>
+              <a:t> &lt; 10; ++</a:t>
             </a:r>
             <a:r>
               <a:rPr lang="en-US" dirty="0" err="1"/>
-              <a:t>int</a:t>
-            </a:r>
-            <a:r>
-              <a:rPr lang="en-US" dirty="0"/>
-              <a:t> y) { return x / y; } </a:t>
+              <a:t>i</a:t>
+            </a:r>
+            <a:r>
+              <a:rPr lang="en-US" dirty="0"/>
+              <a:t> ){</a:t>
+            </a:r>
+          </a:p>
+          <a:p>
+            <a:pPr>
+              <a:buNone/>
+            </a:pPr>
+            <a:r>
+              <a:rPr lang="en-US" dirty="0"/>
+              <a:t> 		       values[</a:t>
+            </a:r>
+            <a:r>
+              <a:rPr lang="en-US" dirty="0" err="1"/>
+              <a:t>i</a:t>
+            </a:r>
+            <a:r>
+              <a:rPr lang="en-US" dirty="0"/>
+              <a:t>] = new T();</a:t>
+            </a:r>
+          </a:p>
+          <a:p>
+            <a:pPr>
+              <a:buNone/>
+            </a:pPr>
+            <a:r>
+              <a:rPr lang="ru-RU" dirty="0"/>
+              <a:t>            </a:t>
+            </a:r>
+            <a:r>
+              <a:rPr lang="en-US" dirty="0"/>
+              <a:t> </a:t>
+            </a:r>
+            <a:r>
+              <a:rPr lang="ru-RU" dirty="0"/>
+              <a:t> }</a:t>
+            </a:r>
+          </a:p>
+          <a:p>
+            <a:pPr>
+              <a:buNone/>
+            </a:pPr>
+            <a:r>
+              <a:rPr lang="ru-RU" dirty="0"/>
+              <a:t>        </a:t>
+            </a:r>
+            <a:r>
+              <a:rPr lang="en-US" dirty="0"/>
+              <a:t> </a:t>
+            </a:r>
+            <a:r>
+              <a:rPr lang="ru-RU" dirty="0"/>
+              <a:t>}</a:t>
+            </a:r>
+            <a:endParaRPr lang="en-US" dirty="0"/>
+          </a:p>
+          <a:p>
+            <a:pPr>
+              <a:buNone/>
+            </a:pPr>
+            <a:endParaRPr lang="en-US" dirty="0"/>
+          </a:p>
+          <a:p>
+            <a:pPr>
+              <a:buNone/>
+            </a:pPr>
+            <a:r>
+              <a:rPr lang="en-US" dirty="0"/>
+              <a:t>	</a:t>
             </a:r>
             <a:endParaRPr lang="ru-RU" dirty="0"/>
           </a:p>
           <a:p>
-            <a:pPr>
-              <a:buNone/>
-            </a:pPr>
-            <a:r>
-              <a:rPr lang="en-US" dirty="0"/>
-              <a:t>static void Main() { </a:t>
-            </a:r>
-            <a:endParaRPr lang="ru-RU" dirty="0"/>
-          </a:p>
-          <a:p>
-            <a:pPr>
-              <a:buNone/>
-            </a:pPr>
-            <a:r>
-              <a:rPr lang="ru-RU" dirty="0"/>
-              <a:t>	</a:t>
-            </a:r>
-            <a:r>
-              <a:rPr lang="en-US" dirty="0"/>
-              <a:t>try { </a:t>
-            </a:r>
-            <a:endParaRPr lang="ru-RU" dirty="0"/>
-          </a:p>
-          <a:p>
-            <a:pPr>
-              <a:buNone/>
-            </a:pPr>
-            <a:r>
-              <a:rPr lang="ru-RU" dirty="0"/>
-              <a:t>		</a:t>
-            </a:r>
-            <a:r>
-              <a:rPr lang="en-US" dirty="0" err="1"/>
-              <a:t>Console.Write</a:t>
-            </a:r>
-            <a:r>
-              <a:rPr lang="en-US" dirty="0"/>
-              <a:t>("</a:t>
-            </a:r>
-            <a:r>
-              <a:rPr lang="ru-RU" dirty="0"/>
-              <a:t>Введите </a:t>
-            </a:r>
-            <a:r>
-              <a:rPr lang="en-US" dirty="0"/>
-              <a:t>x: "); </a:t>
-            </a:r>
-            <a:endParaRPr lang="ru-RU" dirty="0"/>
-          </a:p>
-          <a:p>
-            <a:pPr>
-              <a:buNone/>
-            </a:pPr>
-            <a:r>
-              <a:rPr lang="ru-RU" dirty="0"/>
-              <a:t>		</a:t>
-            </a:r>
-            <a:r>
-              <a:rPr lang="en-US" dirty="0" err="1"/>
-              <a:t>int</a:t>
-            </a:r>
-            <a:r>
-              <a:rPr lang="en-US" dirty="0"/>
-              <a:t> x = </a:t>
-            </a:r>
-            <a:r>
-              <a:rPr lang="en-US" dirty="0" err="1"/>
-              <a:t>int.Parse</a:t>
-            </a:r>
-            <a:r>
-              <a:rPr lang="en-US" dirty="0"/>
-              <a:t>(</a:t>
-            </a:r>
-            <a:r>
-              <a:rPr lang="en-US" dirty="0" err="1"/>
-              <a:t>Console.ReadLine</a:t>
-            </a:r>
-            <a:r>
-              <a:rPr lang="en-US" dirty="0"/>
-              <a:t>());</a:t>
-            </a:r>
-            <a:endParaRPr lang="ru-RU" dirty="0"/>
-          </a:p>
-          <a:p>
-            <a:pPr>
-              <a:buNone/>
-            </a:pPr>
-            <a:r>
-              <a:rPr lang="ru-RU" dirty="0"/>
-              <a:t>		</a:t>
-            </a:r>
-            <a:r>
-              <a:rPr lang="en-US" dirty="0" err="1"/>
-              <a:t>Console.Write</a:t>
-            </a:r>
-            <a:r>
-              <a:rPr lang="en-US" dirty="0"/>
-              <a:t>("</a:t>
-            </a:r>
-            <a:r>
-              <a:rPr lang="ru-RU" dirty="0"/>
-              <a:t>Введите </a:t>
-            </a:r>
-            <a:r>
-              <a:rPr lang="en-US" dirty="0"/>
-              <a:t>y: "); </a:t>
-            </a:r>
-            <a:endParaRPr lang="ru-RU" dirty="0"/>
-          </a:p>
-          <a:p>
-            <a:pPr>
-              <a:buNone/>
-            </a:pPr>
-            <a:r>
-              <a:rPr lang="ru-RU" dirty="0"/>
-              <a:t>		</a:t>
-            </a:r>
-            <a:r>
-              <a:rPr lang="en-US" dirty="0" err="1"/>
-              <a:t>int</a:t>
-            </a:r>
-            <a:r>
-              <a:rPr lang="en-US" dirty="0"/>
-              <a:t> y = </a:t>
-            </a:r>
-            <a:r>
-              <a:rPr lang="en-US" dirty="0" err="1"/>
-              <a:t>int.Parse</a:t>
-            </a:r>
-            <a:r>
-              <a:rPr lang="en-US" dirty="0"/>
-              <a:t>(</a:t>
-            </a:r>
-            <a:r>
-              <a:rPr lang="en-US" dirty="0" err="1"/>
-              <a:t>Console.ReadLine</a:t>
-            </a:r>
-            <a:r>
-              <a:rPr lang="en-US" dirty="0"/>
-              <a:t>()); </a:t>
-            </a:r>
-            <a:endParaRPr lang="ru-RU" dirty="0"/>
-          </a:p>
-          <a:p>
-            <a:pPr>
-              <a:buNone/>
-            </a:pPr>
-            <a:r>
-              <a:rPr lang="ru-RU" dirty="0"/>
-              <a:t>		</a:t>
-            </a:r>
-            <a:r>
-              <a:rPr lang="en-US" dirty="0" err="1"/>
-              <a:t>int</a:t>
-            </a:r>
-            <a:r>
-              <a:rPr lang="en-US" dirty="0"/>
-              <a:t> result = </a:t>
-            </a:r>
-            <a:r>
-              <a:rPr lang="en-US" dirty="0" err="1"/>
-              <a:t>MyDel</a:t>
-            </a:r>
-            <a:r>
-              <a:rPr lang="en-US" dirty="0"/>
-              <a:t>(x, y); </a:t>
-            </a:r>
-            <a:endParaRPr lang="ru-RU" dirty="0"/>
-          </a:p>
-          <a:p>
-            <a:pPr>
-              <a:buNone/>
-            </a:pPr>
-            <a:r>
-              <a:rPr lang="ru-RU" dirty="0"/>
-              <a:t>		</a:t>
-            </a:r>
-            <a:r>
-              <a:rPr lang="en-US" dirty="0" err="1"/>
-              <a:t>Console.WriteLine</a:t>
-            </a:r>
-            <a:r>
-              <a:rPr lang="en-US" dirty="0"/>
-              <a:t>("</a:t>
-            </a:r>
-            <a:r>
-              <a:rPr lang="ru-RU" dirty="0"/>
-              <a:t>Результат: " + </a:t>
-            </a:r>
-            <a:r>
-              <a:rPr lang="en-US" dirty="0"/>
-              <a:t>result); </a:t>
-            </a:r>
-            <a:endParaRPr lang="ru-RU" dirty="0"/>
-          </a:p>
-          <a:p>
-            <a:pPr>
-              <a:buNone/>
-            </a:pPr>
-            <a:r>
-              <a:rPr lang="ru-RU" dirty="0"/>
-              <a:t>	</a:t>
-            </a:r>
-            <a:r>
-              <a:rPr lang="en-US" dirty="0"/>
-              <a:t>} catch (</a:t>
-            </a:r>
-            <a:r>
-              <a:rPr lang="en-US" dirty="0" err="1"/>
-              <a:t>DivideByZeroException</a:t>
-            </a:r>
-            <a:r>
-              <a:rPr lang="en-US" dirty="0"/>
-              <a:t>) {</a:t>
-            </a:r>
-            <a:r>
-              <a:rPr lang="ru-RU" dirty="0"/>
-              <a:t>	</a:t>
-            </a:r>
-          </a:p>
-          <a:p>
-            <a:pPr>
-              <a:buNone/>
-            </a:pPr>
-            <a:r>
-              <a:rPr lang="ru-RU" dirty="0"/>
-              <a:t>		</a:t>
-            </a:r>
-            <a:r>
-              <a:rPr lang="en-US" dirty="0" err="1"/>
-              <a:t>Console.WriteLine</a:t>
-            </a:r>
-            <a:r>
-              <a:rPr lang="en-US" dirty="0"/>
-              <a:t>("</a:t>
-            </a:r>
-            <a:r>
-              <a:rPr lang="ru-RU" dirty="0"/>
-              <a:t>Деление на 0 </a:t>
-            </a:r>
-            <a:r>
-              <a:rPr lang="en-US" dirty="0"/>
-              <a:t>detected!!!\n");</a:t>
-            </a:r>
-            <a:endParaRPr lang="ru-RU" dirty="0"/>
-          </a:p>
-          <a:p>
-            <a:pPr>
-              <a:buNone/>
-            </a:pPr>
-            <a:r>
-              <a:rPr lang="ru-RU" dirty="0"/>
-              <a:t>		</a:t>
-            </a:r>
-            <a:r>
-              <a:rPr lang="en-US" dirty="0"/>
-              <a:t>return; </a:t>
-            </a:r>
-          </a:p>
-          <a:p>
-            <a:pPr>
-              <a:buNone/>
-            </a:pPr>
-            <a:r>
-              <a:rPr lang="en-US" dirty="0"/>
-              <a:t>	} catch (</a:t>
-            </a:r>
-            <a:r>
-              <a:rPr lang="en-US" dirty="0" err="1"/>
-              <a:t>FormatException</a:t>
-            </a:r>
-            <a:r>
-              <a:rPr lang="en-US" dirty="0"/>
-              <a:t>) { </a:t>
-            </a:r>
-          </a:p>
-          <a:p>
-            <a:pPr>
-              <a:buNone/>
-            </a:pPr>
-            <a:r>
-              <a:rPr lang="en-US" dirty="0"/>
-              <a:t>		</a:t>
-            </a:r>
-            <a:r>
-              <a:rPr lang="en-US" dirty="0" err="1"/>
-              <a:t>Console.WriteLine</a:t>
-            </a:r>
-            <a:r>
-              <a:rPr lang="en-US" dirty="0"/>
-              <a:t>("</a:t>
-            </a:r>
-            <a:r>
-              <a:rPr lang="ru-RU" dirty="0"/>
-              <a:t>Это НЕ число!!!\</a:t>
-            </a:r>
-            <a:r>
-              <a:rPr lang="en-US" dirty="0"/>
-              <a:t>n"); </a:t>
-            </a:r>
-          </a:p>
-          <a:p>
-            <a:pPr>
-              <a:buNone/>
-            </a:pPr>
-            <a:r>
-              <a:rPr lang="en-US" dirty="0"/>
-              <a:t>		return;</a:t>
-            </a:r>
-          </a:p>
-          <a:p>
-            <a:pPr>
-              <a:buNone/>
-            </a:pPr>
-            <a:r>
-              <a:rPr lang="en-US" dirty="0"/>
-              <a:t>	}</a:t>
-            </a:r>
             <a:endParaRPr lang="ru-RU" dirty="0"/>
           </a:p>
         </p:txBody>
@@ -5603,7 +6893,7 @@
     </p:spTree>
     <p:extLst>
       <p:ext uri="{BB962C8B-B14F-4D97-AF65-F5344CB8AC3E}">
-        <p14:creationId xmlns:p14="http://schemas.microsoft.com/office/powerpoint/2010/main" val="302153513"/>
+        <p14:creationId xmlns:p14="http://schemas.microsoft.com/office/powerpoint/2010/main" val="1030924449"/>
       </p:ext>
     </p:extLst>
   </p:cSld>

--- a/Лекция 11 - универсальные типы, исключения.pptx
+++ b/Лекция 11 - универсальные типы, исключения.pptx
@@ -5,24 +5,19 @@
     <p:sldMasterId id="2147483648" r:id="rId1"/>
   </p:sldMasterIdLst>
   <p:notesMasterIdLst>
-    <p:notesMasterId r:id="rId17"/>
+    <p:notesMasterId r:id="rId12"/>
   </p:notesMasterIdLst>
   <p:sldIdLst>
     <p:sldId id="256" r:id="rId2"/>
     <p:sldId id="324" r:id="rId3"/>
-    <p:sldId id="356" r:id="rId4"/>
-    <p:sldId id="357" r:id="rId5"/>
-    <p:sldId id="358" r:id="rId6"/>
-    <p:sldId id="359" r:id="rId7"/>
-    <p:sldId id="360" r:id="rId8"/>
-    <p:sldId id="325" r:id="rId9"/>
-    <p:sldId id="326" r:id="rId10"/>
-    <p:sldId id="327" r:id="rId11"/>
-    <p:sldId id="351" r:id="rId12"/>
-    <p:sldId id="352" r:id="rId13"/>
-    <p:sldId id="353" r:id="rId14"/>
-    <p:sldId id="354" r:id="rId15"/>
-    <p:sldId id="355" r:id="rId16"/>
+    <p:sldId id="325" r:id="rId4"/>
+    <p:sldId id="326" r:id="rId5"/>
+    <p:sldId id="327" r:id="rId6"/>
+    <p:sldId id="351" r:id="rId7"/>
+    <p:sldId id="352" r:id="rId8"/>
+    <p:sldId id="353" r:id="rId9"/>
+    <p:sldId id="354" r:id="rId10"/>
+    <p:sldId id="355" r:id="rId11"/>
   </p:sldIdLst>
   <p:sldSz cx="9144000" cy="6858000" type="screen4x3"/>
   <p:notesSz cx="6858000" cy="9144000"/>
@@ -140,6 +135,10 @@
 </p:presentation>
 </file>
 
+<file path=ppt/revisionInfo.xml><?xml version="1.0" encoding="utf-8"?>
+<p1510:revInfo xmlns:a="http://schemas.openxmlformats.org/drawingml/2006/main" xmlns:r="http://schemas.openxmlformats.org/officeDocument/2006/relationships" xmlns:p1510="http://schemas.microsoft.com/office/powerpoint/2015/10/main"/>
+</file>
+
 <file path=ppt/notesMasters/notesMaster1.xml><?xml version="1.0" encoding="utf-8"?>
 <p:notesMaster xmlns:a="http://schemas.openxmlformats.org/drawingml/2006/main" xmlns:r="http://schemas.openxmlformats.org/officeDocument/2006/relationships" xmlns:p="http://schemas.openxmlformats.org/presentationml/2006/main">
   <p:cSld>
@@ -222,7 +221,7 @@
           <a:p>
             <a:fld id="{57B1F2C7-647D-4E6C-9518-78BBA26636CD}" type="datetimeFigureOut">
               <a:rPr lang="ru-RU" smtClean="0"/>
-              <a:t>11.11.2022</a:t>
+              <a:t>18.12.2017</a:t>
             </a:fld>
             <a:endParaRPr lang="ru-RU"/>
           </a:p>
@@ -665,7 +664,7 @@
           <a:p>
             <a:fld id="{C73210D8-0ADD-4144-99DB-36AF6F7F4769}" type="datetime1">
               <a:rPr lang="ru-RU" smtClean="0"/>
-              <a:t>11.11.2022</a:t>
+              <a:t>18.12.2017</a:t>
             </a:fld>
             <a:endParaRPr lang="ru-RU"/>
           </a:p>
@@ -829,7 +828,7 @@
           <a:p>
             <a:fld id="{27A63F07-4B06-4241-8BF1-A9844368449D}" type="datetime1">
               <a:rPr lang="ru-RU" smtClean="0"/>
-              <a:t>11.11.2022</a:t>
+              <a:t>18.12.2017</a:t>
             </a:fld>
             <a:endParaRPr lang="ru-RU"/>
           </a:p>
@@ -1003,7 +1002,7 @@
           <a:p>
             <a:fld id="{3F8AB66D-523D-4507-8278-3E470C7309EC}" type="datetime1">
               <a:rPr lang="ru-RU" smtClean="0"/>
-              <a:t>11.11.2022</a:t>
+              <a:t>18.12.2017</a:t>
             </a:fld>
             <a:endParaRPr lang="ru-RU"/>
           </a:p>
@@ -1167,7 +1166,7 @@
           <a:p>
             <a:fld id="{0A9BC236-CEED-4B53-84F1-244A32BF83C2}" type="datetime1">
               <a:rPr lang="ru-RU" smtClean="0"/>
-              <a:t>11.11.2022</a:t>
+              <a:t>18.12.2017</a:t>
             </a:fld>
             <a:endParaRPr lang="ru-RU"/>
           </a:p>
@@ -1408,7 +1407,7 @@
           <a:p>
             <a:fld id="{C463DB76-D7B4-49A6-8E2B-EDDC0BDFD794}" type="datetime1">
               <a:rPr lang="ru-RU" smtClean="0"/>
-              <a:t>11.11.2022</a:t>
+              <a:t>18.12.2017</a:t>
             </a:fld>
             <a:endParaRPr lang="ru-RU"/>
           </a:p>
@@ -1689,7 +1688,7 @@
           <a:p>
             <a:fld id="{8EDEA1B5-828D-41D8-B8F3-6BEE18A37870}" type="datetime1">
               <a:rPr lang="ru-RU" smtClean="0"/>
-              <a:t>11.11.2022</a:t>
+              <a:t>18.12.2017</a:t>
             </a:fld>
             <a:endParaRPr lang="ru-RU"/>
           </a:p>
@@ -2104,7 +2103,7 @@
           <a:p>
             <a:fld id="{05792716-711D-42EE-8BD8-AC77A163DBF3}" type="datetime1">
               <a:rPr lang="ru-RU" smtClean="0"/>
-              <a:t>11.11.2022</a:t>
+              <a:t>18.12.2017</a:t>
             </a:fld>
             <a:endParaRPr lang="ru-RU"/>
           </a:p>
@@ -2217,7 +2216,7 @@
           <a:p>
             <a:fld id="{D513BA53-E41C-4416-8973-8825CA91D5D7}" type="datetime1">
               <a:rPr lang="ru-RU" smtClean="0"/>
-              <a:t>11.11.2022</a:t>
+              <a:t>18.12.2017</a:t>
             </a:fld>
             <a:endParaRPr lang="ru-RU"/>
           </a:p>
@@ -2308,7 +2307,7 @@
           <a:p>
             <a:fld id="{50A6215C-0471-40A4-B786-2B3C7B63D11F}" type="datetime1">
               <a:rPr lang="ru-RU" smtClean="0"/>
-              <a:t>11.11.2022</a:t>
+              <a:t>18.12.2017</a:t>
             </a:fld>
             <a:endParaRPr lang="ru-RU"/>
           </a:p>
@@ -2579,7 +2578,7 @@
           <a:p>
             <a:fld id="{F0F66C35-C07B-4696-A226-4295686BDE80}" type="datetime1">
               <a:rPr lang="ru-RU" smtClean="0"/>
-              <a:t>11.11.2022</a:t>
+              <a:t>18.12.2017</a:t>
             </a:fld>
             <a:endParaRPr lang="ru-RU"/>
           </a:p>
@@ -2827,7 +2826,7 @@
           <a:p>
             <a:fld id="{7A03856C-7F4A-4A83-A46C-A5B39F0F2C10}" type="datetime1">
               <a:rPr lang="ru-RU" smtClean="0"/>
-              <a:t>11.11.2022</a:t>
+              <a:t>18.12.2017</a:t>
             </a:fld>
             <a:endParaRPr lang="ru-RU"/>
           </a:p>
@@ -3034,7 +3033,7 @@
           <a:p>
             <a:fld id="{073A2CB4-22C2-44D0-88EC-161B1103081B}" type="datetime1">
               <a:rPr lang="ru-RU" smtClean="0"/>
-              <a:t>11.11.2022</a:t>
+              <a:t>18.12.2017</a:t>
             </a:fld>
             <a:endParaRPr lang="ru-RU"/>
           </a:p>
@@ -3537,235 +3536,23 @@
         </p:nvSpPr>
         <p:spPr>
           <a:xfrm>
-            <a:off x="251520" y="404664"/>
-            <a:ext cx="8435280" cy="6120680"/>
+            <a:off x="179512" y="0"/>
+            <a:ext cx="8712968" cy="3096343"/>
           </a:xfrm>
         </p:spPr>
         <p:txBody>
           <a:bodyPr>
-            <a:normAutofit fontScale="92500" lnSpcReduction="10000"/>
+            <a:normAutofit fontScale="85000" lnSpcReduction="20000"/>
           </a:bodyPr>
           <a:lstStyle/>
           <a:p>
-            <a:pPr>
-              <a:buNone/>
-            </a:pPr>
-            <a:r>
-              <a:rPr lang="en-US" dirty="0"/>
-              <a:t> //</a:t>
-            </a:r>
-            <a:r>
-              <a:rPr lang="ru-RU" dirty="0"/>
-              <a:t>поиск максимума:</a:t>
-            </a:r>
-            <a:r>
-              <a:rPr lang="en-US" dirty="0"/>
-              <a:t>	   </a:t>
-            </a:r>
-          </a:p>
-          <a:p>
-            <a:pPr>
-              <a:buNone/>
-            </a:pPr>
-            <a:r>
-              <a:rPr lang="ru-RU" dirty="0"/>
-              <a:t>	  </a:t>
-            </a:r>
-            <a:r>
-              <a:rPr lang="en-US" dirty="0"/>
-              <a:t>public T </a:t>
-            </a:r>
-            <a:r>
-              <a:rPr lang="en-US" dirty="0" err="1"/>
-              <a:t>FindMax</a:t>
-            </a:r>
-            <a:r>
-              <a:rPr lang="en-US" dirty="0"/>
-              <a:t>()</a:t>
-            </a:r>
-          </a:p>
-          <a:p>
-            <a:pPr>
-              <a:buNone/>
-            </a:pPr>
-            <a:r>
-              <a:rPr lang="en-US" dirty="0"/>
-              <a:t>	  {</a:t>
-            </a:r>
-          </a:p>
-          <a:p>
-            <a:pPr>
-              <a:buNone/>
-            </a:pPr>
-            <a:r>
-              <a:rPr lang="ru-RU" dirty="0"/>
-              <a:t>		</a:t>
-            </a:r>
-            <a:r>
-              <a:rPr lang="en-US" dirty="0"/>
-              <a:t>T max = values[0];</a:t>
-            </a:r>
-          </a:p>
-          <a:p>
-            <a:pPr>
-              <a:buNone/>
-            </a:pPr>
-            <a:r>
-              <a:rPr lang="en-US" dirty="0"/>
-              <a:t>	 	for( </a:t>
-            </a:r>
-            <a:r>
-              <a:rPr lang="en-US" dirty="0" err="1"/>
-              <a:t>int</a:t>
-            </a:r>
-            <a:r>
-              <a:rPr lang="en-US" dirty="0"/>
-              <a:t> </a:t>
-            </a:r>
-            <a:r>
-              <a:rPr lang="en-US" dirty="0" err="1"/>
-              <a:t>i</a:t>
-            </a:r>
-            <a:r>
-              <a:rPr lang="en-US" dirty="0"/>
-              <a:t>  = 1; </a:t>
-            </a:r>
-            <a:r>
-              <a:rPr lang="en-US" dirty="0" err="1"/>
-              <a:t>i</a:t>
-            </a:r>
-            <a:r>
-              <a:rPr lang="en-US" dirty="0"/>
-              <a:t> &lt; </a:t>
-            </a:r>
-            <a:r>
-              <a:rPr lang="en-US" dirty="0" err="1"/>
-              <a:t>values.Length</a:t>
-            </a:r>
-            <a:r>
-              <a:rPr lang="en-US" dirty="0"/>
-              <a:t>; ++</a:t>
-            </a:r>
-            <a:r>
-              <a:rPr lang="en-US" dirty="0" err="1"/>
-              <a:t>i</a:t>
-            </a:r>
-            <a:r>
-              <a:rPr lang="en-US" dirty="0"/>
-              <a:t> </a:t>
-            </a:r>
-            <a:r>
-              <a:rPr lang="ru-RU" dirty="0"/>
-              <a:t>)</a:t>
-            </a:r>
-            <a:r>
-              <a:rPr lang="en-US" dirty="0"/>
-              <a:t>{</a:t>
-            </a:r>
-          </a:p>
-          <a:p>
-            <a:pPr>
-              <a:buNone/>
-            </a:pPr>
-            <a:r>
-              <a:rPr lang="en-US" dirty="0"/>
-              <a:t>	             if( values[</a:t>
-            </a:r>
-            <a:r>
-              <a:rPr lang="en-US" dirty="0" err="1"/>
-              <a:t>i</a:t>
-            </a:r>
-            <a:r>
-              <a:rPr lang="en-US" dirty="0"/>
-              <a:t>].</a:t>
-            </a:r>
-            <a:r>
-              <a:rPr lang="en-US" dirty="0" err="1"/>
-              <a:t>CompareTo</a:t>
-            </a:r>
-            <a:r>
-              <a:rPr lang="en-US" dirty="0"/>
-              <a:t>( max ) &gt; 0 ){</a:t>
-            </a:r>
-          </a:p>
-          <a:p>
-            <a:pPr>
-              <a:buNone/>
-            </a:pPr>
-            <a:r>
-              <a:rPr lang="en-US" dirty="0"/>
-              <a:t>		            max = values[</a:t>
-            </a:r>
-            <a:r>
-              <a:rPr lang="en-US" dirty="0" err="1"/>
-              <a:t>i</a:t>
-            </a:r>
-            <a:r>
-              <a:rPr lang="en-US" dirty="0"/>
-              <a:t>];</a:t>
-            </a:r>
-          </a:p>
-          <a:p>
-            <a:pPr>
-              <a:buNone/>
-            </a:pPr>
-            <a:r>
-              <a:rPr lang="en-US" dirty="0"/>
-              <a:t>		       }</a:t>
-            </a:r>
-          </a:p>
-          <a:p>
-            <a:pPr>
-              <a:buNone/>
-            </a:pPr>
-            <a:r>
-              <a:rPr lang="en-US" dirty="0"/>
-              <a:t>		}</a:t>
-            </a:r>
-            <a:r>
-              <a:rPr lang="ru-RU" dirty="0"/>
-              <a:t>		</a:t>
-            </a:r>
-            <a:endParaRPr lang="en-US" dirty="0"/>
-          </a:p>
-          <a:p>
-            <a:pPr>
-              <a:buNone/>
-            </a:pPr>
-            <a:r>
-              <a:rPr lang="en-US" dirty="0"/>
-              <a:t>		return max;</a:t>
-            </a:r>
-          </a:p>
-          <a:p>
-            <a:pPr>
-              <a:buNone/>
-            </a:pPr>
-            <a:r>
-              <a:rPr lang="en-US" dirty="0"/>
-              <a:t>	</a:t>
-            </a:r>
-            <a:r>
-              <a:rPr lang="ru-RU" dirty="0"/>
-              <a:t>   </a:t>
-            </a:r>
-            <a:r>
-              <a:rPr lang="en-US" dirty="0"/>
-              <a:t>}</a:t>
-            </a:r>
-            <a:r>
-              <a:rPr lang="ru-RU" dirty="0"/>
-              <a:t>    </a:t>
-            </a:r>
-          </a:p>
-          <a:p>
-            <a:pPr>
-              <a:buNone/>
-            </a:pPr>
-            <a:r>
-              <a:rPr lang="ru-RU" dirty="0"/>
-              <a:t>}</a:t>
-            </a:r>
+            <a:r>
+              <a:rPr lang="ru-RU" dirty="0"/>
+              <a:t>Перехват одного из стандартных исключений, исключает аварийное завершение программы. Как только исключение будет сгенерировано, оно должно быть перехвачено каким-то фрагментом кода в определенном месте программы. Если исключение не перехватывается в программе, то оно будет перехвачено исполняющей системой. Исполняющая система выдаст сообщение об ошибке и прервет выполнение программы.</a:t>
+            </a:r>
+          </a:p>
+          <a:p>
+            <a:endParaRPr lang="ru-RU" dirty="0"/>
           </a:p>
         </p:txBody>
       </p:sp>
@@ -3788,1150 +3575,6 @@
               <a:rPr lang="ru-RU" smtClean="0"/>
               <a:pPr/>
               <a:t>10</a:t>
-            </a:fld>
-            <a:endParaRPr lang="ru-RU"/>
-          </a:p>
-        </p:txBody>
-      </p:sp>
-    </p:spTree>
-    <p:extLst>
-      <p:ext uri="{BB962C8B-B14F-4D97-AF65-F5344CB8AC3E}">
-        <p14:creationId xmlns:p14="http://schemas.microsoft.com/office/powerpoint/2010/main" val="3794680546"/>
-      </p:ext>
-    </p:extLst>
-  </p:cSld>
-  <p:clrMapOvr>
-    <a:masterClrMapping/>
-  </p:clrMapOvr>
-</p:sld>
-</file>
-
-<file path=ppt/slides/slide11.xml><?xml version="1.0" encoding="utf-8"?>
-<p:sld xmlns:a="http://schemas.openxmlformats.org/drawingml/2006/main" xmlns:r="http://schemas.openxmlformats.org/officeDocument/2006/relationships" xmlns:p="http://schemas.openxmlformats.org/presentationml/2006/main">
-  <p:cSld>
-    <p:spTree>
-      <p:nvGrpSpPr>
-        <p:cNvPr id="1" name=""/>
-        <p:cNvGrpSpPr/>
-        <p:nvPr/>
-      </p:nvGrpSpPr>
-      <p:grpSpPr>
-        <a:xfrm>
-          <a:off x="0" y="0"/>
-          <a:ext cx="0" cy="0"/>
-          <a:chOff x="0" y="0"/>
-          <a:chExt cx="0" cy="0"/>
-        </a:xfrm>
-      </p:grpSpPr>
-      <p:sp>
-        <p:nvSpPr>
-          <p:cNvPr id="2" name="Заголовок 1"/>
-          <p:cNvSpPr>
-            <a:spLocks noGrp="1"/>
-          </p:cNvSpPr>
-          <p:nvPr>
-            <p:ph type="title"/>
-          </p:nvPr>
-        </p:nvSpPr>
-        <p:spPr>
-          <a:xfrm>
-            <a:off x="467544" y="0"/>
-            <a:ext cx="8229600" cy="836712"/>
-          </a:xfrm>
-        </p:spPr>
-        <p:txBody>
-          <a:bodyPr/>
-          <a:lstStyle/>
-          <a:p>
-            <a:r>
-              <a:rPr lang="ru-RU" dirty="0"/>
-              <a:t>Обработка ошибок</a:t>
-            </a:r>
-          </a:p>
-        </p:txBody>
-      </p:sp>
-      <p:sp>
-        <p:nvSpPr>
-          <p:cNvPr id="3" name="Содержимое 2"/>
-          <p:cNvSpPr>
-            <a:spLocks noGrp="1"/>
-          </p:cNvSpPr>
-          <p:nvPr>
-            <p:ph idx="1"/>
-          </p:nvPr>
-        </p:nvSpPr>
-        <p:spPr>
-          <a:xfrm>
-            <a:off x="179512" y="764704"/>
-            <a:ext cx="8784976" cy="6093296"/>
-          </a:xfrm>
-        </p:spPr>
-        <p:txBody>
-          <a:bodyPr>
-            <a:normAutofit fontScale="70000" lnSpcReduction="20000"/>
-          </a:bodyPr>
-          <a:lstStyle/>
-          <a:p>
-            <a:r>
-              <a:rPr lang="ru-RU" b="1" dirty="0"/>
-              <a:t>Программные ошибки (</a:t>
-            </a:r>
-            <a:r>
-              <a:rPr lang="ru-RU" b="1" dirty="0" err="1"/>
-              <a:t>bugs</a:t>
-            </a:r>
-            <a:r>
-              <a:rPr lang="ru-RU" b="1" dirty="0"/>
-              <a:t>)</a:t>
-            </a:r>
-            <a:r>
-              <a:rPr lang="ru-RU" dirty="0"/>
-              <a:t> Так обычно называются ошибки, которые допускает программист. Например, предположим, что приложение создается с помощью неуправляемого языка С++. Если динамически выделяемая память не освобождается, что чревато утечкой памяти, появляется программная ошибка.</a:t>
-            </a:r>
-          </a:p>
-          <a:p>
-            <a:r>
-              <a:rPr lang="ru-RU" b="1" dirty="0"/>
-              <a:t>Пользовательские ошибки (</a:t>
-            </a:r>
-            <a:r>
-              <a:rPr lang="ru-RU" b="1" dirty="0" err="1"/>
-              <a:t>user</a:t>
-            </a:r>
-            <a:r>
-              <a:rPr lang="ru-RU" b="1" dirty="0"/>
-              <a:t> </a:t>
-            </a:r>
-            <a:r>
-              <a:rPr lang="ru-RU" b="1" dirty="0" err="1"/>
-              <a:t>errors</a:t>
-            </a:r>
-            <a:r>
-              <a:rPr lang="ru-RU" b="1" dirty="0"/>
-              <a:t>)</a:t>
-            </a:r>
-            <a:r>
-              <a:rPr lang="ru-RU" dirty="0"/>
-              <a:t> В отличие от программных ошибок, пользовательские ошибки обычно возникают из-за тех, кто запускает приложение, а не тех, кто его создает. Например, ввод строки вместо числа.</a:t>
-            </a:r>
-          </a:p>
-          <a:p>
-            <a:r>
-              <a:rPr lang="ru-RU" b="1" dirty="0"/>
-              <a:t>Исключения (</a:t>
-            </a:r>
-            <a:r>
-              <a:rPr lang="ru-RU" b="1" dirty="0" err="1"/>
-              <a:t>exceptions</a:t>
-            </a:r>
-            <a:r>
-              <a:rPr lang="ru-RU" b="1" dirty="0"/>
-              <a:t>)</a:t>
-            </a:r>
-            <a:r>
-              <a:rPr lang="ru-RU" dirty="0"/>
-              <a:t> Исключениями, или исключительными ситуациями, обычно называются аномалии, которые могут возникать во время выполнения и которые трудно, а порой и вообще невозможно, предусмотреть во время программирования приложения. К числу таких возможных исключений относятся попытки подключения к базе данных, которой больше не существует, попытки открытия поврежденного файла или попытки установки связи с машиной, которая в текущий момент находится в автономном режиме. В каждом из этих случаев программист (и конечный пользователь) мало что может сделать с подобными "исключительными" обстоятельствами.</a:t>
-            </a:r>
-          </a:p>
-        </p:txBody>
-      </p:sp>
-      <p:sp>
-        <p:nvSpPr>
-          <p:cNvPr id="4" name="Номер слайда 3"/>
-          <p:cNvSpPr>
-            <a:spLocks noGrp="1"/>
-          </p:cNvSpPr>
-          <p:nvPr>
-            <p:ph type="sldNum" sz="quarter" idx="12"/>
-          </p:nvPr>
-        </p:nvSpPr>
-        <p:spPr/>
-        <p:txBody>
-          <a:bodyPr/>
-          <a:lstStyle/>
-          <a:p>
-            <a:fld id="{194E9D9E-8475-4C3D-B07C-FDD1702DB06B}" type="slidenum">
-              <a:rPr lang="ru-RU" smtClean="0"/>
-              <a:pPr/>
-              <a:t>11</a:t>
-            </a:fld>
-            <a:endParaRPr lang="ru-RU"/>
-          </a:p>
-        </p:txBody>
-      </p:sp>
-    </p:spTree>
-    <p:extLst>
-      <p:ext uri="{BB962C8B-B14F-4D97-AF65-F5344CB8AC3E}">
-        <p14:creationId xmlns:p14="http://schemas.microsoft.com/office/powerpoint/2010/main" val="476689317"/>
-      </p:ext>
-    </p:extLst>
-  </p:cSld>
-  <p:clrMapOvr>
-    <a:masterClrMapping/>
-  </p:clrMapOvr>
-</p:sld>
-</file>
-
-<file path=ppt/slides/slide12.xml><?xml version="1.0" encoding="utf-8"?>
-<p:sld xmlns:a="http://schemas.openxmlformats.org/drawingml/2006/main" xmlns:r="http://schemas.openxmlformats.org/officeDocument/2006/relationships" xmlns:p="http://schemas.openxmlformats.org/presentationml/2006/main">
-  <p:cSld>
-    <p:spTree>
-      <p:nvGrpSpPr>
-        <p:cNvPr id="1" name=""/>
-        <p:cNvGrpSpPr/>
-        <p:nvPr/>
-      </p:nvGrpSpPr>
-      <p:grpSpPr>
-        <a:xfrm>
-          <a:off x="0" y="0"/>
-          <a:ext cx="0" cy="0"/>
-          <a:chOff x="0" y="0"/>
-          <a:chExt cx="0" cy="0"/>
-        </a:xfrm>
-      </p:grpSpPr>
-      <p:sp>
-        <p:nvSpPr>
-          <p:cNvPr id="3" name="Содержимое 2"/>
-          <p:cNvSpPr>
-            <a:spLocks noGrp="1"/>
-          </p:cNvSpPr>
-          <p:nvPr>
-            <p:ph idx="1"/>
-          </p:nvPr>
-        </p:nvSpPr>
-        <p:spPr>
-          <a:xfrm>
-            <a:off x="179512" y="260648"/>
-            <a:ext cx="8784976" cy="6597352"/>
-          </a:xfrm>
-        </p:spPr>
-        <p:txBody>
-          <a:bodyPr>
-            <a:normAutofit fontScale="92500" lnSpcReduction="20000"/>
-          </a:bodyPr>
-          <a:lstStyle/>
-          <a:p>
-            <a:r>
-              <a:rPr lang="ru-RU" dirty="0"/>
-              <a:t>Для обработки исключений C# оперирует следующими блоками: </a:t>
-            </a:r>
-          </a:p>
-          <a:p>
-            <a:r>
-              <a:rPr lang="ru-RU" dirty="0"/>
-              <a:t>Блоки </a:t>
-            </a:r>
-            <a:r>
-              <a:rPr lang="ru-RU" b="1" dirty="0" err="1"/>
-              <a:t>try</a:t>
-            </a:r>
-            <a:r>
-              <a:rPr lang="ru-RU" dirty="0"/>
-              <a:t> инкапсулируют код, формирующий часть нормальных действий программы, которые потенциально могут столкнуться с серьезными ошибочными ситуациями.</a:t>
-            </a:r>
-          </a:p>
-          <a:p>
-            <a:r>
-              <a:rPr lang="ru-RU" dirty="0"/>
-              <a:t>Блоки </a:t>
-            </a:r>
-            <a:r>
-              <a:rPr lang="ru-RU" b="1" dirty="0" err="1"/>
-              <a:t>catch</a:t>
-            </a:r>
-            <a:r>
-              <a:rPr lang="ru-RU" dirty="0"/>
-              <a:t> инкапсулируют код, который обрабатывает ошибочные ситуации, происходящие в коде блока </a:t>
-            </a:r>
-            <a:r>
-              <a:rPr lang="ru-RU" dirty="0" err="1"/>
-              <a:t>try</a:t>
-            </a:r>
-            <a:r>
-              <a:rPr lang="ru-RU" dirty="0"/>
-              <a:t>. Это также удобное место для протоколирования ошибок.</a:t>
-            </a:r>
-          </a:p>
-          <a:p>
-            <a:r>
-              <a:rPr lang="ru-RU" dirty="0"/>
-              <a:t>Блоки </a:t>
-            </a:r>
-            <a:r>
-              <a:rPr lang="ru-RU" b="1" dirty="0" err="1"/>
-              <a:t>finally</a:t>
-            </a:r>
-            <a:r>
-              <a:rPr lang="ru-RU" dirty="0"/>
-              <a:t> инкапсулируют код, очищающий любые ресурсы или выполняющий другие действия, которые обычно нужно выполнить в конце блоков </a:t>
-            </a:r>
-            <a:r>
-              <a:rPr lang="ru-RU" dirty="0" err="1"/>
-              <a:t>try</a:t>
-            </a:r>
-            <a:r>
-              <a:rPr lang="ru-RU" dirty="0"/>
-              <a:t> или </a:t>
-            </a:r>
-            <a:r>
-              <a:rPr lang="ru-RU" dirty="0" err="1"/>
-              <a:t>catch</a:t>
-            </a:r>
-            <a:r>
-              <a:rPr lang="ru-RU" dirty="0"/>
-              <a:t>. Важно понимать, что этот блок выполняется независимо от того, </a:t>
-            </a:r>
-            <a:r>
-              <a:rPr lang="ru-RU" dirty="0" err="1"/>
-              <a:t>сгенерированo</a:t>
-            </a:r>
-            <a:r>
-              <a:rPr lang="ru-RU" dirty="0"/>
-              <a:t> исключение или нет.</a:t>
-            </a:r>
-          </a:p>
-          <a:p>
-            <a:endParaRPr lang="ru-RU" dirty="0"/>
-          </a:p>
-        </p:txBody>
-      </p:sp>
-      <p:sp>
-        <p:nvSpPr>
-          <p:cNvPr id="4" name="Номер слайда 3"/>
-          <p:cNvSpPr>
-            <a:spLocks noGrp="1"/>
-          </p:cNvSpPr>
-          <p:nvPr>
-            <p:ph type="sldNum" sz="quarter" idx="12"/>
-          </p:nvPr>
-        </p:nvSpPr>
-        <p:spPr/>
-        <p:txBody>
-          <a:bodyPr/>
-          <a:lstStyle/>
-          <a:p>
-            <a:fld id="{194E9D9E-8475-4C3D-B07C-FDD1702DB06B}" type="slidenum">
-              <a:rPr lang="ru-RU" smtClean="0"/>
-              <a:pPr/>
-              <a:t>12</a:t>
-            </a:fld>
-            <a:endParaRPr lang="ru-RU"/>
-          </a:p>
-        </p:txBody>
-      </p:sp>
-    </p:spTree>
-    <p:extLst>
-      <p:ext uri="{BB962C8B-B14F-4D97-AF65-F5344CB8AC3E}">
-        <p14:creationId xmlns:p14="http://schemas.microsoft.com/office/powerpoint/2010/main" val="2153577452"/>
-      </p:ext>
-    </p:extLst>
-  </p:cSld>
-  <p:clrMapOvr>
-    <a:masterClrMapping/>
-  </p:clrMapOvr>
-</p:sld>
-</file>
-
-<file path=ppt/slides/slide13.xml><?xml version="1.0" encoding="utf-8"?>
-<p:sld xmlns:a="http://schemas.openxmlformats.org/drawingml/2006/main" xmlns:r="http://schemas.openxmlformats.org/officeDocument/2006/relationships" xmlns:p="http://schemas.openxmlformats.org/presentationml/2006/main">
-  <p:cSld>
-    <p:spTree>
-      <p:nvGrpSpPr>
-        <p:cNvPr id="1" name=""/>
-        <p:cNvGrpSpPr/>
-        <p:nvPr/>
-      </p:nvGrpSpPr>
-      <p:grpSpPr>
-        <a:xfrm>
-          <a:off x="0" y="0"/>
-          <a:ext cx="0" cy="0"/>
-          <a:chOff x="0" y="0"/>
-          <a:chExt cx="0" cy="0"/>
-        </a:xfrm>
-      </p:grpSpPr>
-      <p:sp>
-        <p:nvSpPr>
-          <p:cNvPr id="2" name="Заголовок 1"/>
-          <p:cNvSpPr>
-            <a:spLocks noGrp="1"/>
-          </p:cNvSpPr>
-          <p:nvPr>
-            <p:ph type="title"/>
-          </p:nvPr>
-        </p:nvSpPr>
-        <p:spPr>
-          <a:xfrm>
-            <a:off x="467544" y="0"/>
-            <a:ext cx="8229600" cy="836712"/>
-          </a:xfrm>
-        </p:spPr>
-        <p:txBody>
-          <a:bodyPr/>
-          <a:lstStyle/>
-          <a:p>
-            <a:r>
-              <a:rPr lang="ru-RU" dirty="0"/>
-              <a:t>Обработка исключений</a:t>
-            </a:r>
-          </a:p>
-        </p:txBody>
-      </p:sp>
-      <p:sp>
-        <p:nvSpPr>
-          <p:cNvPr id="3" name="Содержимое 2"/>
-          <p:cNvSpPr>
-            <a:spLocks noGrp="1"/>
-          </p:cNvSpPr>
-          <p:nvPr>
-            <p:ph idx="1"/>
-          </p:nvPr>
-        </p:nvSpPr>
-        <p:spPr>
-          <a:xfrm>
-            <a:off x="179512" y="908720"/>
-            <a:ext cx="8784976" cy="5760640"/>
-          </a:xfrm>
-        </p:spPr>
-        <p:txBody>
-          <a:bodyPr>
-            <a:normAutofit fontScale="85000" lnSpcReduction="20000"/>
-          </a:bodyPr>
-          <a:lstStyle/>
-          <a:p>
-            <a:pPr>
-              <a:buNone/>
-            </a:pPr>
-            <a:r>
-              <a:rPr lang="en-US" i="1" dirty="0"/>
-              <a:t>try { </a:t>
-            </a:r>
-            <a:endParaRPr lang="ru-RU" i="1" dirty="0"/>
-          </a:p>
-          <a:p>
-            <a:pPr>
-              <a:buNone/>
-            </a:pPr>
-            <a:r>
-              <a:rPr lang="ru-RU" i="1" dirty="0"/>
-              <a:t>	</a:t>
-            </a:r>
-            <a:r>
-              <a:rPr lang="en-US" i="1" dirty="0"/>
-              <a:t>// </a:t>
-            </a:r>
-            <a:r>
-              <a:rPr lang="ru-RU" i="1" dirty="0"/>
-              <a:t>Блок кода, проверяемый на наличие ошибок. </a:t>
-            </a:r>
-          </a:p>
-          <a:p>
-            <a:pPr>
-              <a:buNone/>
-            </a:pPr>
-            <a:r>
-              <a:rPr lang="ru-RU" i="1" dirty="0"/>
-              <a:t>} </a:t>
-            </a:r>
-            <a:r>
-              <a:rPr lang="en-US" i="1" dirty="0"/>
-              <a:t>catch (ExcepType1 </a:t>
-            </a:r>
-            <a:r>
-              <a:rPr lang="en-US" i="1" dirty="0" err="1"/>
-              <a:t>exOb</a:t>
-            </a:r>
-            <a:r>
-              <a:rPr lang="en-US" i="1" dirty="0"/>
-              <a:t>) </a:t>
-            </a:r>
-            <a:endParaRPr lang="ru-RU" i="1" dirty="0"/>
-          </a:p>
-          <a:p>
-            <a:pPr>
-              <a:buNone/>
-            </a:pPr>
-            <a:r>
-              <a:rPr lang="en-US" i="1" dirty="0"/>
-              <a:t>{ </a:t>
-            </a:r>
-            <a:endParaRPr lang="ru-RU" i="1" dirty="0"/>
-          </a:p>
-          <a:p>
-            <a:pPr>
-              <a:buNone/>
-            </a:pPr>
-            <a:r>
-              <a:rPr lang="ru-RU" i="1" dirty="0"/>
-              <a:t>	</a:t>
-            </a:r>
-            <a:r>
-              <a:rPr lang="en-US" i="1" dirty="0"/>
-              <a:t>// </a:t>
-            </a:r>
-            <a:r>
-              <a:rPr lang="ru-RU" i="1" dirty="0"/>
-              <a:t>Обработчик исключения типа </a:t>
-            </a:r>
-            <a:r>
-              <a:rPr lang="en-US" i="1" dirty="0"/>
-              <a:t>ExcepType1. </a:t>
-            </a:r>
-            <a:endParaRPr lang="ru-RU" i="1" dirty="0"/>
-          </a:p>
-          <a:p>
-            <a:pPr>
-              <a:buNone/>
-            </a:pPr>
-            <a:r>
-              <a:rPr lang="en-US" i="1" dirty="0"/>
-              <a:t>} catch (ExcepType2 </a:t>
-            </a:r>
-            <a:r>
-              <a:rPr lang="en-US" i="1" dirty="0" err="1"/>
-              <a:t>exOb</a:t>
-            </a:r>
-            <a:r>
-              <a:rPr lang="en-US" i="1" dirty="0"/>
-              <a:t>) </a:t>
-            </a:r>
-            <a:endParaRPr lang="ru-RU" i="1" dirty="0"/>
-          </a:p>
-          <a:p>
-            <a:pPr>
-              <a:buNone/>
-            </a:pPr>
-            <a:r>
-              <a:rPr lang="en-US" i="1" dirty="0"/>
-              <a:t>{</a:t>
-            </a:r>
-            <a:endParaRPr lang="ru-RU" i="1" dirty="0"/>
-          </a:p>
-          <a:p>
-            <a:pPr>
-              <a:buNone/>
-            </a:pPr>
-            <a:r>
-              <a:rPr lang="en-US" i="1" dirty="0"/>
-              <a:t> </a:t>
-            </a:r>
-            <a:r>
-              <a:rPr lang="ru-RU" i="1" dirty="0"/>
-              <a:t>	</a:t>
-            </a:r>
-            <a:r>
-              <a:rPr lang="en-US" i="1" dirty="0"/>
-              <a:t>// </a:t>
-            </a:r>
-            <a:r>
-              <a:rPr lang="ru-RU" i="1" dirty="0"/>
-              <a:t>Обработчик исключения типа </a:t>
-            </a:r>
-            <a:r>
-              <a:rPr lang="en-US" i="1" dirty="0"/>
-              <a:t>ExcepType2. </a:t>
-            </a:r>
-            <a:endParaRPr lang="ru-RU" i="1" dirty="0"/>
-          </a:p>
-          <a:p>
-            <a:pPr>
-              <a:buNone/>
-            </a:pPr>
-            <a:r>
-              <a:rPr lang="en-US" i="1" dirty="0"/>
-              <a:t>}</a:t>
-            </a:r>
-            <a:r>
-              <a:rPr lang="ru-RU" i="1" dirty="0"/>
-              <a:t> </a:t>
-            </a:r>
-            <a:r>
-              <a:rPr lang="en-US" i="1" dirty="0"/>
-              <a:t>finally</a:t>
-            </a:r>
-          </a:p>
-          <a:p>
-            <a:pPr>
-              <a:buNone/>
-            </a:pPr>
-            <a:r>
-              <a:rPr lang="en-US" i="1" dirty="0"/>
-              <a:t>{</a:t>
-            </a:r>
-          </a:p>
-          <a:p>
-            <a:pPr>
-              <a:buNone/>
-            </a:pPr>
-            <a:r>
-              <a:rPr lang="en-US" i="1" dirty="0"/>
-              <a:t>	//</a:t>
-            </a:r>
-            <a:r>
-              <a:rPr lang="ru-RU" i="1" dirty="0"/>
-              <a:t>действия, которые требуется выполнить в любом случае</a:t>
-            </a:r>
-            <a:endParaRPr lang="en-US" i="1" dirty="0"/>
-          </a:p>
-          <a:p>
-            <a:pPr>
-              <a:buNone/>
-            </a:pPr>
-            <a:r>
-              <a:rPr lang="en-US" i="1" dirty="0"/>
-              <a:t>}</a:t>
-            </a:r>
-            <a:endParaRPr lang="ru-RU" dirty="0"/>
-          </a:p>
-          <a:p>
-            <a:endParaRPr lang="ru-RU" dirty="0"/>
-          </a:p>
-        </p:txBody>
-      </p:sp>
-      <p:sp>
-        <p:nvSpPr>
-          <p:cNvPr id="4" name="Номер слайда 3"/>
-          <p:cNvSpPr>
-            <a:spLocks noGrp="1"/>
-          </p:cNvSpPr>
-          <p:nvPr>
-            <p:ph type="sldNum" sz="quarter" idx="12"/>
-          </p:nvPr>
-        </p:nvSpPr>
-        <p:spPr/>
-        <p:txBody>
-          <a:bodyPr/>
-          <a:lstStyle/>
-          <a:p>
-            <a:fld id="{194E9D9E-8475-4C3D-B07C-FDD1702DB06B}" type="slidenum">
-              <a:rPr lang="ru-RU" smtClean="0"/>
-              <a:pPr/>
-              <a:t>13</a:t>
-            </a:fld>
-            <a:endParaRPr lang="ru-RU"/>
-          </a:p>
-        </p:txBody>
-      </p:sp>
-    </p:spTree>
-    <p:extLst>
-      <p:ext uri="{BB962C8B-B14F-4D97-AF65-F5344CB8AC3E}">
-        <p14:creationId xmlns:p14="http://schemas.microsoft.com/office/powerpoint/2010/main" val="2963333289"/>
-      </p:ext>
-    </p:extLst>
-  </p:cSld>
-  <p:clrMapOvr>
-    <a:masterClrMapping/>
-  </p:clrMapOvr>
-</p:sld>
-</file>
-
-<file path=ppt/slides/slide14.xml><?xml version="1.0" encoding="utf-8"?>
-<p:sld xmlns:a="http://schemas.openxmlformats.org/drawingml/2006/main" xmlns:r="http://schemas.openxmlformats.org/officeDocument/2006/relationships" xmlns:p="http://schemas.openxmlformats.org/presentationml/2006/main">
-  <p:cSld>
-    <p:spTree>
-      <p:nvGrpSpPr>
-        <p:cNvPr id="1" name=""/>
-        <p:cNvGrpSpPr/>
-        <p:nvPr/>
-      </p:nvGrpSpPr>
-      <p:grpSpPr>
-        <a:xfrm>
-          <a:off x="0" y="0"/>
-          <a:ext cx="0" cy="0"/>
-          <a:chOff x="0" y="0"/>
-          <a:chExt cx="0" cy="0"/>
-        </a:xfrm>
-      </p:grpSpPr>
-      <p:sp>
-        <p:nvSpPr>
-          <p:cNvPr id="3" name="Содержимое 2"/>
-          <p:cNvSpPr>
-            <a:spLocks noGrp="1"/>
-          </p:cNvSpPr>
-          <p:nvPr>
-            <p:ph idx="1"/>
-          </p:nvPr>
-        </p:nvSpPr>
-        <p:spPr>
-          <a:xfrm>
-            <a:off x="179512" y="260648"/>
-            <a:ext cx="8784976" cy="6597352"/>
-          </a:xfrm>
-        </p:spPr>
-        <p:txBody>
-          <a:bodyPr>
-            <a:normAutofit fontScale="77500" lnSpcReduction="20000"/>
-          </a:bodyPr>
-          <a:lstStyle/>
-          <a:p>
-            <a:pPr>
-              <a:buNone/>
-            </a:pPr>
-            <a:r>
-              <a:rPr lang="en-US" dirty="0"/>
-              <a:t>static </a:t>
-            </a:r>
-            <a:r>
-              <a:rPr lang="en-US" dirty="0" err="1"/>
-              <a:t>int</a:t>
-            </a:r>
-            <a:r>
-              <a:rPr lang="en-US" dirty="0"/>
-              <a:t> </a:t>
-            </a:r>
-            <a:r>
-              <a:rPr lang="en-US" dirty="0" err="1"/>
-              <a:t>MyDel</a:t>
-            </a:r>
-            <a:r>
-              <a:rPr lang="en-US" dirty="0"/>
-              <a:t>(</a:t>
-            </a:r>
-            <a:r>
-              <a:rPr lang="en-US" dirty="0" err="1"/>
-              <a:t>int</a:t>
-            </a:r>
-            <a:r>
-              <a:rPr lang="en-US" dirty="0"/>
-              <a:t> x, </a:t>
-            </a:r>
-            <a:r>
-              <a:rPr lang="en-US" dirty="0" err="1"/>
-              <a:t>int</a:t>
-            </a:r>
-            <a:r>
-              <a:rPr lang="en-US" dirty="0"/>
-              <a:t> y) { return x / y; } </a:t>
-            </a:r>
-            <a:endParaRPr lang="ru-RU" dirty="0"/>
-          </a:p>
-          <a:p>
-            <a:pPr>
-              <a:buNone/>
-            </a:pPr>
-            <a:r>
-              <a:rPr lang="en-US" dirty="0"/>
-              <a:t>static void Main() { </a:t>
-            </a:r>
-            <a:endParaRPr lang="ru-RU" dirty="0"/>
-          </a:p>
-          <a:p>
-            <a:pPr>
-              <a:buNone/>
-            </a:pPr>
-            <a:r>
-              <a:rPr lang="ru-RU" dirty="0"/>
-              <a:t>	</a:t>
-            </a:r>
-            <a:r>
-              <a:rPr lang="en-US" dirty="0"/>
-              <a:t>try { </a:t>
-            </a:r>
-            <a:endParaRPr lang="ru-RU" dirty="0"/>
-          </a:p>
-          <a:p>
-            <a:pPr>
-              <a:buNone/>
-            </a:pPr>
-            <a:r>
-              <a:rPr lang="ru-RU" dirty="0"/>
-              <a:t>		</a:t>
-            </a:r>
-            <a:r>
-              <a:rPr lang="en-US" dirty="0" err="1"/>
-              <a:t>Console.Write</a:t>
-            </a:r>
-            <a:r>
-              <a:rPr lang="en-US" dirty="0"/>
-              <a:t>("</a:t>
-            </a:r>
-            <a:r>
-              <a:rPr lang="ru-RU" dirty="0"/>
-              <a:t>Введите </a:t>
-            </a:r>
-            <a:r>
-              <a:rPr lang="en-US" dirty="0"/>
-              <a:t>x: "); </a:t>
-            </a:r>
-            <a:endParaRPr lang="ru-RU" dirty="0"/>
-          </a:p>
-          <a:p>
-            <a:pPr>
-              <a:buNone/>
-            </a:pPr>
-            <a:r>
-              <a:rPr lang="ru-RU" dirty="0"/>
-              <a:t>		</a:t>
-            </a:r>
-            <a:r>
-              <a:rPr lang="en-US" dirty="0" err="1"/>
-              <a:t>int</a:t>
-            </a:r>
-            <a:r>
-              <a:rPr lang="en-US" dirty="0"/>
-              <a:t> x = </a:t>
-            </a:r>
-            <a:r>
-              <a:rPr lang="en-US" dirty="0" err="1"/>
-              <a:t>int.Parse</a:t>
-            </a:r>
-            <a:r>
-              <a:rPr lang="en-US" dirty="0"/>
-              <a:t>(</a:t>
-            </a:r>
-            <a:r>
-              <a:rPr lang="en-US" dirty="0" err="1"/>
-              <a:t>Console.ReadLine</a:t>
-            </a:r>
-            <a:r>
-              <a:rPr lang="en-US" dirty="0"/>
-              <a:t>());</a:t>
-            </a:r>
-            <a:endParaRPr lang="ru-RU" dirty="0"/>
-          </a:p>
-          <a:p>
-            <a:pPr>
-              <a:buNone/>
-            </a:pPr>
-            <a:r>
-              <a:rPr lang="ru-RU" dirty="0"/>
-              <a:t>		</a:t>
-            </a:r>
-            <a:r>
-              <a:rPr lang="en-US" dirty="0" err="1"/>
-              <a:t>Console.Write</a:t>
-            </a:r>
-            <a:r>
-              <a:rPr lang="en-US" dirty="0"/>
-              <a:t>("</a:t>
-            </a:r>
-            <a:r>
-              <a:rPr lang="ru-RU" dirty="0"/>
-              <a:t>Введите </a:t>
-            </a:r>
-            <a:r>
-              <a:rPr lang="en-US" dirty="0"/>
-              <a:t>y: "); </a:t>
-            </a:r>
-            <a:endParaRPr lang="ru-RU" dirty="0"/>
-          </a:p>
-          <a:p>
-            <a:pPr>
-              <a:buNone/>
-            </a:pPr>
-            <a:r>
-              <a:rPr lang="ru-RU" dirty="0"/>
-              <a:t>		</a:t>
-            </a:r>
-            <a:r>
-              <a:rPr lang="en-US" dirty="0" err="1"/>
-              <a:t>int</a:t>
-            </a:r>
-            <a:r>
-              <a:rPr lang="en-US" dirty="0"/>
-              <a:t> y = </a:t>
-            </a:r>
-            <a:r>
-              <a:rPr lang="en-US" dirty="0" err="1"/>
-              <a:t>int.Parse</a:t>
-            </a:r>
-            <a:r>
-              <a:rPr lang="en-US" dirty="0"/>
-              <a:t>(</a:t>
-            </a:r>
-            <a:r>
-              <a:rPr lang="en-US" dirty="0" err="1"/>
-              <a:t>Console.ReadLine</a:t>
-            </a:r>
-            <a:r>
-              <a:rPr lang="en-US" dirty="0"/>
-              <a:t>()); </a:t>
-            </a:r>
-            <a:endParaRPr lang="ru-RU" dirty="0"/>
-          </a:p>
-          <a:p>
-            <a:pPr>
-              <a:buNone/>
-            </a:pPr>
-            <a:r>
-              <a:rPr lang="ru-RU" dirty="0"/>
-              <a:t>		</a:t>
-            </a:r>
-            <a:r>
-              <a:rPr lang="en-US" dirty="0" err="1"/>
-              <a:t>int</a:t>
-            </a:r>
-            <a:r>
-              <a:rPr lang="en-US" dirty="0"/>
-              <a:t> result = </a:t>
-            </a:r>
-            <a:r>
-              <a:rPr lang="en-US" dirty="0" err="1"/>
-              <a:t>MyDel</a:t>
-            </a:r>
-            <a:r>
-              <a:rPr lang="en-US" dirty="0"/>
-              <a:t>(x, y); </a:t>
-            </a:r>
-            <a:endParaRPr lang="ru-RU" dirty="0"/>
-          </a:p>
-          <a:p>
-            <a:pPr>
-              <a:buNone/>
-            </a:pPr>
-            <a:r>
-              <a:rPr lang="ru-RU" dirty="0"/>
-              <a:t>		</a:t>
-            </a:r>
-            <a:r>
-              <a:rPr lang="en-US" dirty="0" err="1"/>
-              <a:t>Console.WriteLine</a:t>
-            </a:r>
-            <a:r>
-              <a:rPr lang="en-US" dirty="0"/>
-              <a:t>("</a:t>
-            </a:r>
-            <a:r>
-              <a:rPr lang="ru-RU" dirty="0"/>
-              <a:t>Результат: " + </a:t>
-            </a:r>
-            <a:r>
-              <a:rPr lang="en-US" dirty="0"/>
-              <a:t>result); </a:t>
-            </a:r>
-            <a:endParaRPr lang="ru-RU" dirty="0"/>
-          </a:p>
-          <a:p>
-            <a:pPr>
-              <a:buNone/>
-            </a:pPr>
-            <a:r>
-              <a:rPr lang="ru-RU" dirty="0"/>
-              <a:t>	</a:t>
-            </a:r>
-            <a:r>
-              <a:rPr lang="en-US" dirty="0"/>
-              <a:t>} catch (</a:t>
-            </a:r>
-            <a:r>
-              <a:rPr lang="en-US" dirty="0" err="1"/>
-              <a:t>DivideByZeroException</a:t>
-            </a:r>
-            <a:r>
-              <a:rPr lang="en-US" dirty="0"/>
-              <a:t>) {</a:t>
-            </a:r>
-            <a:r>
-              <a:rPr lang="ru-RU" dirty="0"/>
-              <a:t>	</a:t>
-            </a:r>
-          </a:p>
-          <a:p>
-            <a:pPr>
-              <a:buNone/>
-            </a:pPr>
-            <a:r>
-              <a:rPr lang="ru-RU" dirty="0"/>
-              <a:t>		</a:t>
-            </a:r>
-            <a:r>
-              <a:rPr lang="en-US" dirty="0" err="1"/>
-              <a:t>Console.WriteLine</a:t>
-            </a:r>
-            <a:r>
-              <a:rPr lang="en-US" dirty="0"/>
-              <a:t>("</a:t>
-            </a:r>
-            <a:r>
-              <a:rPr lang="ru-RU" dirty="0"/>
-              <a:t>Деление на 0 </a:t>
-            </a:r>
-            <a:r>
-              <a:rPr lang="en-US" dirty="0"/>
-              <a:t>detected!!!\n");</a:t>
-            </a:r>
-            <a:endParaRPr lang="ru-RU" dirty="0"/>
-          </a:p>
-          <a:p>
-            <a:pPr>
-              <a:buNone/>
-            </a:pPr>
-            <a:r>
-              <a:rPr lang="ru-RU" dirty="0"/>
-              <a:t>		</a:t>
-            </a:r>
-            <a:r>
-              <a:rPr lang="en-US" dirty="0"/>
-              <a:t>return; </a:t>
-            </a:r>
-          </a:p>
-          <a:p>
-            <a:pPr>
-              <a:buNone/>
-            </a:pPr>
-            <a:r>
-              <a:rPr lang="en-US" dirty="0"/>
-              <a:t>	} catch (</a:t>
-            </a:r>
-            <a:r>
-              <a:rPr lang="en-US" dirty="0" err="1"/>
-              <a:t>FormatException</a:t>
-            </a:r>
-            <a:r>
-              <a:rPr lang="en-US" dirty="0"/>
-              <a:t>) { </a:t>
-            </a:r>
-          </a:p>
-          <a:p>
-            <a:pPr>
-              <a:buNone/>
-            </a:pPr>
-            <a:r>
-              <a:rPr lang="en-US" dirty="0"/>
-              <a:t>		</a:t>
-            </a:r>
-            <a:r>
-              <a:rPr lang="en-US" dirty="0" err="1"/>
-              <a:t>Console.WriteLine</a:t>
-            </a:r>
-            <a:r>
-              <a:rPr lang="en-US" dirty="0"/>
-              <a:t>("</a:t>
-            </a:r>
-            <a:r>
-              <a:rPr lang="ru-RU" dirty="0"/>
-              <a:t>Это НЕ число!!!\</a:t>
-            </a:r>
-            <a:r>
-              <a:rPr lang="en-US" dirty="0"/>
-              <a:t>n"); </a:t>
-            </a:r>
-          </a:p>
-          <a:p>
-            <a:pPr>
-              <a:buNone/>
-            </a:pPr>
-            <a:r>
-              <a:rPr lang="en-US" dirty="0"/>
-              <a:t>		return;</a:t>
-            </a:r>
-          </a:p>
-          <a:p>
-            <a:pPr>
-              <a:buNone/>
-            </a:pPr>
-            <a:r>
-              <a:rPr lang="en-US" dirty="0"/>
-              <a:t>	}</a:t>
-            </a:r>
-            <a:endParaRPr lang="ru-RU" dirty="0"/>
-          </a:p>
-        </p:txBody>
-      </p:sp>
-      <p:sp>
-        <p:nvSpPr>
-          <p:cNvPr id="4" name="Номер слайда 3"/>
-          <p:cNvSpPr>
-            <a:spLocks noGrp="1"/>
-          </p:cNvSpPr>
-          <p:nvPr>
-            <p:ph type="sldNum" sz="quarter" idx="12"/>
-          </p:nvPr>
-        </p:nvSpPr>
-        <p:spPr/>
-        <p:txBody>
-          <a:bodyPr/>
-          <a:lstStyle/>
-          <a:p>
-            <a:fld id="{194E9D9E-8475-4C3D-B07C-FDD1702DB06B}" type="slidenum">
-              <a:rPr lang="ru-RU" smtClean="0"/>
-              <a:pPr/>
-              <a:t>14</a:t>
-            </a:fld>
-            <a:endParaRPr lang="ru-RU"/>
-          </a:p>
-        </p:txBody>
-      </p:sp>
-    </p:spTree>
-    <p:extLst>
-      <p:ext uri="{BB962C8B-B14F-4D97-AF65-F5344CB8AC3E}">
-        <p14:creationId xmlns:p14="http://schemas.microsoft.com/office/powerpoint/2010/main" val="302153513"/>
-      </p:ext>
-    </p:extLst>
-  </p:cSld>
-  <p:clrMapOvr>
-    <a:masterClrMapping/>
-  </p:clrMapOvr>
-</p:sld>
-</file>
-
-<file path=ppt/slides/slide15.xml><?xml version="1.0" encoding="utf-8"?>
-<p:sld xmlns:a="http://schemas.openxmlformats.org/drawingml/2006/main" xmlns:r="http://schemas.openxmlformats.org/officeDocument/2006/relationships" xmlns:p="http://schemas.openxmlformats.org/presentationml/2006/main">
-  <p:cSld>
-    <p:spTree>
-      <p:nvGrpSpPr>
-        <p:cNvPr id="1" name=""/>
-        <p:cNvGrpSpPr/>
-        <p:nvPr/>
-      </p:nvGrpSpPr>
-      <p:grpSpPr>
-        <a:xfrm>
-          <a:off x="0" y="0"/>
-          <a:ext cx="0" cy="0"/>
-          <a:chOff x="0" y="0"/>
-          <a:chExt cx="0" cy="0"/>
-        </a:xfrm>
-      </p:grpSpPr>
-      <p:sp>
-        <p:nvSpPr>
-          <p:cNvPr id="3" name="Содержимое 2"/>
-          <p:cNvSpPr>
-            <a:spLocks noGrp="1"/>
-          </p:cNvSpPr>
-          <p:nvPr>
-            <p:ph idx="1"/>
-          </p:nvPr>
-        </p:nvSpPr>
-        <p:spPr>
-          <a:xfrm>
-            <a:off x="179512" y="0"/>
-            <a:ext cx="8712968" cy="3096343"/>
-          </a:xfrm>
-        </p:spPr>
-        <p:txBody>
-          <a:bodyPr>
-            <a:normAutofit fontScale="85000" lnSpcReduction="20000"/>
-          </a:bodyPr>
-          <a:lstStyle/>
-          <a:p>
-            <a:r>
-              <a:rPr lang="ru-RU" dirty="0"/>
-              <a:t>Перехват одного из стандартных исключений, исключает аварийное завершение программы. Как только исключение будет сгенерировано, оно должно быть перехвачено каким-то фрагментом кода в определенном месте программы. Если исключение не перехватывается в программе, то оно будет перехвачено исполняющей системой. Исполняющая система выдаст сообщение об ошибке и прервет выполнение программы.</a:t>
-            </a:r>
-          </a:p>
-          <a:p>
-            <a:endParaRPr lang="ru-RU" dirty="0"/>
-          </a:p>
-        </p:txBody>
-      </p:sp>
-      <p:sp>
-        <p:nvSpPr>
-          <p:cNvPr id="4" name="Номер слайда 3"/>
-          <p:cNvSpPr>
-            <a:spLocks noGrp="1"/>
-          </p:cNvSpPr>
-          <p:nvPr>
-            <p:ph type="sldNum" sz="quarter" idx="12"/>
-          </p:nvPr>
-        </p:nvSpPr>
-        <p:spPr/>
-        <p:txBody>
-          <a:bodyPr/>
-          <a:lstStyle/>
-          <a:p>
-            <a:fld id="{194E9D9E-8475-4C3D-B07C-FDD1702DB06B}" type="slidenum">
-              <a:rPr lang="ru-RU" smtClean="0"/>
-              <a:pPr/>
-              <a:t>15</a:t>
             </a:fld>
             <a:endParaRPr lang="ru-RU"/>
           </a:p>
@@ -5005,8 +3648,8 @@
         </p:nvSpPr>
         <p:spPr>
           <a:xfrm>
-            <a:off x="0" y="0"/>
-            <a:ext cx="9108504" cy="908720"/>
+            <a:off x="467544" y="0"/>
+            <a:ext cx="8229600" cy="908720"/>
           </a:xfrm>
         </p:spPr>
         <p:txBody>
@@ -5017,23 +3660,7 @@
           <a:p>
             <a:r>
               <a:rPr lang="ru-RU" dirty="0"/>
-              <a:t>Универсальные</a:t>
-            </a:r>
-            <a:r>
-              <a:rPr lang="en-US" dirty="0"/>
-              <a:t>/</a:t>
-            </a:r>
-            <a:r>
-              <a:rPr lang="ru-RU" dirty="0"/>
-              <a:t>обобщенные</a:t>
-            </a:r>
-            <a:r>
-              <a:rPr lang="en-US" dirty="0"/>
-              <a:t>/generic</a:t>
-            </a:r>
-            <a:r>
-              <a:rPr lang="ru-RU" dirty="0"/>
-              <a:t> типы</a:t>
+              <a:t>Универсальные(обобщенные) типы</a:t>
             </a:r>
           </a:p>
         </p:txBody>
@@ -5056,7 +3683,7 @@
         </p:spPr>
         <p:txBody>
           <a:bodyPr>
-            <a:normAutofit lnSpcReduction="10000"/>
+            <a:normAutofit fontScale="92500" lnSpcReduction="20000"/>
           </a:bodyPr>
           <a:lstStyle/>
           <a:p>
@@ -5069,6 +3696,26 @@
             <a:r>
               <a:rPr lang="ru-RU" dirty="0"/>
               <a:t>Основная область применения – коллекции. Например, список – задает последовательность элементов. Тип элемента в данном случае вторичен, важен сам принцип размещения элементов в памяти. Данные разных типов будут храниться одинаково, поэтому эффективно создать одну универсальную реализацию.</a:t>
+            </a:r>
+          </a:p>
+          <a:p>
+            <a:r>
+              <a:rPr lang="ru-RU" dirty="0"/>
+              <a:t>Аналог шаблонов </a:t>
+            </a:r>
+            <a:r>
+              <a:rPr lang="en-US" dirty="0"/>
+              <a:t>C++</a:t>
+            </a:r>
+            <a:r>
+              <a:rPr lang="ru-RU" dirty="0"/>
+              <a:t>, однако более строгие ограничения на используемый тип + сокращение объема компилируемого и исполняемого кода.</a:t>
+            </a:r>
+          </a:p>
+          <a:p>
+            <a:r>
+              <a:rPr lang="ru-RU" dirty="0"/>
+              <a:t>Параметром может быть любой тип.</a:t>
             </a:r>
           </a:p>
         </p:txBody>
@@ -5129,13 +3776,7 @@
       </p:grpSpPr>
       <p:sp>
         <p:nvSpPr>
-          <p:cNvPr id="2" name="Заголовок 1">
-            <a:extLst>
-              <a:ext uri="{FF2B5EF4-FFF2-40B4-BE49-F238E27FC236}">
-                <a16:creationId xmlns:a16="http://schemas.microsoft.com/office/drawing/2014/main" id="{B2683506-F8BB-4DB5-B49B-9BE72DEF44A7}"/>
-              </a:ext>
-            </a:extLst>
-          </p:cNvPr>
+          <p:cNvPr id="2" name="Заголовок 1"/>
           <p:cNvSpPr>
             <a:spLocks noGrp="1"/>
           </p:cNvSpPr>
@@ -5143,152 +3784,158 @@
             <p:ph type="title"/>
           </p:nvPr>
         </p:nvSpPr>
+        <p:spPr>
+          <a:xfrm>
+            <a:off x="539552" y="0"/>
+            <a:ext cx="8229600" cy="706090"/>
+          </a:xfrm>
+        </p:spPr>
+        <p:txBody>
+          <a:bodyPr>
+            <a:normAutofit fontScale="90000"/>
+          </a:bodyPr>
+          <a:lstStyle/>
+          <a:p>
+            <a:r>
+              <a:rPr lang="ru-RU" dirty="0"/>
+              <a:t>Универсальные(обобщенные) типы</a:t>
+            </a:r>
+          </a:p>
+        </p:txBody>
+      </p:sp>
+      <p:sp>
+        <p:nvSpPr>
+          <p:cNvPr id="3" name="Содержимое 2"/>
+          <p:cNvSpPr>
+            <a:spLocks noGrp="1"/>
+          </p:cNvSpPr>
+          <p:nvPr>
+            <p:ph idx="1"/>
+          </p:nvPr>
+        </p:nvSpPr>
+        <p:spPr>
+          <a:xfrm>
+            <a:off x="179512" y="836712"/>
+            <a:ext cx="8784976" cy="5832648"/>
+          </a:xfrm>
+        </p:spPr>
+        <p:txBody>
+          <a:bodyPr>
+            <a:normAutofit lnSpcReduction="10000"/>
+          </a:bodyPr>
+          <a:lstStyle/>
+          <a:p>
+            <a:pPr>
+              <a:buNone/>
+            </a:pPr>
+            <a:r>
+              <a:rPr lang="ru-RU" dirty="0"/>
+              <a:t>Пример определения:</a:t>
+            </a:r>
+            <a:endParaRPr lang="en-US" dirty="0"/>
+          </a:p>
+          <a:p>
+            <a:pPr>
+              <a:buNone/>
+            </a:pPr>
+            <a:r>
+              <a:rPr lang="en-US" dirty="0"/>
+              <a:t>class Storage&lt;T&gt; </a:t>
+            </a:r>
+          </a:p>
+          <a:p>
+            <a:pPr>
+              <a:buNone/>
+            </a:pPr>
+            <a:r>
+              <a:rPr lang="en-US" dirty="0"/>
+              <a:t>{</a:t>
+            </a:r>
+            <a:endParaRPr lang="ru-RU" dirty="0"/>
+          </a:p>
+          <a:p>
+            <a:pPr>
+              <a:buNone/>
+            </a:pPr>
+            <a:r>
+              <a:rPr lang="ru-RU" dirty="0"/>
+              <a:t>	</a:t>
+            </a:r>
+            <a:r>
+              <a:rPr lang="en-US" dirty="0"/>
+              <a:t> T[] values;</a:t>
+            </a:r>
+          </a:p>
+          <a:p>
+            <a:pPr>
+              <a:buNone/>
+            </a:pPr>
+            <a:r>
+              <a:rPr lang="en-US" dirty="0"/>
+              <a:t>}</a:t>
+            </a:r>
+          </a:p>
+          <a:p>
+            <a:pPr>
+              <a:buNone/>
+            </a:pPr>
+            <a:r>
+              <a:rPr lang="ru-RU" dirty="0"/>
+              <a:t>Однако, при попытке написать например:</a:t>
+            </a:r>
+          </a:p>
+          <a:p>
+            <a:pPr>
+              <a:buNone/>
+            </a:pPr>
+            <a:r>
+              <a:rPr lang="en-US" dirty="0"/>
+              <a:t>values[1] = new T();</a:t>
+            </a:r>
+          </a:p>
+          <a:p>
+            <a:pPr>
+              <a:buNone/>
+            </a:pPr>
+            <a:r>
+              <a:rPr lang="ru-RU" dirty="0"/>
+              <a:t>возникнет ошибка, т.к. в используемом типе </a:t>
+            </a:r>
+            <a:r>
+              <a:rPr lang="en-US" dirty="0"/>
+              <a:t>T </a:t>
+            </a:r>
+            <a:r>
+              <a:rPr lang="ru-RU" dirty="0"/>
+              <a:t>может не оказаться конструктора по умолчанию. Для этих целей на тип </a:t>
+            </a:r>
+            <a:r>
+              <a:rPr lang="en-US" dirty="0"/>
+              <a:t>T </a:t>
+            </a:r>
+            <a:r>
+              <a:rPr lang="ru-RU" dirty="0"/>
+              <a:t>могут накладываться ограничения.</a:t>
+            </a:r>
+          </a:p>
+        </p:txBody>
+      </p:sp>
+      <p:sp>
+        <p:nvSpPr>
+          <p:cNvPr id="4" name="Номер слайда 3"/>
+          <p:cNvSpPr>
+            <a:spLocks noGrp="1"/>
+          </p:cNvSpPr>
+          <p:nvPr>
+            <p:ph type="sldNum" sz="quarter" idx="12"/>
+          </p:nvPr>
+        </p:nvSpPr>
         <p:spPr/>
         <p:txBody>
           <a:bodyPr/>
           <a:lstStyle/>
           <a:p>
-            <a:endParaRPr lang="ru-RU"/>
-          </a:p>
-        </p:txBody>
-      </p:sp>
-      <p:sp>
-        <p:nvSpPr>
-          <p:cNvPr id="3" name="Объект 2">
-            <a:extLst>
-              <a:ext uri="{FF2B5EF4-FFF2-40B4-BE49-F238E27FC236}">
-                <a16:creationId xmlns:a16="http://schemas.microsoft.com/office/drawing/2014/main" id="{F96CE98E-EE07-45EF-8B9B-E4008A3300A2}"/>
-              </a:ext>
-            </a:extLst>
-          </p:cNvPr>
-          <p:cNvSpPr>
-            <a:spLocks noGrp="1"/>
-          </p:cNvSpPr>
-          <p:nvPr>
-            <p:ph idx="1"/>
-          </p:nvPr>
-        </p:nvSpPr>
-        <p:spPr/>
-        <p:txBody>
-          <a:bodyPr>
-            <a:normAutofit fontScale="85000" lnSpcReduction="20000"/>
-          </a:bodyPr>
-          <a:lstStyle/>
-          <a:p>
-            <a:pPr marL="0" indent="0">
-              <a:buNone/>
-            </a:pPr>
-            <a:r>
-              <a:rPr lang="en-US" dirty="0"/>
-              <a:t>class Person</a:t>
-            </a:r>
-          </a:p>
-          <a:p>
-            <a:pPr marL="0" indent="0">
-              <a:buNone/>
-            </a:pPr>
-            <a:r>
-              <a:rPr lang="en-US" dirty="0"/>
-              <a:t>{</a:t>
-            </a:r>
-          </a:p>
-          <a:p>
-            <a:pPr marL="0" indent="0">
-              <a:buNone/>
-            </a:pPr>
-            <a:r>
-              <a:rPr lang="en-US" dirty="0"/>
-              <a:t>    public int Id { get;}</a:t>
-            </a:r>
-          </a:p>
-          <a:p>
-            <a:pPr marL="0" indent="0">
-              <a:buNone/>
-            </a:pPr>
-            <a:r>
-              <a:rPr lang="en-US" dirty="0"/>
-              <a:t>    public string Name { get;}</a:t>
-            </a:r>
-          </a:p>
-          <a:p>
-            <a:pPr marL="0" indent="0">
-              <a:buNone/>
-            </a:pPr>
-            <a:r>
-              <a:rPr lang="en-US" dirty="0"/>
-              <a:t>    public Person(int id, string name)</a:t>
-            </a:r>
-          </a:p>
-          <a:p>
-            <a:pPr marL="0" indent="0">
-              <a:buNone/>
-            </a:pPr>
-            <a:r>
-              <a:rPr lang="en-US" dirty="0"/>
-              <a:t>    {</a:t>
-            </a:r>
-          </a:p>
-          <a:p>
-            <a:pPr marL="0" indent="0">
-              <a:buNone/>
-            </a:pPr>
-            <a:r>
-              <a:rPr lang="en-US" dirty="0"/>
-              <a:t>        Id = id; </a:t>
-            </a:r>
-          </a:p>
-          <a:p>
-            <a:pPr marL="0" indent="0">
-              <a:buNone/>
-            </a:pPr>
-            <a:r>
-              <a:rPr lang="en-US" dirty="0"/>
-              <a:t>        Name = name;</a:t>
-            </a:r>
-          </a:p>
-          <a:p>
-            <a:pPr marL="0" indent="0">
-              <a:buNone/>
-            </a:pPr>
-            <a:r>
-              <a:rPr lang="en-US" dirty="0"/>
-              <a:t>    }</a:t>
-            </a:r>
-          </a:p>
-          <a:p>
-            <a:pPr marL="0" indent="0">
-              <a:buNone/>
-            </a:pPr>
-            <a:r>
-              <a:rPr lang="en-US" dirty="0"/>
-              <a:t>}</a:t>
-            </a:r>
-            <a:endParaRPr lang="ru-RU" dirty="0"/>
-          </a:p>
-        </p:txBody>
-      </p:sp>
-      <p:sp>
-        <p:nvSpPr>
-          <p:cNvPr id="4" name="Номер слайда 3">
-            <a:extLst>
-              <a:ext uri="{FF2B5EF4-FFF2-40B4-BE49-F238E27FC236}">
-                <a16:creationId xmlns:a16="http://schemas.microsoft.com/office/drawing/2014/main" id="{8E42681B-FB44-4E66-837E-DBF6F5E82D40}"/>
-              </a:ext>
-            </a:extLst>
-          </p:cNvPr>
-          <p:cNvSpPr>
-            <a:spLocks noGrp="1"/>
-          </p:cNvSpPr>
-          <p:nvPr>
-            <p:ph type="sldNum" sz="quarter" idx="12"/>
-          </p:nvPr>
-        </p:nvSpPr>
-        <p:spPr/>
-        <p:txBody>
-          <a:bodyPr/>
-          <a:lstStyle/>
-          <a:p>
-            <a:fld id="{725C68B6-61C2-468F-89AB-4B9F7531AA68}" type="slidenum">
+            <a:fld id="{194E9D9E-8475-4C3D-B07C-FDD1702DB06B}" type="slidenum">
               <a:rPr lang="ru-RU" smtClean="0"/>
               <a:pPr/>
               <a:t>3</a:t>
@@ -5300,7 +3947,7 @@
     </p:spTree>
     <p:extLst>
       <p:ext uri="{BB962C8B-B14F-4D97-AF65-F5344CB8AC3E}">
-        <p14:creationId xmlns:p14="http://schemas.microsoft.com/office/powerpoint/2010/main" val="4212804775"/>
+        <p14:creationId xmlns:p14="http://schemas.microsoft.com/office/powerpoint/2010/main" val="2043583066"/>
       </p:ext>
     </p:extLst>
   </p:cSld>
@@ -5329,13 +3976,7 @@
       </p:grpSpPr>
       <p:sp>
         <p:nvSpPr>
-          <p:cNvPr id="3" name="Объект 2">
-            <a:extLst>
-              <a:ext uri="{FF2B5EF4-FFF2-40B4-BE49-F238E27FC236}">
-                <a16:creationId xmlns:a16="http://schemas.microsoft.com/office/drawing/2014/main" id="{8D7BE9C5-2A5C-45D8-8FC2-1DD26D5E1692}"/>
-              </a:ext>
-            </a:extLst>
-          </p:cNvPr>
+          <p:cNvPr id="3" name="Содержимое 2"/>
           <p:cNvSpPr>
             <a:spLocks noGrp="1"/>
           </p:cNvSpPr>
@@ -5345,245 +3986,243 @@
         </p:nvSpPr>
         <p:spPr>
           <a:xfrm>
-            <a:off x="107504" y="136525"/>
-            <a:ext cx="8928992" cy="6584949"/>
+            <a:off x="179512" y="0"/>
+            <a:ext cx="8784976" cy="6858000"/>
           </a:xfrm>
         </p:spPr>
         <p:txBody>
           <a:bodyPr>
-            <a:normAutofit fontScale="70000" lnSpcReduction="20000"/>
+            <a:normAutofit fontScale="85000" lnSpcReduction="10000"/>
           </a:bodyPr>
           <a:lstStyle/>
           <a:p>
-            <a:pPr marL="0" indent="0">
+            <a:pPr>
               <a:buNone/>
             </a:pPr>
             <a:r>
-              <a:rPr lang="en-US" dirty="0"/>
-              <a:t>class Person</a:t>
-            </a:r>
-          </a:p>
-          <a:p>
-            <a:pPr marL="0" indent="0">
+              <a:rPr lang="ru-RU" dirty="0"/>
+              <a:t>	Указываем, что тип </a:t>
+            </a:r>
+            <a:r>
+              <a:rPr lang="en-US" dirty="0"/>
+              <a:t>T </a:t>
+            </a:r>
+            <a:r>
+              <a:rPr lang="ru-RU" dirty="0"/>
+              <a:t>должен реализовать интерфейс </a:t>
+            </a:r>
+            <a:r>
+              <a:rPr lang="en-US" dirty="0" err="1"/>
+              <a:t>IComparable</a:t>
+            </a:r>
+            <a:r>
+              <a:rPr lang="en-US" dirty="0"/>
+              <a:t> – </a:t>
+            </a:r>
+            <a:r>
+              <a:rPr lang="ru-RU" dirty="0"/>
+              <a:t>позволять </a:t>
+            </a:r>
+            <a:r>
+              <a:rPr lang="ru-RU" dirty="0" err="1"/>
+              <a:t>попарное</a:t>
+            </a:r>
+            <a:r>
+              <a:rPr lang="ru-RU" dirty="0"/>
+              <a:t> сравнение элементов + обязателен конструктор по умолчанию:</a:t>
+            </a:r>
+          </a:p>
+          <a:p>
+            <a:pPr>
               <a:buNone/>
             </a:pPr>
             <a:r>
               <a:rPr lang="en-US" dirty="0"/>
+              <a:t>class Storage&lt;T&gt;  where T : </a:t>
+            </a:r>
+            <a:r>
+              <a:rPr lang="en-US" dirty="0" err="1"/>
+              <a:t>IComparable</a:t>
+            </a:r>
+            <a:r>
+              <a:rPr lang="en-US" dirty="0"/>
+              <a:t>, new()</a:t>
+            </a:r>
+          </a:p>
+          <a:p>
+            <a:pPr>
+              <a:buNone/>
+            </a:pPr>
+            <a:r>
+              <a:rPr lang="ru-RU" dirty="0"/>
               <a:t>{</a:t>
             </a:r>
           </a:p>
           <a:p>
-            <a:pPr marL="0" indent="0">
+            <a:pPr>
               <a:buNone/>
             </a:pPr>
             <a:r>
               <a:rPr lang="en-US" dirty="0"/>
-              <a:t>    public object Id { get;}</a:t>
-            </a:r>
-          </a:p>
-          <a:p>
-            <a:pPr marL="0" indent="0">
+              <a:t>        T[] values;</a:t>
+            </a:r>
+          </a:p>
+          <a:p>
+            <a:pPr>
               <a:buNone/>
             </a:pPr>
             <a:r>
               <a:rPr lang="en-US" dirty="0"/>
-              <a:t>    public string Name { get;}</a:t>
-            </a:r>
-          </a:p>
-          <a:p>
-            <a:pPr marL="0" indent="0">
+              <a:t>        public Storage()</a:t>
+            </a:r>
+          </a:p>
+          <a:p>
+            <a:pPr>
               <a:buNone/>
             </a:pPr>
             <a:r>
-              <a:rPr lang="en-US" dirty="0"/>
-              <a:t>    public Person(object id, string name)</a:t>
-            </a:r>
-          </a:p>
-          <a:p>
-            <a:pPr marL="0" indent="0">
+              <a:rPr lang="ru-RU" dirty="0"/>
+              <a:t>        {</a:t>
+            </a:r>
+          </a:p>
+          <a:p>
+            <a:pPr>
               <a:buNone/>
             </a:pPr>
             <a:r>
-              <a:rPr lang="en-US" dirty="0"/>
-              <a:t>    {</a:t>
-            </a:r>
-          </a:p>
-          <a:p>
-            <a:pPr marL="0" indent="0">
+              <a:rPr lang="ru-RU" dirty="0"/>
+              <a:t>		</a:t>
+            </a:r>
+            <a:r>
+              <a:rPr lang="en-US" dirty="0"/>
+              <a:t> values = new T[10];</a:t>
+            </a:r>
+          </a:p>
+          <a:p>
+            <a:pPr>
               <a:buNone/>
             </a:pPr>
             <a:r>
               <a:rPr lang="en-US" dirty="0"/>
-              <a:t>        Id = id; </a:t>
-            </a:r>
-          </a:p>
-          <a:p>
-            <a:pPr marL="0" indent="0">
+              <a:t>            </a:t>
+            </a:r>
+            <a:r>
+              <a:rPr lang="ru-RU" dirty="0"/>
+              <a:t> </a:t>
+            </a:r>
+            <a:r>
+              <a:rPr lang="en-US" dirty="0"/>
+              <a:t>for( </a:t>
+            </a:r>
+            <a:r>
+              <a:rPr lang="en-US" dirty="0" err="1"/>
+              <a:t>int</a:t>
+            </a:r>
+            <a:r>
+              <a:rPr lang="en-US" dirty="0"/>
+              <a:t> </a:t>
+            </a:r>
+            <a:r>
+              <a:rPr lang="en-US" dirty="0" err="1"/>
+              <a:t>i</a:t>
+            </a:r>
+            <a:r>
+              <a:rPr lang="en-US" dirty="0"/>
+              <a:t> = 0; </a:t>
+            </a:r>
+            <a:r>
+              <a:rPr lang="en-US" dirty="0" err="1"/>
+              <a:t>values.Length</a:t>
+            </a:r>
+            <a:r>
+              <a:rPr lang="en-US" dirty="0"/>
+              <a:t> &lt; 10; ++</a:t>
+            </a:r>
+            <a:r>
+              <a:rPr lang="en-US" dirty="0" err="1"/>
+              <a:t>i</a:t>
+            </a:r>
+            <a:r>
+              <a:rPr lang="en-US" dirty="0"/>
+              <a:t> ){</a:t>
+            </a:r>
+          </a:p>
+          <a:p>
+            <a:pPr>
               <a:buNone/>
             </a:pPr>
             <a:r>
               <a:rPr lang="en-US" dirty="0"/>
-              <a:t>        Name = name;</a:t>
-            </a:r>
-          </a:p>
-          <a:p>
-            <a:pPr marL="0" indent="0">
+              <a:t> 		       values[</a:t>
+            </a:r>
+            <a:r>
+              <a:rPr lang="en-US" dirty="0" err="1"/>
+              <a:t>i</a:t>
+            </a:r>
+            <a:r>
+              <a:rPr lang="en-US" dirty="0"/>
+              <a:t>] = new T();</a:t>
+            </a:r>
+          </a:p>
+          <a:p>
+            <a:pPr>
               <a:buNone/>
             </a:pPr>
             <a:r>
-              <a:rPr lang="en-US" dirty="0"/>
-              <a:t>    }</a:t>
-            </a:r>
-          </a:p>
-          <a:p>
-            <a:pPr marL="0" indent="0">
+              <a:rPr lang="ru-RU" dirty="0"/>
+              <a:t>            </a:t>
+            </a:r>
+            <a:r>
+              <a:rPr lang="en-US" dirty="0"/>
+              <a:t> </a:t>
+            </a:r>
+            <a:r>
+              <a:rPr lang="ru-RU" dirty="0"/>
+              <a:t> }</a:t>
+            </a:r>
+          </a:p>
+          <a:p>
+            <a:pPr>
               <a:buNone/>
             </a:pPr>
             <a:r>
-              <a:rPr lang="en-US" dirty="0"/>
+              <a:rPr lang="ru-RU" dirty="0"/>
+              <a:t>        </a:t>
+            </a:r>
+            <a:r>
+              <a:rPr lang="en-US" dirty="0"/>
+              <a:t> </a:t>
+            </a:r>
+            <a:r>
+              <a:rPr lang="ru-RU" dirty="0"/>
               <a:t>}</a:t>
             </a:r>
-          </a:p>
-          <a:p>
-            <a:pPr marL="0" indent="0">
+            <a:endParaRPr lang="en-US" dirty="0"/>
+          </a:p>
+          <a:p>
+            <a:pPr>
               <a:buNone/>
             </a:pPr>
-            <a:r>
-              <a:rPr lang="en-US" dirty="0"/>
-              <a:t>Person tom = new Person(546, "Tom");</a:t>
-            </a:r>
-          </a:p>
-          <a:p>
-            <a:pPr marL="0" indent="0">
+            <a:endParaRPr lang="en-US" dirty="0"/>
+          </a:p>
+          <a:p>
+            <a:pPr>
               <a:buNone/>
             </a:pPr>
             <a:r>
               <a:rPr lang="en-US" dirty="0"/>
-              <a:t>Person bob = new Person("abc123", "Bob");</a:t>
-            </a:r>
-          </a:p>
-          <a:p>
-            <a:pPr marL="0" indent="0">
-              <a:buNone/>
-            </a:pPr>
-            <a:r>
-              <a:rPr lang="en-US" dirty="0"/>
-              <a:t> </a:t>
-            </a:r>
-          </a:p>
-          <a:p>
-            <a:pPr marL="0" indent="0">
-              <a:buNone/>
-            </a:pPr>
-            <a:r>
-              <a:rPr lang="en-US" dirty="0"/>
-              <a:t>int </a:t>
-            </a:r>
-            <a:r>
-              <a:rPr lang="en-US" dirty="0" err="1"/>
-              <a:t>tomId</a:t>
-            </a:r>
-            <a:r>
-              <a:rPr lang="en-US" dirty="0"/>
-              <a:t> = (int)</a:t>
-            </a:r>
-            <a:r>
-              <a:rPr lang="en-US" dirty="0" err="1"/>
-              <a:t>tom.Id</a:t>
-            </a:r>
-            <a:r>
-              <a:rPr lang="en-US" dirty="0"/>
-              <a:t>;</a:t>
-            </a:r>
-          </a:p>
-          <a:p>
-            <a:pPr marL="0" indent="0">
-              <a:buNone/>
-            </a:pPr>
-            <a:r>
-              <a:rPr lang="en-US" dirty="0"/>
-              <a:t>string </a:t>
-            </a:r>
-            <a:r>
-              <a:rPr lang="en-US" dirty="0" err="1"/>
-              <a:t>bobId</a:t>
-            </a:r>
-            <a:r>
-              <a:rPr lang="en-US" dirty="0"/>
-              <a:t> = (string) </a:t>
-            </a:r>
-            <a:r>
-              <a:rPr lang="en-US" dirty="0" err="1"/>
-              <a:t>bob.Id</a:t>
-            </a:r>
-            <a:r>
-              <a:rPr lang="en-US" dirty="0"/>
-              <a:t>;</a:t>
-            </a:r>
-          </a:p>
-          <a:p>
-            <a:pPr marL="0" indent="0">
-              <a:buNone/>
-            </a:pPr>
-            <a:r>
-              <a:rPr lang="en-US" dirty="0"/>
-              <a:t> </a:t>
-            </a:r>
-          </a:p>
-          <a:p>
-            <a:pPr marL="0" indent="0">
-              <a:buNone/>
-            </a:pPr>
-            <a:r>
-              <a:rPr lang="en-US" dirty="0" err="1"/>
-              <a:t>Console.WriteLine</a:t>
-            </a:r>
-            <a:r>
-              <a:rPr lang="en-US" dirty="0"/>
-              <a:t>(</a:t>
-            </a:r>
-            <a:r>
-              <a:rPr lang="en-US" dirty="0" err="1"/>
-              <a:t>tomId</a:t>
-            </a:r>
-            <a:r>
-              <a:rPr lang="en-US" dirty="0"/>
-              <a:t>);   // 546</a:t>
-            </a:r>
-          </a:p>
-          <a:p>
-            <a:pPr marL="0" indent="0">
-              <a:buNone/>
-            </a:pPr>
-            <a:r>
-              <a:rPr lang="en-US" dirty="0" err="1"/>
-              <a:t>Console.WriteLine</a:t>
-            </a:r>
-            <a:r>
-              <a:rPr lang="en-US" dirty="0"/>
-              <a:t>(</a:t>
-            </a:r>
-            <a:r>
-              <a:rPr lang="en-US" dirty="0" err="1"/>
-              <a:t>bobId</a:t>
-            </a:r>
-            <a:r>
-              <a:rPr lang="en-US" dirty="0"/>
-              <a:t>);   // abc123</a:t>
+              <a:t>	</a:t>
             </a:r>
             <a:endParaRPr lang="ru-RU" dirty="0"/>
           </a:p>
-        </p:txBody>
-      </p:sp>
-      <p:sp>
-        <p:nvSpPr>
-          <p:cNvPr id="4" name="Номер слайда 3">
-            <a:extLst>
-              <a:ext uri="{FF2B5EF4-FFF2-40B4-BE49-F238E27FC236}">
-                <a16:creationId xmlns:a16="http://schemas.microsoft.com/office/drawing/2014/main" id="{714D3395-D2D2-4EE6-9F72-4D6E2FE3E296}"/>
-              </a:ext>
-            </a:extLst>
-          </p:cNvPr>
+          <a:p>
+            <a:endParaRPr lang="ru-RU" dirty="0"/>
+          </a:p>
+        </p:txBody>
+      </p:sp>
+      <p:sp>
+        <p:nvSpPr>
+          <p:cNvPr id="4" name="Номер слайда 3"/>
           <p:cNvSpPr>
             <a:spLocks noGrp="1"/>
           </p:cNvSpPr>
@@ -5596,7 +4235,7 @@
           <a:bodyPr/>
           <a:lstStyle/>
           <a:p>
-            <a:fld id="{725C68B6-61C2-468F-89AB-4B9F7531AA68}" type="slidenum">
+            <a:fld id="{194E9D9E-8475-4C3D-B07C-FDD1702DB06B}" type="slidenum">
               <a:rPr lang="ru-RU" smtClean="0"/>
               <a:pPr/>
               <a:t>4</a:t>
@@ -5608,7 +4247,7 @@
     </p:spTree>
     <p:extLst>
       <p:ext uri="{BB962C8B-B14F-4D97-AF65-F5344CB8AC3E}">
-        <p14:creationId xmlns:p14="http://schemas.microsoft.com/office/powerpoint/2010/main" val="2268187982"/>
+        <p14:creationId xmlns:p14="http://schemas.microsoft.com/office/powerpoint/2010/main" val="1030924449"/>
       </p:ext>
     </p:extLst>
   </p:cSld>
@@ -5637,13 +4276,7 @@
       </p:grpSpPr>
       <p:sp>
         <p:nvSpPr>
-          <p:cNvPr id="3" name="Объект 2">
-            <a:extLst>
-              <a:ext uri="{FF2B5EF4-FFF2-40B4-BE49-F238E27FC236}">
-                <a16:creationId xmlns:a16="http://schemas.microsoft.com/office/drawing/2014/main" id="{4FF83CD9-DBBA-49D8-8DE5-C309E4371B10}"/>
-              </a:ext>
-            </a:extLst>
-          </p:cNvPr>
+          <p:cNvPr id="3" name="Содержимое 2"/>
           <p:cNvSpPr>
             <a:spLocks noGrp="1"/>
           </p:cNvSpPr>
@@ -5653,168 +4286,241 @@
         </p:nvSpPr>
         <p:spPr>
           <a:xfrm>
-            <a:off x="457200" y="136525"/>
-            <a:ext cx="8229600" cy="6584949"/>
+            <a:off x="251520" y="404664"/>
+            <a:ext cx="8435280" cy="6120680"/>
           </a:xfrm>
         </p:spPr>
         <p:txBody>
           <a:bodyPr>
-            <a:normAutofit fontScale="70000" lnSpcReduction="20000"/>
+            <a:normAutofit fontScale="92500" lnSpcReduction="10000"/>
           </a:bodyPr>
           <a:lstStyle/>
           <a:p>
-            <a:pPr marL="0" indent="0">
+            <a:pPr>
               <a:buNone/>
             </a:pPr>
             <a:r>
-              <a:rPr lang="ru-RU" dirty="0"/>
-              <a:t>Угловые скобки в описании </a:t>
-            </a:r>
-            <a:r>
-              <a:rPr lang="ru-RU" dirty="0" err="1"/>
-              <a:t>class</a:t>
-            </a:r>
-            <a:r>
-              <a:rPr lang="ru-RU" dirty="0"/>
+              <a:rPr lang="en-US" dirty="0"/>
+              <a:t> //</a:t>
+            </a:r>
+            <a:r>
+              <a:rPr lang="ru-RU" dirty="0"/>
+              <a:t>поиск максимума:</a:t>
+            </a:r>
+            <a:r>
+              <a:rPr lang="en-US" dirty="0"/>
+              <a:t>	   </a:t>
+            </a:r>
+          </a:p>
+          <a:p>
+            <a:pPr>
+              <a:buNone/>
+            </a:pPr>
+            <a:r>
+              <a:rPr lang="ru-RU" dirty="0"/>
+              <a:t>	  </a:t>
+            </a:r>
+            <a:r>
+              <a:rPr lang="en-US" dirty="0"/>
+              <a:t>public T </a:t>
+            </a:r>
+            <a:r>
+              <a:rPr lang="en-US" dirty="0" err="1"/>
+              <a:t>FindMax</a:t>
+            </a:r>
+            <a:r>
+              <a:rPr lang="en-US" dirty="0"/>
+              <a:t>()</a:t>
+            </a:r>
+          </a:p>
+          <a:p>
+            <a:pPr>
+              <a:buNone/>
+            </a:pPr>
+            <a:r>
+              <a:rPr lang="en-US" dirty="0"/>
+              <a:t>	  {</a:t>
+            </a:r>
+          </a:p>
+          <a:p>
+            <a:pPr>
+              <a:buNone/>
+            </a:pPr>
+            <a:r>
+              <a:rPr lang="ru-RU" dirty="0"/>
+              <a:t>		</a:t>
+            </a:r>
+            <a:r>
+              <a:rPr lang="en-US" dirty="0"/>
+              <a:t>T max = values[0];</a:t>
+            </a:r>
+          </a:p>
+          <a:p>
+            <a:pPr>
+              <a:buNone/>
+            </a:pPr>
+            <a:r>
+              <a:rPr lang="en-US" dirty="0"/>
+              <a:t>	 	for( </a:t>
+            </a:r>
+            <a:r>
+              <a:rPr lang="en-US" dirty="0" err="1"/>
+              <a:t>int</a:t>
+            </a:r>
+            <a:r>
+              <a:rPr lang="en-US" dirty="0"/>
               <a:t> </a:t>
             </a:r>
             <a:r>
-              <a:rPr lang="ru-RU" dirty="0" err="1"/>
-              <a:t>Person</a:t>
-            </a:r>
-            <a:r>
-              <a:rPr lang="ru-RU" dirty="0"/>
-              <a:t> указывают, что класс является обобщенным, а тип T, заключенный в угловые скобки, будет использоваться этим классом. </a:t>
+              <a:rPr lang="en-US" dirty="0" err="1"/>
+              <a:t>i</a:t>
+            </a:r>
+            <a:r>
+              <a:rPr lang="en-US" dirty="0"/>
+              <a:t>  = 1; </a:t>
+            </a:r>
+            <a:r>
+              <a:rPr lang="en-US" dirty="0" err="1"/>
+              <a:t>i</a:t>
+            </a:r>
+            <a:r>
+              <a:rPr lang="en-US" dirty="0"/>
+              <a:t> &lt; </a:t>
+            </a:r>
+            <a:r>
+              <a:rPr lang="en-US" dirty="0" err="1"/>
+              <a:t>values.Length</a:t>
+            </a:r>
+            <a:r>
+              <a:rPr lang="en-US" dirty="0"/>
+              <a:t>; ++</a:t>
+            </a:r>
+            <a:r>
+              <a:rPr lang="en-US" dirty="0" err="1"/>
+              <a:t>i</a:t>
+            </a:r>
+            <a:r>
+              <a:rPr lang="en-US" dirty="0"/>
+              <a:t> </a:t>
+            </a:r>
+            <a:r>
+              <a:rPr lang="ru-RU" dirty="0"/>
+              <a:t>)</a:t>
+            </a:r>
+            <a:r>
+              <a:rPr lang="en-US" dirty="0"/>
+              <a:t>{</a:t>
+            </a:r>
+          </a:p>
+          <a:p>
+            <a:pPr>
+              <a:buNone/>
+            </a:pPr>
+            <a:r>
+              <a:rPr lang="en-US" dirty="0"/>
+              <a:t>	             if( values[</a:t>
+            </a:r>
+            <a:r>
+              <a:rPr lang="en-US" dirty="0" err="1"/>
+              <a:t>i</a:t>
+            </a:r>
+            <a:r>
+              <a:rPr lang="en-US" dirty="0"/>
+              <a:t>].</a:t>
+            </a:r>
+            <a:r>
+              <a:rPr lang="en-US" dirty="0" err="1"/>
+              <a:t>CompareTo</a:t>
+            </a:r>
+            <a:r>
+              <a:rPr lang="en-US" dirty="0"/>
+              <a:t>( max ) &gt; 0 ){</a:t>
+            </a:r>
+          </a:p>
+          <a:p>
+            <a:pPr>
+              <a:buNone/>
+            </a:pPr>
+            <a:r>
+              <a:rPr lang="en-US" dirty="0"/>
+              <a:t>		            max = values[</a:t>
+            </a:r>
+            <a:r>
+              <a:rPr lang="en-US" dirty="0" err="1"/>
+              <a:t>i</a:t>
+            </a:r>
+            <a:r>
+              <a:rPr lang="en-US" dirty="0"/>
+              <a:t>];</a:t>
+            </a:r>
+          </a:p>
+          <a:p>
+            <a:pPr>
+              <a:buNone/>
+            </a:pPr>
+            <a:r>
+              <a:rPr lang="en-US" dirty="0"/>
+              <a:t>		       }</a:t>
+            </a:r>
+          </a:p>
+          <a:p>
+            <a:pPr>
+              <a:buNone/>
+            </a:pPr>
+            <a:r>
+              <a:rPr lang="en-US" dirty="0"/>
+              <a:t>		}</a:t>
+            </a:r>
+            <a:r>
+              <a:rPr lang="ru-RU" dirty="0"/>
+              <a:t>		</a:t>
             </a:r>
             <a:endParaRPr lang="en-US" dirty="0"/>
           </a:p>
           <a:p>
-            <a:pPr marL="0" indent="0">
+            <a:pPr>
               <a:buNone/>
             </a:pPr>
             <a:r>
-              <a:rPr lang="ru-RU" dirty="0"/>
-              <a:t>Необязательно использовать именно букву T, это может быть любое обозначение. </a:t>
-            </a:r>
-          </a:p>
-          <a:p>
-            <a:pPr marL="0" indent="0">
+              <a:rPr lang="en-US" dirty="0"/>
+              <a:t>		return max;</a:t>
+            </a:r>
+          </a:p>
+          <a:p>
+            <a:pPr>
               <a:buNone/>
             </a:pPr>
             <a:r>
-              <a:rPr lang="ru-RU" dirty="0"/>
-              <a:t>На этапе написания кода неизвестно, что это будет за тип, поэтому параметр T в угловых скобках еще называется универсальным параметром, так как вместо него можно подставить любой тип.</a:t>
-            </a:r>
-            <a:endParaRPr lang="en-US" dirty="0"/>
-          </a:p>
-          <a:p>
-            <a:pPr marL="0" indent="0">
+              <a:rPr lang="en-US" dirty="0"/>
+              <a:t>	</a:t>
+            </a:r>
+            <a:r>
+              <a:rPr lang="ru-RU" dirty="0"/>
+              <a:t>   </a:t>
+            </a:r>
+            <a:r>
+              <a:rPr lang="en-US" dirty="0"/>
+              <a:t>}</a:t>
+            </a:r>
+            <a:r>
+              <a:rPr lang="ru-RU" dirty="0"/>
+              <a:t>    </a:t>
+            </a:r>
+          </a:p>
+          <a:p>
+            <a:pPr>
               <a:buNone/>
             </a:pPr>
-            <a:endParaRPr lang="ru-RU" dirty="0"/>
-          </a:p>
-          <a:p>
-            <a:pPr marL="0" indent="0">
-              <a:buNone/>
-            </a:pPr>
-            <a:r>
-              <a:rPr lang="en-US" dirty="0"/>
-              <a:t>class Person&lt;T&gt;</a:t>
-            </a:r>
-          </a:p>
-          <a:p>
-            <a:pPr marL="0" indent="0">
-              <a:buNone/>
-            </a:pPr>
-            <a:r>
-              <a:rPr lang="en-US" dirty="0"/>
-              <a:t>{</a:t>
-            </a:r>
-          </a:p>
-          <a:p>
-            <a:pPr marL="0" indent="0">
-              <a:buNone/>
-            </a:pPr>
-            <a:r>
-              <a:rPr lang="en-US" dirty="0"/>
-              <a:t>    public T Id { get; set; }</a:t>
-            </a:r>
-          </a:p>
-          <a:p>
-            <a:pPr marL="0" indent="0">
-              <a:buNone/>
-            </a:pPr>
-            <a:r>
-              <a:rPr lang="en-US" dirty="0"/>
-              <a:t>    public string Name { get; set; }</a:t>
-            </a:r>
-          </a:p>
-          <a:p>
-            <a:pPr marL="0" indent="0">
-              <a:buNone/>
-            </a:pPr>
-            <a:r>
-              <a:rPr lang="en-US" dirty="0"/>
-              <a:t>    public Person(T id, string name)</a:t>
-            </a:r>
-          </a:p>
-          <a:p>
-            <a:pPr marL="0" indent="0">
-              <a:buNone/>
-            </a:pPr>
-            <a:r>
-              <a:rPr lang="en-US" dirty="0"/>
-              <a:t>    {</a:t>
-            </a:r>
-          </a:p>
-          <a:p>
-            <a:pPr marL="0" indent="0">
-              <a:buNone/>
-            </a:pPr>
-            <a:r>
-              <a:rPr lang="en-US" dirty="0"/>
-              <a:t>        Id = id; </a:t>
-            </a:r>
-          </a:p>
-          <a:p>
-            <a:pPr marL="0" indent="0">
-              <a:buNone/>
-            </a:pPr>
-            <a:r>
-              <a:rPr lang="en-US" dirty="0"/>
-              <a:t>        Name = name;</a:t>
-            </a:r>
-          </a:p>
-          <a:p>
-            <a:pPr marL="0" indent="0">
-              <a:buNone/>
-            </a:pPr>
-            <a:r>
-              <a:rPr lang="en-US" dirty="0"/>
-              <a:t>    }</a:t>
-            </a:r>
-          </a:p>
-          <a:p>
-            <a:pPr marL="0" indent="0">
-              <a:buNone/>
-            </a:pPr>
-            <a:r>
-              <a:rPr lang="en-US" dirty="0"/>
+            <a:r>
+              <a:rPr lang="ru-RU" dirty="0"/>
               <a:t>}</a:t>
             </a:r>
-            <a:endParaRPr lang="ru-RU" dirty="0"/>
-          </a:p>
-        </p:txBody>
-      </p:sp>
-      <p:sp>
-        <p:nvSpPr>
-          <p:cNvPr id="4" name="Номер слайда 3">
-            <a:extLst>
-              <a:ext uri="{FF2B5EF4-FFF2-40B4-BE49-F238E27FC236}">
-                <a16:creationId xmlns:a16="http://schemas.microsoft.com/office/drawing/2014/main" id="{E2A5398F-7BE0-4995-91D9-73B966400B4D}"/>
-              </a:ext>
-            </a:extLst>
-          </p:cNvPr>
+          </a:p>
+        </p:txBody>
+      </p:sp>
+      <p:sp>
+        <p:nvSpPr>
+          <p:cNvPr id="4" name="Номер слайда 3"/>
           <p:cNvSpPr>
             <a:spLocks noGrp="1"/>
           </p:cNvSpPr>
@@ -5827,7 +4533,7 @@
           <a:bodyPr/>
           <a:lstStyle/>
           <a:p>
-            <a:fld id="{725C68B6-61C2-468F-89AB-4B9F7531AA68}" type="slidenum">
+            <a:fld id="{194E9D9E-8475-4C3D-B07C-FDD1702DB06B}" type="slidenum">
               <a:rPr lang="ru-RU" smtClean="0"/>
               <a:pPr/>
               <a:t>5</a:t>
@@ -5839,7 +4545,7 @@
     </p:spTree>
     <p:extLst>
       <p:ext uri="{BB962C8B-B14F-4D97-AF65-F5344CB8AC3E}">
-        <p14:creationId xmlns:p14="http://schemas.microsoft.com/office/powerpoint/2010/main" val="1171765054"/>
+        <p14:creationId xmlns:p14="http://schemas.microsoft.com/office/powerpoint/2010/main" val="3794680546"/>
       </p:ext>
     </p:extLst>
   </p:cSld>
@@ -5868,216 +4574,119 @@
       </p:grpSpPr>
       <p:sp>
         <p:nvSpPr>
-          <p:cNvPr id="3" name="Объект 2">
-            <a:extLst>
-              <a:ext uri="{FF2B5EF4-FFF2-40B4-BE49-F238E27FC236}">
-                <a16:creationId xmlns:a16="http://schemas.microsoft.com/office/drawing/2014/main" id="{DAB14026-E1A1-4D5D-842C-B0F288E72C0C}"/>
-              </a:ext>
-            </a:extLst>
-          </p:cNvPr>
-          <p:cNvSpPr>
-            <a:spLocks noGrp="1"/>
-          </p:cNvSpPr>
-          <p:nvPr>
-            <p:ph idx="1"/>
+          <p:cNvPr id="2" name="Заголовок 1"/>
+          <p:cNvSpPr>
+            <a:spLocks noGrp="1"/>
+          </p:cNvSpPr>
+          <p:nvPr>
+            <p:ph type="title"/>
           </p:nvPr>
         </p:nvSpPr>
         <p:spPr>
           <a:xfrm>
-            <a:off x="457200" y="260648"/>
-            <a:ext cx="8229600" cy="5865515"/>
+            <a:off x="467544" y="0"/>
+            <a:ext cx="8229600" cy="836712"/>
           </a:xfrm>
         </p:spPr>
         <p:txBody>
+          <a:bodyPr/>
+          <a:lstStyle/>
+          <a:p>
+            <a:r>
+              <a:rPr lang="ru-RU" dirty="0"/>
+              <a:t>Обработка ошибок</a:t>
+            </a:r>
+          </a:p>
+        </p:txBody>
+      </p:sp>
+      <p:sp>
+        <p:nvSpPr>
+          <p:cNvPr id="3" name="Содержимое 2"/>
+          <p:cNvSpPr>
+            <a:spLocks noGrp="1"/>
+          </p:cNvSpPr>
+          <p:nvPr>
+            <p:ph idx="1"/>
+          </p:nvPr>
+        </p:nvSpPr>
+        <p:spPr>
+          <a:xfrm>
+            <a:off x="179512" y="764704"/>
+            <a:ext cx="8784976" cy="6093296"/>
+          </a:xfrm>
+        </p:spPr>
+        <p:txBody>
           <a:bodyPr>
-            <a:normAutofit/>
+            <a:normAutofit fontScale="70000" lnSpcReduction="20000"/>
           </a:bodyPr>
           <a:lstStyle/>
           <a:p>
-            <a:pPr marL="0" indent="0">
-              <a:buNone/>
-            </a:pPr>
-            <a:r>
-              <a:rPr lang="en-US" sz="2200" dirty="0"/>
-              <a:t>Person&lt;int&gt; tom = new Person&lt;int&gt;(546, "Tom");  </a:t>
-            </a:r>
-            <a:endParaRPr lang="ru-RU" sz="2200" dirty="0"/>
-          </a:p>
-          <a:p>
-            <a:pPr marL="0" indent="0">
-              <a:buNone/>
-            </a:pPr>
-            <a:r>
-              <a:rPr lang="en-US" sz="2200" dirty="0"/>
-              <a:t>Person&lt;string&gt; bob = new Person&lt;string&gt;("abc123", "Bob");</a:t>
-            </a:r>
-          </a:p>
-          <a:p>
-            <a:pPr marL="0" indent="0">
-              <a:buNone/>
-            </a:pPr>
-            <a:r>
-              <a:rPr lang="en-US" sz="2200" dirty="0"/>
+            <a:r>
+              <a:rPr lang="ru-RU" b="1" dirty="0"/>
+              <a:t>Программные ошибки (</a:t>
+            </a:r>
+            <a:r>
+              <a:rPr lang="ru-RU" b="1" dirty="0" err="1"/>
+              <a:t>bugs</a:t>
+            </a:r>
+            <a:r>
+              <a:rPr lang="ru-RU" b="1" dirty="0"/>
+              <a:t>)</a:t>
+            </a:r>
+            <a:r>
+              <a:rPr lang="ru-RU" dirty="0"/>
+              <a:t> Так обычно называются ошибки, которые допускает программист. Например, предположим, что приложение создается с помощью неуправляемого языка С++. Если динамически выделяемая память не освобождается, что чревато утечкой памяти, появляется программная ошибка.</a:t>
+            </a:r>
+          </a:p>
+          <a:p>
+            <a:r>
+              <a:rPr lang="ru-RU" b="1" dirty="0"/>
+              <a:t>Пользовательские ошибки (</a:t>
+            </a:r>
+            <a:r>
+              <a:rPr lang="ru-RU" b="1" dirty="0" err="1"/>
+              <a:t>user</a:t>
+            </a:r>
+            <a:r>
+              <a:rPr lang="ru-RU" b="1" dirty="0"/>
               <a:t> </a:t>
             </a:r>
-          </a:p>
-          <a:p>
-            <a:pPr marL="0" indent="0">
-              <a:buNone/>
-            </a:pPr>
-            <a:r>
-              <a:rPr lang="en-US" sz="2200" dirty="0"/>
-              <a:t>int </a:t>
-            </a:r>
-            <a:r>
-              <a:rPr lang="en-US" sz="2200" dirty="0" err="1"/>
-              <a:t>tomId</a:t>
-            </a:r>
-            <a:r>
-              <a:rPr lang="en-US" sz="2200" dirty="0"/>
-              <a:t> = </a:t>
-            </a:r>
-            <a:r>
-              <a:rPr lang="en-US" sz="2200" dirty="0" err="1"/>
-              <a:t>tom.Id</a:t>
-            </a:r>
-            <a:r>
-              <a:rPr lang="en-US" sz="2200" dirty="0"/>
-              <a:t>; </a:t>
-            </a:r>
-            <a:endParaRPr lang="ru-RU" sz="2200" dirty="0"/>
-          </a:p>
-          <a:p>
-            <a:pPr marL="0" indent="0">
-              <a:buNone/>
-            </a:pPr>
-            <a:r>
-              <a:rPr lang="en-US" sz="2200" dirty="0"/>
-              <a:t>string </a:t>
-            </a:r>
-            <a:r>
-              <a:rPr lang="en-US" sz="2200" dirty="0" err="1"/>
-              <a:t>bobId</a:t>
-            </a:r>
-            <a:r>
-              <a:rPr lang="en-US" sz="2200" dirty="0"/>
-              <a:t> = </a:t>
-            </a:r>
-            <a:r>
-              <a:rPr lang="en-US" sz="2200" dirty="0" err="1"/>
-              <a:t>bob.Id</a:t>
-            </a:r>
-            <a:r>
-              <a:rPr lang="en-US" sz="2200" dirty="0"/>
-              <a:t>;  </a:t>
-            </a:r>
-            <a:endParaRPr lang="ru-RU" sz="2200" dirty="0"/>
-          </a:p>
-          <a:p>
-            <a:pPr marL="0" indent="0">
-              <a:buNone/>
-            </a:pPr>
-            <a:r>
-              <a:rPr lang="ru-RU" sz="2200" dirty="0"/>
-              <a:t> </a:t>
-            </a:r>
-          </a:p>
-          <a:p>
-            <a:pPr marL="0" indent="0">
-              <a:buNone/>
-            </a:pPr>
-            <a:r>
-              <a:rPr lang="en-US" sz="2200" dirty="0" err="1"/>
-              <a:t>Console.WriteLine</a:t>
-            </a:r>
-            <a:r>
-              <a:rPr lang="en-US" sz="2200" dirty="0"/>
-              <a:t>(</a:t>
-            </a:r>
-            <a:r>
-              <a:rPr lang="en-US" sz="2200" dirty="0" err="1"/>
-              <a:t>tomId</a:t>
-            </a:r>
-            <a:r>
-              <a:rPr lang="en-US" sz="2200" dirty="0"/>
-              <a:t>);   // 546</a:t>
-            </a:r>
-          </a:p>
-          <a:p>
-            <a:pPr marL="0" indent="0">
-              <a:buNone/>
-            </a:pPr>
-            <a:r>
-              <a:rPr lang="en-US" sz="2200" dirty="0" err="1"/>
-              <a:t>Console.WriteLine</a:t>
-            </a:r>
-            <a:r>
-              <a:rPr lang="en-US" sz="2200" dirty="0"/>
-              <a:t>(</a:t>
-            </a:r>
-            <a:r>
-              <a:rPr lang="en-US" sz="2200" dirty="0" err="1"/>
-              <a:t>bobId</a:t>
-            </a:r>
-            <a:r>
-              <a:rPr lang="en-US" sz="2200" dirty="0"/>
-              <a:t>);   // abc123</a:t>
-            </a:r>
-            <a:endParaRPr lang="ru-RU" sz="2200" dirty="0"/>
-          </a:p>
-          <a:p>
-            <a:pPr marL="0" indent="0">
-              <a:buNone/>
-            </a:pPr>
-            <a:endParaRPr lang="ru-RU" sz="2200" dirty="0"/>
-          </a:p>
-          <a:p>
-            <a:pPr marL="0" indent="0">
-              <a:buNone/>
-            </a:pPr>
-            <a:r>
-              <a:rPr lang="ru-RU" sz="2200" dirty="0"/>
-              <a:t>При попытке передать для параметра </a:t>
-            </a:r>
-            <a:r>
-              <a:rPr lang="ru-RU" sz="2200" dirty="0" err="1"/>
-              <a:t>id</a:t>
-            </a:r>
-            <a:r>
-              <a:rPr lang="ru-RU" sz="2200" dirty="0"/>
-              <a:t> значение другого типа мы получим ошибку компиляции:</a:t>
-            </a:r>
-          </a:p>
-          <a:p>
-            <a:pPr marL="0" indent="0">
-              <a:buNone/>
-            </a:pPr>
-            <a:r>
-              <a:rPr lang="en-US" sz="2200" dirty="0"/>
-              <a:t>Person&lt;int&gt; tom = new Person&lt;int&gt;("546", "Tom");  // </a:t>
-            </a:r>
-            <a:r>
-              <a:rPr lang="ru-RU" sz="2200" dirty="0"/>
-              <a:t>ошибка компиляции</a:t>
-            </a:r>
-          </a:p>
-          <a:p>
-            <a:pPr marL="0" indent="0">
-              <a:buNone/>
-            </a:pPr>
-            <a:endParaRPr lang="ru-RU" sz="2200" dirty="0"/>
-          </a:p>
-        </p:txBody>
-      </p:sp>
-      <p:sp>
-        <p:nvSpPr>
-          <p:cNvPr id="4" name="Номер слайда 3">
-            <a:extLst>
-              <a:ext uri="{FF2B5EF4-FFF2-40B4-BE49-F238E27FC236}">
-                <a16:creationId xmlns:a16="http://schemas.microsoft.com/office/drawing/2014/main" id="{F1E60C3B-EEFE-44CD-BC50-66CE65D138EA}"/>
-              </a:ext>
-            </a:extLst>
-          </p:cNvPr>
+            <a:r>
+              <a:rPr lang="ru-RU" b="1" dirty="0" err="1"/>
+              <a:t>errors</a:t>
+            </a:r>
+            <a:r>
+              <a:rPr lang="ru-RU" b="1" dirty="0"/>
+              <a:t>)</a:t>
+            </a:r>
+            <a:r>
+              <a:rPr lang="ru-RU" dirty="0"/>
+              <a:t> В отличие от программных ошибок, пользовательские ошибки обычно возникают из-за тех, кто запускает приложение, а не тех, кто его создает. Например, ввод строки вместо числа.</a:t>
+            </a:r>
+          </a:p>
+          <a:p>
+            <a:r>
+              <a:rPr lang="ru-RU" b="1" dirty="0"/>
+              <a:t>Исключения (</a:t>
+            </a:r>
+            <a:r>
+              <a:rPr lang="ru-RU" b="1" dirty="0" err="1"/>
+              <a:t>exceptions</a:t>
+            </a:r>
+            <a:r>
+              <a:rPr lang="ru-RU" b="1" dirty="0"/>
+              <a:t>)</a:t>
+            </a:r>
+            <a:r>
+              <a:rPr lang="ru-RU" dirty="0"/>
+              <a:t> Исключениями, или исключительными ситуациями, обычно называются аномалии, которые могут возникать во время выполнения и которые трудно, а порой и вообще невозможно, предусмотреть во время программирования приложения. К числу таких возможных исключений относятся попытки подключения к базе данных, которой больше не существует, попытки открытия поврежденного файла или попытки установки связи с машиной, которая в текущий момент находится в автономном режиме. В каждом из этих случаев программист (и конечный пользователь) мало что может сделать с подобными "исключительными" обстоятельствами.</a:t>
+            </a:r>
+          </a:p>
+        </p:txBody>
+      </p:sp>
+      <p:sp>
+        <p:nvSpPr>
+          <p:cNvPr id="4" name="Номер слайда 3"/>
           <p:cNvSpPr>
             <a:spLocks noGrp="1"/>
           </p:cNvSpPr>
@@ -6090,7 +4699,7 @@
           <a:bodyPr/>
           <a:lstStyle/>
           <a:p>
-            <a:fld id="{725C68B6-61C2-468F-89AB-4B9F7531AA68}" type="slidenum">
+            <a:fld id="{194E9D9E-8475-4C3D-B07C-FDD1702DB06B}" type="slidenum">
               <a:rPr lang="ru-RU" smtClean="0"/>
               <a:pPr/>
               <a:t>6</a:t>
@@ -6102,7 +4711,7 @@
     </p:spTree>
     <p:extLst>
       <p:ext uri="{BB962C8B-B14F-4D97-AF65-F5344CB8AC3E}">
-        <p14:creationId xmlns:p14="http://schemas.microsoft.com/office/powerpoint/2010/main" val="1176123689"/>
+        <p14:creationId xmlns:p14="http://schemas.microsoft.com/office/powerpoint/2010/main" val="476689317"/>
       </p:ext>
     </p:extLst>
   </p:cSld>
@@ -6131,244 +4740,113 @@
       </p:grpSpPr>
       <p:sp>
         <p:nvSpPr>
-          <p:cNvPr id="2" name="Заголовок 1">
-            <a:extLst>
-              <a:ext uri="{FF2B5EF4-FFF2-40B4-BE49-F238E27FC236}">
-                <a16:creationId xmlns:a16="http://schemas.microsoft.com/office/drawing/2014/main" id="{4A5A7A53-F6B0-4BF8-B2B6-7A23C9C63A38}"/>
-              </a:ext>
-            </a:extLst>
-          </p:cNvPr>
-          <p:cNvSpPr>
-            <a:spLocks noGrp="1"/>
-          </p:cNvSpPr>
-          <p:nvPr>
-            <p:ph type="title"/>
+          <p:cNvPr id="3" name="Содержимое 2"/>
+          <p:cNvSpPr>
+            <a:spLocks noGrp="1"/>
+          </p:cNvSpPr>
+          <p:nvPr>
+            <p:ph idx="1"/>
           </p:nvPr>
         </p:nvSpPr>
         <p:spPr>
           <a:xfrm>
-            <a:off x="179512" y="274638"/>
-            <a:ext cx="8856984" cy="850106"/>
+            <a:off x="179512" y="260648"/>
+            <a:ext cx="8784976" cy="6597352"/>
           </a:xfrm>
         </p:spPr>
         <p:txBody>
           <a:bodyPr>
-            <a:normAutofit fontScale="90000"/>
+            <a:normAutofit fontScale="92500" lnSpcReduction="20000"/>
           </a:bodyPr>
           <a:lstStyle/>
           <a:p>
             <a:r>
               <a:rPr lang="ru-RU" dirty="0"/>
-              <a:t>Использование нескольких параметров</a:t>
-            </a:r>
-          </a:p>
-        </p:txBody>
-      </p:sp>
-      <p:sp>
-        <p:nvSpPr>
-          <p:cNvPr id="3" name="Объект 2">
-            <a:extLst>
-              <a:ext uri="{FF2B5EF4-FFF2-40B4-BE49-F238E27FC236}">
-                <a16:creationId xmlns:a16="http://schemas.microsoft.com/office/drawing/2014/main" id="{E0E5CBFF-540A-47C6-B323-54A874556EAC}"/>
-              </a:ext>
-            </a:extLst>
-          </p:cNvPr>
-          <p:cNvSpPr>
-            <a:spLocks noGrp="1"/>
-          </p:cNvSpPr>
-          <p:nvPr>
-            <p:ph idx="1"/>
-          </p:nvPr>
-        </p:nvSpPr>
-        <p:spPr>
-          <a:xfrm>
-            <a:off x="457200" y="1124744"/>
-            <a:ext cx="8229600" cy="5458618"/>
-          </a:xfrm>
-        </p:spPr>
-        <p:txBody>
-          <a:bodyPr>
-            <a:normAutofit fontScale="62500" lnSpcReduction="20000"/>
-          </a:bodyPr>
-          <a:lstStyle/>
-          <a:p>
-            <a:pPr marL="0" indent="0">
-              <a:buNone/>
-            </a:pPr>
-            <a:r>
-              <a:rPr lang="en-US" dirty="0"/>
-              <a:t>class Person&lt;T, K&gt;</a:t>
-            </a:r>
-          </a:p>
-          <a:p>
-            <a:pPr marL="0" indent="0">
-              <a:buNone/>
-            </a:pPr>
-            <a:r>
-              <a:rPr lang="en-US" dirty="0"/>
-              <a:t>{</a:t>
-            </a:r>
-          </a:p>
-          <a:p>
-            <a:pPr marL="0" indent="0">
-              <a:buNone/>
-            </a:pPr>
-            <a:r>
-              <a:rPr lang="en-US" dirty="0"/>
-              <a:t>    public T Id { get;}</a:t>
-            </a:r>
-          </a:p>
-          <a:p>
-            <a:pPr marL="0" indent="0">
-              <a:buNone/>
-            </a:pPr>
-            <a:r>
-              <a:rPr lang="en-US" dirty="0"/>
-              <a:t>    public K Password { get; set; }</a:t>
-            </a:r>
-          </a:p>
-          <a:p>
-            <a:pPr marL="0" indent="0">
-              <a:buNone/>
-            </a:pPr>
-            <a:r>
-              <a:rPr lang="en-US" dirty="0"/>
-              <a:t>    public string Name { get;}</a:t>
-            </a:r>
-          </a:p>
-          <a:p>
-            <a:pPr marL="0" indent="0">
-              <a:buNone/>
-            </a:pPr>
-            <a:r>
-              <a:rPr lang="en-US" dirty="0"/>
-              <a:t>    public Person(T id, K password, string name)</a:t>
-            </a:r>
-          </a:p>
-          <a:p>
-            <a:pPr marL="0" indent="0">
-              <a:buNone/>
-            </a:pPr>
-            <a:r>
-              <a:rPr lang="en-US" dirty="0"/>
-              <a:t>    {</a:t>
-            </a:r>
-          </a:p>
-          <a:p>
-            <a:pPr marL="0" indent="0">
-              <a:buNone/>
-            </a:pPr>
-            <a:r>
-              <a:rPr lang="en-US" dirty="0"/>
-              <a:t>        Id = id; </a:t>
-            </a:r>
-          </a:p>
-          <a:p>
-            <a:pPr marL="0" indent="0">
-              <a:buNone/>
-            </a:pPr>
-            <a:r>
-              <a:rPr lang="en-US" dirty="0"/>
-              <a:t>        Name = name;</a:t>
-            </a:r>
-          </a:p>
-          <a:p>
-            <a:pPr marL="0" indent="0">
-              <a:buNone/>
-            </a:pPr>
-            <a:r>
-              <a:rPr lang="en-US" dirty="0"/>
-              <a:t>        Password = password;</a:t>
-            </a:r>
-          </a:p>
-          <a:p>
-            <a:pPr marL="0" indent="0">
-              <a:buNone/>
-            </a:pPr>
-            <a:r>
-              <a:rPr lang="en-US" dirty="0"/>
-              <a:t>    }</a:t>
-            </a:r>
-          </a:p>
-          <a:p>
-            <a:pPr marL="0" indent="0">
-              <a:buNone/>
-            </a:pPr>
-            <a:r>
-              <a:rPr lang="en-US" dirty="0"/>
-              <a:t>}</a:t>
-            </a:r>
+              <a:t>Для обработки исключений C# оперирует следующими блоками: </a:t>
+            </a:r>
+          </a:p>
+          <a:p>
+            <a:r>
+              <a:rPr lang="ru-RU" dirty="0"/>
+              <a:t>Блоки </a:t>
+            </a:r>
+            <a:r>
+              <a:rPr lang="ru-RU" b="1" dirty="0" err="1"/>
+              <a:t>try</a:t>
+            </a:r>
+            <a:r>
+              <a:rPr lang="ru-RU" dirty="0"/>
+              <a:t> инкапсулируют код, формирующий часть нормальных действий программы, которые потенциально могут столкнуться с серьезными ошибочными ситуациями.</a:t>
+            </a:r>
+          </a:p>
+          <a:p>
+            <a:r>
+              <a:rPr lang="ru-RU" dirty="0"/>
+              <a:t>Блоки </a:t>
+            </a:r>
+            <a:r>
+              <a:rPr lang="ru-RU" b="1" dirty="0" err="1"/>
+              <a:t>catch</a:t>
+            </a:r>
+            <a:r>
+              <a:rPr lang="ru-RU" dirty="0"/>
+              <a:t> инкапсулируют код, который обрабатывает ошибочные ситуации, происходящие в коде блока </a:t>
+            </a:r>
+            <a:r>
+              <a:rPr lang="ru-RU" dirty="0" err="1"/>
+              <a:t>try</a:t>
+            </a:r>
+            <a:r>
+              <a:rPr lang="ru-RU" dirty="0"/>
+              <a:t>. Это также удобное место для протоколирования ошибок.</a:t>
+            </a:r>
+          </a:p>
+          <a:p>
+            <a:r>
+              <a:rPr lang="ru-RU" dirty="0"/>
+              <a:t>Блоки </a:t>
+            </a:r>
+            <a:r>
+              <a:rPr lang="ru-RU" b="1" dirty="0" err="1"/>
+              <a:t>finally</a:t>
+            </a:r>
+            <a:r>
+              <a:rPr lang="ru-RU" dirty="0"/>
+              <a:t> инкапсулируют код, очищающий любые ресурсы или выполняющий другие действия, которые обычно нужно выполнить в конце блоков </a:t>
+            </a:r>
+            <a:r>
+              <a:rPr lang="ru-RU" dirty="0" err="1"/>
+              <a:t>try</a:t>
+            </a:r>
+            <a:r>
+              <a:rPr lang="ru-RU" dirty="0"/>
+              <a:t> или </a:t>
+            </a:r>
+            <a:r>
+              <a:rPr lang="ru-RU" dirty="0" err="1"/>
+              <a:t>catch</a:t>
+            </a:r>
+            <a:r>
+              <a:rPr lang="ru-RU" dirty="0"/>
+              <a:t>. Важно понимать, что этот блок выполняется независимо от того, </a:t>
+            </a:r>
+            <a:r>
+              <a:rPr lang="ru-RU" dirty="0" err="1"/>
+              <a:t>сгенерированo</a:t>
+            </a:r>
+            <a:r>
+              <a:rPr lang="ru-RU" dirty="0"/>
+              <a:t> исключение или нет.</a:t>
+            </a:r>
+          </a:p>
+          <a:p>
             <a:endParaRPr lang="ru-RU" dirty="0"/>
           </a:p>
-          <a:p>
-            <a:pPr marL="0" indent="0">
-              <a:buNone/>
-            </a:pPr>
-            <a:endParaRPr lang="ru-RU" dirty="0"/>
-          </a:p>
-          <a:p>
-            <a:pPr marL="0" indent="0">
-              <a:buNone/>
-            </a:pPr>
-            <a:r>
-              <a:rPr lang="en-US" dirty="0"/>
-              <a:t>Person&lt;int, string&gt; tom = new Person&lt;int, string&gt;(546, "qwerty", "Tom");</a:t>
-            </a:r>
-          </a:p>
-          <a:p>
-            <a:pPr marL="0" indent="0">
-              <a:buNone/>
-            </a:pPr>
-            <a:r>
-              <a:rPr lang="en-US" dirty="0" err="1"/>
-              <a:t>Console.WriteLine</a:t>
-            </a:r>
-            <a:r>
-              <a:rPr lang="en-US" dirty="0"/>
-              <a:t>(</a:t>
-            </a:r>
-            <a:r>
-              <a:rPr lang="en-US" dirty="0" err="1"/>
-              <a:t>tom.Id</a:t>
-            </a:r>
-            <a:r>
-              <a:rPr lang="en-US" dirty="0"/>
-              <a:t>);  // 546</a:t>
-            </a:r>
-          </a:p>
-          <a:p>
-            <a:pPr marL="0" indent="0">
-              <a:buNone/>
-            </a:pPr>
-            <a:r>
-              <a:rPr lang="en-US" dirty="0" err="1"/>
-              <a:t>Console.WriteLine</a:t>
-            </a:r>
-            <a:r>
-              <a:rPr lang="en-US" dirty="0"/>
-              <a:t>(</a:t>
-            </a:r>
-            <a:r>
-              <a:rPr lang="en-US" dirty="0" err="1"/>
-              <a:t>tom.Password</a:t>
-            </a:r>
-            <a:r>
-              <a:rPr lang="en-US" dirty="0"/>
-              <a:t>);// qwerty</a:t>
-            </a:r>
-            <a:endParaRPr lang="ru-RU" dirty="0"/>
-          </a:p>
-        </p:txBody>
-      </p:sp>
-      <p:sp>
-        <p:nvSpPr>
-          <p:cNvPr id="4" name="Номер слайда 3">
-            <a:extLst>
-              <a:ext uri="{FF2B5EF4-FFF2-40B4-BE49-F238E27FC236}">
-                <a16:creationId xmlns:a16="http://schemas.microsoft.com/office/drawing/2014/main" id="{86D9BE0C-D064-49AD-8DB9-8974BABEA2E4}"/>
-              </a:ext>
-            </a:extLst>
-          </p:cNvPr>
+        </p:txBody>
+      </p:sp>
+      <p:sp>
+        <p:nvSpPr>
+          <p:cNvPr id="4" name="Номер слайда 3"/>
           <p:cNvSpPr>
             <a:spLocks noGrp="1"/>
           </p:cNvSpPr>
@@ -6381,7 +4859,7 @@
           <a:bodyPr/>
           <a:lstStyle/>
           <a:p>
-            <a:fld id="{725C68B6-61C2-468F-89AB-4B9F7531AA68}" type="slidenum">
+            <a:fld id="{194E9D9E-8475-4C3D-B07C-FDD1702DB06B}" type="slidenum">
               <a:rPr lang="ru-RU" smtClean="0"/>
               <a:pPr/>
               <a:t>7</a:t>
@@ -6393,7 +4871,7 @@
     </p:spTree>
     <p:extLst>
       <p:ext uri="{BB962C8B-B14F-4D97-AF65-F5344CB8AC3E}">
-        <p14:creationId xmlns:p14="http://schemas.microsoft.com/office/powerpoint/2010/main" val="1708535394"/>
+        <p14:creationId xmlns:p14="http://schemas.microsoft.com/office/powerpoint/2010/main" val="2153577452"/>
       </p:ext>
     </p:extLst>
   </p:cSld>
@@ -6432,19 +4910,17 @@
         </p:nvSpPr>
         <p:spPr>
           <a:xfrm>
-            <a:off x="539552" y="0"/>
-            <a:ext cx="8229600" cy="706090"/>
+            <a:off x="467544" y="0"/>
+            <a:ext cx="8229600" cy="836712"/>
           </a:xfrm>
         </p:spPr>
         <p:txBody>
-          <a:bodyPr>
-            <a:normAutofit fontScale="90000"/>
-          </a:bodyPr>
-          <a:lstStyle/>
-          <a:p>
-            <a:r>
-              <a:rPr lang="ru-RU" dirty="0"/>
-              <a:t>Универсальные(обобщенные) типы</a:t>
+          <a:bodyPr/>
+          <a:lstStyle/>
+          <a:p>
+            <a:r>
+              <a:rPr lang="ru-RU" dirty="0"/>
+              <a:t>Обработка исключений</a:t>
             </a:r>
           </a:p>
         </p:txBody>
@@ -6461,13 +4937,13 @@
         </p:nvSpPr>
         <p:spPr>
           <a:xfrm>
-            <a:off x="179512" y="836712"/>
-            <a:ext cx="8784976" cy="5832648"/>
+            <a:off x="179512" y="908720"/>
+            <a:ext cx="8784976" cy="5760640"/>
           </a:xfrm>
         </p:spPr>
         <p:txBody>
           <a:bodyPr>
-            <a:normAutofit lnSpcReduction="10000"/>
+            <a:normAutofit fontScale="85000" lnSpcReduction="20000"/>
           </a:bodyPr>
           <a:lstStyle/>
           <a:p>
@@ -6475,18 +4951,26 @@
               <a:buNone/>
             </a:pPr>
             <a:r>
-              <a:rPr lang="ru-RU" dirty="0"/>
-              <a:t>Пример определения:</a:t>
-            </a:r>
-            <a:endParaRPr lang="en-US" dirty="0"/>
+              <a:rPr lang="en-US" i="1" dirty="0"/>
+              <a:t>try { </a:t>
+            </a:r>
+            <a:endParaRPr lang="ru-RU" i="1" dirty="0"/>
           </a:p>
           <a:p>
             <a:pPr>
               <a:buNone/>
             </a:pPr>
             <a:r>
-              <a:rPr lang="en-US" dirty="0"/>
-              <a:t>class Storage&lt;T&gt; </a:t>
+              <a:rPr lang="ru-RU" i="1" dirty="0"/>
+              <a:t>	</a:t>
+            </a:r>
+            <a:r>
+              <a:rPr lang="en-US" i="1" dirty="0"/>
+              <a:t>// </a:t>
+            </a:r>
+            <a:r>
+              <a:rPr lang="ru-RU" i="1" dirty="0"/>
+              <a:t>Блок кода, проверяемый на наличие ошибок. </a:t>
             </a:r>
           </a:p>
           <a:p>
@@ -6494,75 +4978,161 @@
               <a:buNone/>
             </a:pPr>
             <a:r>
-              <a:rPr lang="en-US" dirty="0"/>
+              <a:rPr lang="ru-RU" i="1" dirty="0"/>
+              <a:t>} </a:t>
+            </a:r>
+            <a:r>
+              <a:rPr lang="en-US" i="1" dirty="0"/>
+              <a:t>catch (ExcepType1 </a:t>
+            </a:r>
+            <a:r>
+              <a:rPr lang="en-US" i="1" dirty="0" err="1"/>
+              <a:t>exOb</a:t>
+            </a:r>
+            <a:r>
+              <a:rPr lang="en-US" i="1" dirty="0"/>
+              <a:t>) </a:t>
+            </a:r>
+            <a:endParaRPr lang="ru-RU" i="1" dirty="0"/>
+          </a:p>
+          <a:p>
+            <a:pPr>
+              <a:buNone/>
+            </a:pPr>
+            <a:r>
+              <a:rPr lang="en-US" i="1" dirty="0"/>
+              <a:t>{ </a:t>
+            </a:r>
+            <a:endParaRPr lang="ru-RU" i="1" dirty="0"/>
+          </a:p>
+          <a:p>
+            <a:pPr>
+              <a:buNone/>
+            </a:pPr>
+            <a:r>
+              <a:rPr lang="ru-RU" i="1" dirty="0"/>
+              <a:t>	</a:t>
+            </a:r>
+            <a:r>
+              <a:rPr lang="en-US" i="1" dirty="0"/>
+              <a:t>// </a:t>
+            </a:r>
+            <a:r>
+              <a:rPr lang="ru-RU" i="1" dirty="0"/>
+              <a:t>Обработчик исключения типа </a:t>
+            </a:r>
+            <a:r>
+              <a:rPr lang="en-US" i="1" dirty="0"/>
+              <a:t>ExcepType1. </a:t>
+            </a:r>
+            <a:endParaRPr lang="ru-RU" i="1" dirty="0"/>
+          </a:p>
+          <a:p>
+            <a:pPr>
+              <a:buNone/>
+            </a:pPr>
+            <a:r>
+              <a:rPr lang="en-US" i="1" dirty="0"/>
+              <a:t>} catch (ExcepType2 </a:t>
+            </a:r>
+            <a:r>
+              <a:rPr lang="en-US" i="1" dirty="0" err="1"/>
+              <a:t>exOb</a:t>
+            </a:r>
+            <a:r>
+              <a:rPr lang="en-US" i="1" dirty="0"/>
+              <a:t>) </a:t>
+            </a:r>
+            <a:endParaRPr lang="ru-RU" i="1" dirty="0"/>
+          </a:p>
+          <a:p>
+            <a:pPr>
+              <a:buNone/>
+            </a:pPr>
+            <a:r>
+              <a:rPr lang="en-US" i="1" dirty="0"/>
               <a:t>{</a:t>
             </a:r>
+            <a:endParaRPr lang="ru-RU" i="1" dirty="0"/>
+          </a:p>
+          <a:p>
+            <a:pPr>
+              <a:buNone/>
+            </a:pPr>
+            <a:r>
+              <a:rPr lang="en-US" i="1" dirty="0"/>
+              <a:t> </a:t>
+            </a:r>
+            <a:r>
+              <a:rPr lang="ru-RU" i="1" dirty="0"/>
+              <a:t>	</a:t>
+            </a:r>
+            <a:r>
+              <a:rPr lang="en-US" i="1" dirty="0"/>
+              <a:t>// </a:t>
+            </a:r>
+            <a:r>
+              <a:rPr lang="ru-RU" i="1" dirty="0"/>
+              <a:t>Обработчик исключения типа </a:t>
+            </a:r>
+            <a:r>
+              <a:rPr lang="en-US" i="1" dirty="0"/>
+              <a:t>ExcepType2. </a:t>
+            </a:r>
+            <a:endParaRPr lang="ru-RU" i="1" dirty="0"/>
+          </a:p>
+          <a:p>
+            <a:pPr>
+              <a:buNone/>
+            </a:pPr>
+            <a:r>
+              <a:rPr lang="en-US" i="1" dirty="0"/>
+              <a:t>}</a:t>
+            </a:r>
+            <a:r>
+              <a:rPr lang="ru-RU" i="1" dirty="0"/>
+              <a:t> </a:t>
+            </a:r>
+            <a:r>
+              <a:rPr lang="en-US" i="1" dirty="0"/>
+              <a:t>finally</a:t>
+            </a:r>
+          </a:p>
+          <a:p>
+            <a:pPr>
+              <a:buNone/>
+            </a:pPr>
+            <a:r>
+              <a:rPr lang="en-US" i="1" dirty="0"/>
+              <a:t>{</a:t>
+            </a:r>
+          </a:p>
+          <a:p>
+            <a:pPr>
+              <a:buNone/>
+            </a:pPr>
+            <a:r>
+              <a:rPr lang="en-US" i="1" dirty="0"/>
+              <a:t>	//</a:t>
+            </a:r>
+            <a:r>
+              <a:rPr lang="ru-RU" i="1" dirty="0"/>
+              <a:t>действия, которые требуется выполнить в любом случае</a:t>
+            </a:r>
+            <a:endParaRPr lang="en-US" i="1" dirty="0"/>
+          </a:p>
+          <a:p>
+            <a:pPr>
+              <a:buNone/>
+            </a:pPr>
+            <a:r>
+              <a:rPr lang="en-US" i="1" dirty="0"/>
+              <a:t>}</a:t>
+            </a:r>
             <a:endParaRPr lang="ru-RU" dirty="0"/>
           </a:p>
           <a:p>
-            <a:pPr>
-              <a:buNone/>
-            </a:pPr>
-            <a:r>
-              <a:rPr lang="ru-RU" dirty="0"/>
-              <a:t>	</a:t>
-            </a:r>
-            <a:r>
-              <a:rPr lang="en-US" dirty="0"/>
-              <a:t> T[] values;</a:t>
-            </a:r>
-          </a:p>
-          <a:p>
-            <a:pPr>
-              <a:buNone/>
-            </a:pPr>
-            <a:r>
-              <a:rPr lang="en-US" dirty="0"/>
-              <a:t>}</a:t>
-            </a:r>
-          </a:p>
-          <a:p>
-            <a:pPr>
-              <a:buNone/>
-            </a:pPr>
-            <a:r>
-              <a:rPr lang="ru-RU" dirty="0"/>
-              <a:t>Однако, при попытке написать например:</a:t>
-            </a:r>
-          </a:p>
-          <a:p>
-            <a:pPr>
-              <a:buNone/>
-            </a:pPr>
-            <a:r>
-              <a:rPr lang="en-US" dirty="0"/>
-              <a:t>values[1] = new T();</a:t>
-            </a:r>
-          </a:p>
-          <a:p>
-            <a:pPr>
-              <a:buNone/>
-            </a:pPr>
-            <a:r>
-              <a:rPr lang="ru-RU" dirty="0"/>
-              <a:t>возникнет ошибка, т.к. в используемом типе </a:t>
-            </a:r>
-            <a:r>
-              <a:rPr lang="en-US" dirty="0"/>
-              <a:t>T </a:t>
-            </a:r>
-            <a:r>
-              <a:rPr lang="ru-RU" dirty="0"/>
-              <a:t>может не оказаться конструктора по умолчанию. Для этих целей на тип </a:t>
-            </a:r>
-            <a:r>
-              <a:rPr lang="en-US" dirty="0"/>
-              <a:t>T </a:t>
-            </a:r>
-            <a:r>
-              <a:rPr lang="ru-RU" dirty="0"/>
-              <a:t>могут накладываться ограничения.</a:t>
-            </a:r>
+            <a:endParaRPr lang="ru-RU" dirty="0"/>
           </a:p>
         </p:txBody>
       </p:sp>
@@ -6593,7 +5163,7 @@
     </p:spTree>
     <p:extLst>
       <p:ext uri="{BB962C8B-B14F-4D97-AF65-F5344CB8AC3E}">
-        <p14:creationId xmlns:p14="http://schemas.microsoft.com/office/powerpoint/2010/main" val="2043583066"/>
+        <p14:creationId xmlns:p14="http://schemas.microsoft.com/office/powerpoint/2010/main" val="2963333289"/>
       </p:ext>
     </p:extLst>
   </p:cSld>
@@ -6632,13 +5202,13 @@
         </p:nvSpPr>
         <p:spPr>
           <a:xfrm>
-            <a:off x="179512" y="0"/>
-            <a:ext cx="8784976" cy="6858000"/>
+            <a:off x="179512" y="260648"/>
+            <a:ext cx="8784976" cy="6597352"/>
           </a:xfrm>
         </p:spPr>
         <p:txBody>
           <a:bodyPr>
-            <a:normAutofit fontScale="85000" lnSpcReduction="10000"/>
+            <a:normAutofit fontScale="85000" lnSpcReduction="20000"/>
           </a:bodyPr>
           <a:lstStyle/>
           <a:p>
@@ -6646,119 +5216,8 @@
               <a:buNone/>
             </a:pPr>
             <a:r>
-              <a:rPr lang="ru-RU" dirty="0"/>
-              <a:t>	Указываем, что тип </a:t>
-            </a:r>
-            <a:r>
-              <a:rPr lang="en-US" dirty="0"/>
-              <a:t>T </a:t>
-            </a:r>
-            <a:r>
-              <a:rPr lang="ru-RU" dirty="0"/>
-              <a:t>должен реализовать интерфейс </a:t>
-            </a:r>
-            <a:r>
-              <a:rPr lang="en-US" dirty="0" err="1"/>
-              <a:t>IComparable</a:t>
-            </a:r>
-            <a:r>
-              <a:rPr lang="en-US" dirty="0"/>
-              <a:t> – </a:t>
-            </a:r>
-            <a:r>
-              <a:rPr lang="ru-RU" dirty="0"/>
-              <a:t>позволять </a:t>
-            </a:r>
-            <a:r>
-              <a:rPr lang="ru-RU" dirty="0" err="1"/>
-              <a:t>попарное</a:t>
-            </a:r>
-            <a:r>
-              <a:rPr lang="ru-RU" dirty="0"/>
-              <a:t> сравнение элементов + обязателен конструктор по умолчанию:</a:t>
-            </a:r>
-          </a:p>
-          <a:p>
-            <a:pPr>
-              <a:buNone/>
-            </a:pPr>
-            <a:r>
-              <a:rPr lang="en-US" dirty="0"/>
-              <a:t>class Storage&lt;T&gt;  where T : </a:t>
-            </a:r>
-            <a:r>
-              <a:rPr lang="en-US" dirty="0" err="1"/>
-              <a:t>IComparable</a:t>
-            </a:r>
-            <a:r>
-              <a:rPr lang="en-US" dirty="0"/>
-              <a:t>, new()</a:t>
-            </a:r>
-          </a:p>
-          <a:p>
-            <a:pPr>
-              <a:buNone/>
-            </a:pPr>
-            <a:r>
-              <a:rPr lang="ru-RU" dirty="0"/>
-              <a:t>{</a:t>
-            </a:r>
-          </a:p>
-          <a:p>
-            <a:pPr>
-              <a:buNone/>
-            </a:pPr>
-            <a:r>
-              <a:rPr lang="en-US" dirty="0"/>
-              <a:t>        T[] values;</a:t>
-            </a:r>
-          </a:p>
-          <a:p>
-            <a:pPr>
-              <a:buNone/>
-            </a:pPr>
-            <a:r>
-              <a:rPr lang="en-US" dirty="0"/>
-              <a:t>        public Storage()</a:t>
-            </a:r>
-          </a:p>
-          <a:p>
-            <a:pPr>
-              <a:buNone/>
-            </a:pPr>
-            <a:r>
-              <a:rPr lang="ru-RU" dirty="0"/>
-              <a:t>        {</a:t>
-            </a:r>
-          </a:p>
-          <a:p>
-            <a:pPr>
-              <a:buNone/>
-            </a:pPr>
-            <a:r>
-              <a:rPr lang="ru-RU" dirty="0"/>
-              <a:t>		</a:t>
-            </a:r>
-            <a:r>
-              <a:rPr lang="en-US" dirty="0"/>
-              <a:t> values = new T[10];</a:t>
-            </a:r>
-          </a:p>
-          <a:p>
-            <a:pPr>
-              <a:buNone/>
-            </a:pPr>
-            <a:r>
-              <a:rPr lang="en-US" dirty="0"/>
-              <a:t>            </a:t>
-            </a:r>
-            <a:r>
-              <a:rPr lang="ru-RU" dirty="0"/>
-              <a:t> </a:t>
-            </a:r>
-            <a:r>
-              <a:rPr lang="en-US" dirty="0"/>
-              <a:t>for( </a:t>
+              <a:rPr lang="en-US" dirty="0"/>
+              <a:t>static </a:t>
             </a:r>
             <a:r>
               <a:rPr lang="en-US" dirty="0" err="1"/>
@@ -6770,28 +5229,29 @@
             </a:r>
             <a:r>
               <a:rPr lang="en-US" dirty="0" err="1"/>
-              <a:t>i</a:t>
-            </a:r>
-            <a:r>
-              <a:rPr lang="en-US" dirty="0"/>
-              <a:t> = 0; </a:t>
+              <a:t>MyDel</a:t>
+            </a:r>
+            <a:r>
+              <a:rPr lang="en-US" dirty="0"/>
+              <a:t>(</a:t>
             </a:r>
             <a:r>
               <a:rPr lang="en-US" dirty="0" err="1"/>
-              <a:t>values.Length</a:t>
-            </a:r>
-            <a:r>
-              <a:rPr lang="en-US" dirty="0"/>
-              <a:t> &lt; 10; ++</a:t>
+              <a:t>int</a:t>
+            </a:r>
+            <a:r>
+              <a:rPr lang="en-US" dirty="0"/>
+              <a:t> x, </a:t>
             </a:r>
             <a:r>
               <a:rPr lang="en-US" dirty="0" err="1"/>
-              <a:t>i</a:t>
-            </a:r>
-            <a:r>
-              <a:rPr lang="en-US" dirty="0"/>
-              <a:t> ){</a:t>
-            </a:r>
+              <a:t>int</a:t>
+            </a:r>
+            <a:r>
+              <a:rPr lang="en-US" dirty="0"/>
+              <a:t> y) { return x / y; } </a:t>
+            </a:r>
+            <a:endParaRPr lang="ru-RU" dirty="0"/>
           </a:p>
           <a:p>
             <a:pPr>
@@ -6799,16 +5259,49 @@
             </a:pPr>
             <a:r>
               <a:rPr lang="en-US" dirty="0"/>
-              <a:t> 		       values[</a:t>
+              <a:t>static void Main() { </a:t>
+            </a:r>
+            <a:endParaRPr lang="ru-RU" dirty="0"/>
+          </a:p>
+          <a:p>
+            <a:pPr>
+              <a:buNone/>
+            </a:pPr>
+            <a:r>
+              <a:rPr lang="ru-RU" dirty="0"/>
+              <a:t>	</a:t>
+            </a:r>
+            <a:r>
+              <a:rPr lang="en-US" dirty="0"/>
+              <a:t>try { </a:t>
+            </a:r>
+            <a:endParaRPr lang="ru-RU" dirty="0"/>
+          </a:p>
+          <a:p>
+            <a:pPr>
+              <a:buNone/>
+            </a:pPr>
+            <a:r>
+              <a:rPr lang="ru-RU" dirty="0"/>
+              <a:t>		</a:t>
             </a:r>
             <a:r>
               <a:rPr lang="en-US" dirty="0" err="1"/>
-              <a:t>i</a:t>
-            </a:r>
-            <a:r>
-              <a:rPr lang="en-US" dirty="0"/>
-              <a:t>] = new T();</a:t>
-            </a:r>
+              <a:t>Console.Write</a:t>
+            </a:r>
+            <a:r>
+              <a:rPr lang="en-US" dirty="0"/>
+              <a:t>("</a:t>
+            </a:r>
+            <a:r>
+              <a:rPr lang="ru-RU" dirty="0"/>
+              <a:t>Введите </a:t>
+            </a:r>
+            <a:r>
+              <a:rPr lang="en-US" dirty="0"/>
+              <a:t>x: "); </a:t>
+            </a:r>
+            <a:endParaRPr lang="ru-RU" dirty="0"/>
           </a:p>
           <a:p>
             <a:pPr>
@@ -6816,16 +5309,33 @@
             </a:pPr>
             <a:r>
               <a:rPr lang="ru-RU" dirty="0"/>
-              <a:t>            </a:t>
-            </a:r>
-            <a:r>
-              <a:rPr lang="en-US" dirty="0"/>
-              <a:t> </a:t>
-            </a:r>
-            <a:r>
-              <a:rPr lang="ru-RU" dirty="0"/>
-              <a:t> }</a:t>
-            </a:r>
+              <a:t>		</a:t>
+            </a:r>
+            <a:r>
+              <a:rPr lang="en-US" dirty="0" err="1"/>
+              <a:t>int</a:t>
+            </a:r>
+            <a:r>
+              <a:rPr lang="en-US" dirty="0"/>
+              <a:t> x = </a:t>
+            </a:r>
+            <a:r>
+              <a:rPr lang="en-US" dirty="0" err="1"/>
+              <a:t>int.Parse</a:t>
+            </a:r>
+            <a:r>
+              <a:rPr lang="en-US" dirty="0"/>
+              <a:t>(</a:t>
+            </a:r>
+            <a:r>
+              <a:rPr lang="en-US" dirty="0" err="1"/>
+              <a:t>Console.ReadLine</a:t>
+            </a:r>
+            <a:r>
+              <a:rPr lang="en-US" dirty="0"/>
+              <a:t>());</a:t>
+            </a:r>
+            <a:endParaRPr lang="ru-RU" dirty="0"/>
           </a:p>
           <a:p>
             <a:pPr>
@@ -6833,35 +5343,235 @@
             </a:pPr>
             <a:r>
               <a:rPr lang="ru-RU" dirty="0"/>
-              <a:t>        </a:t>
-            </a:r>
-            <a:r>
-              <a:rPr lang="en-US" dirty="0"/>
-              <a:t> </a:t>
-            </a:r>
-            <a:r>
-              <a:rPr lang="ru-RU" dirty="0"/>
-              <a:t>}</a:t>
-            </a:r>
-            <a:endParaRPr lang="en-US" dirty="0"/>
+              <a:t>		</a:t>
+            </a:r>
+            <a:r>
+              <a:rPr lang="en-US" dirty="0" err="1"/>
+              <a:t>Console.Write</a:t>
+            </a:r>
+            <a:r>
+              <a:rPr lang="en-US" dirty="0"/>
+              <a:t>("</a:t>
+            </a:r>
+            <a:r>
+              <a:rPr lang="ru-RU" dirty="0"/>
+              <a:t>Введите </a:t>
+            </a:r>
+            <a:r>
+              <a:rPr lang="en-US" dirty="0"/>
+              <a:t>y: "); </a:t>
+            </a:r>
+            <a:endParaRPr lang="ru-RU" dirty="0"/>
           </a:p>
           <a:p>
             <a:pPr>
               <a:buNone/>
             </a:pPr>
-            <a:endParaRPr lang="en-US" dirty="0"/>
+            <a:r>
+              <a:rPr lang="ru-RU" dirty="0"/>
+              <a:t>		</a:t>
+            </a:r>
+            <a:r>
+              <a:rPr lang="en-US" dirty="0" err="1"/>
+              <a:t>int</a:t>
+            </a:r>
+            <a:r>
+              <a:rPr lang="en-US" dirty="0"/>
+              <a:t> y = </a:t>
+            </a:r>
+            <a:r>
+              <a:rPr lang="en-US" dirty="0" err="1"/>
+              <a:t>int.Parse</a:t>
+            </a:r>
+            <a:r>
+              <a:rPr lang="en-US" dirty="0"/>
+              <a:t>(</a:t>
+            </a:r>
+            <a:r>
+              <a:rPr lang="en-US" dirty="0" err="1"/>
+              <a:t>Console.ReadLine</a:t>
+            </a:r>
+            <a:r>
+              <a:rPr lang="en-US" dirty="0"/>
+              <a:t>()); </a:t>
+            </a:r>
+            <a:endParaRPr lang="ru-RU" dirty="0"/>
           </a:p>
           <a:p>
             <a:pPr>
               <a:buNone/>
             </a:pPr>
             <a:r>
-              <a:rPr lang="en-US" dirty="0"/>
+              <a:rPr lang="ru-RU" dirty="0"/>
+              <a:t>		</a:t>
+            </a:r>
+            <a:r>
+              <a:rPr lang="en-US" dirty="0" err="1"/>
+              <a:t>int</a:t>
+            </a:r>
+            <a:r>
+              <a:rPr lang="en-US" dirty="0"/>
+              <a:t> result = </a:t>
+            </a:r>
+            <a:r>
+              <a:rPr lang="en-US" dirty="0" err="1"/>
+              <a:t>MyDel</a:t>
+            </a:r>
+            <a:r>
+              <a:rPr lang="en-US" dirty="0"/>
+              <a:t>(x, y); </a:t>
+            </a:r>
+            <a:endParaRPr lang="ru-RU" dirty="0"/>
+          </a:p>
+          <a:p>
+            <a:pPr>
+              <a:buNone/>
+            </a:pPr>
+            <a:r>
+              <a:rPr lang="ru-RU" dirty="0"/>
+              <a:t>		</a:t>
+            </a:r>
+            <a:r>
+              <a:rPr lang="en-US" dirty="0" err="1"/>
+              <a:t>Console.WriteLine</a:t>
+            </a:r>
+            <a:r>
+              <a:rPr lang="en-US" dirty="0"/>
+              <a:t>("</a:t>
+            </a:r>
+            <a:r>
+              <a:rPr lang="ru-RU" dirty="0"/>
+              <a:t>Результат: " + </a:t>
+            </a:r>
+            <a:r>
+              <a:rPr lang="en-US" dirty="0"/>
+              <a:t>result); </a:t>
+            </a:r>
+            <a:endParaRPr lang="ru-RU" dirty="0"/>
+          </a:p>
+          <a:p>
+            <a:pPr>
+              <a:buNone/>
+            </a:pPr>
+            <a:r>
+              <a:rPr lang="ru-RU" dirty="0"/>
               <a:t>	</a:t>
             </a:r>
+            <a:r>
+              <a:rPr lang="en-US" dirty="0"/>
+              <a:t>} catch (</a:t>
+            </a:r>
+            <a:r>
+              <a:rPr lang="en-US" dirty="0" err="1"/>
+              <a:t>DivideByZeroException</a:t>
+            </a:r>
+            <a:r>
+              <a:rPr lang="en-US" dirty="0"/>
+              <a:t>) {</a:t>
+            </a:r>
+            <a:r>
+              <a:rPr lang="ru-RU" dirty="0"/>
+              <a:t>	</a:t>
+            </a:r>
+          </a:p>
+          <a:p>
+            <a:pPr>
+              <a:buNone/>
+            </a:pPr>
+            <a:r>
+              <a:rPr lang="ru-RU" dirty="0"/>
+              <a:t>		</a:t>
+            </a:r>
+            <a:r>
+              <a:rPr lang="en-US" dirty="0" err="1"/>
+              <a:t>Console.WriteLine</a:t>
+            </a:r>
+            <a:r>
+              <a:rPr lang="en-US" dirty="0"/>
+              <a:t>("</a:t>
+            </a:r>
+            <a:r>
+              <a:rPr lang="ru-RU" dirty="0"/>
+              <a:t>Деление на 0 </a:t>
+            </a:r>
+            <a:r>
+              <a:rPr lang="en-US" dirty="0"/>
+              <a:t>detected!!!\n");</a:t>
+            </a:r>
             <a:endParaRPr lang="ru-RU" dirty="0"/>
           </a:p>
           <a:p>
+            <a:pPr>
+              <a:buNone/>
+            </a:pPr>
+            <a:r>
+              <a:rPr lang="ru-RU" dirty="0"/>
+              <a:t>		</a:t>
+            </a:r>
+            <a:r>
+              <a:rPr lang="en-US" dirty="0"/>
+              <a:t>return; </a:t>
+            </a:r>
+          </a:p>
+          <a:p>
+            <a:pPr>
+              <a:buNone/>
+            </a:pPr>
+            <a:r>
+              <a:rPr lang="en-US" dirty="0"/>
+              <a:t>	} catch (</a:t>
+            </a:r>
+            <a:r>
+              <a:rPr lang="en-US" dirty="0" err="1"/>
+              <a:t>FormatException</a:t>
+            </a:r>
+            <a:r>
+              <a:rPr lang="en-US" dirty="0"/>
+              <a:t>) { </a:t>
+            </a:r>
+          </a:p>
+          <a:p>
+            <a:pPr>
+              <a:buNone/>
+            </a:pPr>
+            <a:r>
+              <a:rPr lang="en-US" dirty="0"/>
+              <a:t>		</a:t>
+            </a:r>
+            <a:r>
+              <a:rPr lang="en-US" dirty="0" err="1"/>
+              <a:t>Console.WriteLine</a:t>
+            </a:r>
+            <a:r>
+              <a:rPr lang="en-US" dirty="0"/>
+              <a:t>("</a:t>
+            </a:r>
+            <a:r>
+              <a:rPr lang="ru-RU" dirty="0"/>
+              <a:t>Это НЕ число!!!\</a:t>
+            </a:r>
+            <a:r>
+              <a:rPr lang="en-US" dirty="0"/>
+              <a:t>n"); </a:t>
+            </a:r>
+          </a:p>
+          <a:p>
+            <a:pPr>
+              <a:buNone/>
+            </a:pPr>
+            <a:r>
+              <a:rPr lang="en-US" dirty="0"/>
+              <a:t>		return;</a:t>
+            </a:r>
+          </a:p>
+          <a:p>
+            <a:pPr>
+              <a:buNone/>
+            </a:pPr>
+            <a:r>
+              <a:rPr lang="en-US" dirty="0"/>
+              <a:t>	}</a:t>
+            </a:r>
             <a:endParaRPr lang="ru-RU" dirty="0"/>
           </a:p>
         </p:txBody>
@@ -6893,7 +5603,7 @@
     </p:spTree>
     <p:extLst>
       <p:ext uri="{BB962C8B-B14F-4D97-AF65-F5344CB8AC3E}">
-        <p14:creationId xmlns:p14="http://schemas.microsoft.com/office/powerpoint/2010/main" val="1030924449"/>
+        <p14:creationId xmlns:p14="http://schemas.microsoft.com/office/powerpoint/2010/main" val="302153513"/>
       </p:ext>
     </p:extLst>
   </p:cSld>
